--- a/slides/klasse13.pptx
+++ b/slides/klasse13.pptx
@@ -6,9 +6,19 @@
   </p:sldMasterIdLst>
   <p:sldIdLst>
     <p:sldId id="256" r:id="rId2"/>
-    <p:sldId id="257" r:id="rId3"/>
-    <p:sldId id="258" r:id="rId4"/>
+    <p:sldId id="258" r:id="rId3"/>
+    <p:sldId id="261" r:id="rId4"/>
     <p:sldId id="259" r:id="rId5"/>
+    <p:sldId id="267" r:id="rId6"/>
+    <p:sldId id="257" r:id="rId7"/>
+    <p:sldId id="260" r:id="rId8"/>
+    <p:sldId id="262" r:id="rId9"/>
+    <p:sldId id="268" r:id="rId10"/>
+    <p:sldId id="263" r:id="rId11"/>
+    <p:sldId id="264" r:id="rId12"/>
+    <p:sldId id="265" r:id="rId13"/>
+    <p:sldId id="266" r:id="rId14"/>
+    <p:sldId id="269" r:id="rId15"/>
   </p:sldIdLst>
   <p:sldSz cx="12192000" cy="6858000"/>
   <p:notesSz cx="6858000" cy="9144000"/>
@@ -107,7 +117,2898 @@
       </a:defRPr>
     </a:lvl9pPr>
   </p:defaultTextStyle>
+  <p:extLst>
+    <p:ext uri="{EFAFB233-063F-42B5-8137-9DF3F51BA10A}">
+      <p15:sldGuideLst xmlns:p15="http://schemas.microsoft.com/office/powerpoint/2012/main"/>
+    </p:ext>
+  </p:extLst>
 </p:presentation>
+</file>
+
+<file path=ppt/commentAuthors.xml><?xml version="1.0" encoding="utf-8"?>
+<p:cmAuthorLst xmlns:a="http://schemas.openxmlformats.org/drawingml/2006/main" xmlns:r="http://schemas.openxmlformats.org/officeDocument/2006/relationships" xmlns:p="http://schemas.openxmlformats.org/presentationml/2006/main">
+  <p:cmAuthor id="1" name="Abarca Bayona, Carlos" initials="ABC" lastIdx="1" clrIdx="0">
+    <p:extLst>
+      <p:ext uri="{19B8F6BF-5375-455C-9EA6-DF929625EA0E}">
+        <p15:presenceInfo xmlns:p15="http://schemas.microsoft.com/office/powerpoint/2012/main" userId="" providerId=""/>
+      </p:ext>
+    </p:extLst>
+  </p:cmAuthor>
+  <p:cmAuthor id="2" name="Abarca Bayona, Carlos" initials="ABC [2]" lastIdx="1" clrIdx="1">
+    <p:extLst>
+      <p:ext uri="{19B8F6BF-5375-455C-9EA6-DF929625EA0E}">
+        <p15:presenceInfo xmlns:p15="http://schemas.microsoft.com/office/powerpoint/2012/main" userId="" providerId=""/>
+      </p:ext>
+    </p:extLst>
+  </p:cmAuthor>
+</p:cmAuthorLst>
+</file>
+
+<file path=ppt/comments/comment1.xml><?xml version="1.0" encoding="utf-8"?>
+<p:cmLst xmlns:a="http://schemas.openxmlformats.org/drawingml/2006/main" xmlns:r="http://schemas.openxmlformats.org/officeDocument/2006/relationships" xmlns:p="http://schemas.openxmlformats.org/presentationml/2006/main">
+  <p:cm authorId="1" dt="2016-08-25T15:02:14.479" idx="1">
+    <p:pos x="5119" y="1008"/>
+    <p:text>Remember that in Python Boolean values are Capitalised: True / False</p:text>
+    <p:extLst>
+      <p:ext uri="{C676402C-5697-4E1C-873F-D02D1690AC5C}">
+        <p15:threadingInfo xmlns:p15="http://schemas.microsoft.com/office/powerpoint/2012/main" timeZoneBias="-120"/>
+      </p:ext>
+    </p:extLst>
+  </p:cm>
+</p:cmLst>
+</file>
+
+<file path=ppt/diagrams/colors1.xml><?xml version="1.0" encoding="utf-8"?>
+<dgm:colorsDef xmlns:dgm="http://schemas.openxmlformats.org/drawingml/2006/diagram" xmlns:a="http://schemas.openxmlformats.org/drawingml/2006/main" uniqueId="urn:microsoft.com/office/officeart/2005/8/colors/accent1_2">
+  <dgm:title val=""/>
+  <dgm:desc val=""/>
+  <dgm:catLst>
+    <dgm:cat type="accent1" pri="11200"/>
+  </dgm:catLst>
+  <dgm:styleLbl name="node0">
+    <dgm:fillClrLst meth="repeat">
+      <a:schemeClr val="accent1"/>
+    </dgm:fillClrLst>
+    <dgm:linClrLst meth="repeat">
+      <a:schemeClr val="lt1"/>
+    </dgm:linClrLst>
+    <dgm:effectClrLst/>
+    <dgm:txLinClrLst/>
+    <dgm:txFillClrLst/>
+    <dgm:txEffectClrLst/>
+  </dgm:styleLbl>
+  <dgm:styleLbl name="alignNode1">
+    <dgm:fillClrLst meth="repeat">
+      <a:schemeClr val="accent1"/>
+    </dgm:fillClrLst>
+    <dgm:linClrLst meth="repeat">
+      <a:schemeClr val="accent1"/>
+    </dgm:linClrLst>
+    <dgm:effectClrLst/>
+    <dgm:txLinClrLst/>
+    <dgm:txFillClrLst/>
+    <dgm:txEffectClrLst/>
+  </dgm:styleLbl>
+  <dgm:styleLbl name="node1">
+    <dgm:fillClrLst meth="repeat">
+      <a:schemeClr val="accent1"/>
+    </dgm:fillClrLst>
+    <dgm:linClrLst meth="repeat">
+      <a:schemeClr val="lt1"/>
+    </dgm:linClrLst>
+    <dgm:effectClrLst/>
+    <dgm:txLinClrLst/>
+    <dgm:txFillClrLst/>
+    <dgm:txEffectClrLst/>
+  </dgm:styleLbl>
+  <dgm:styleLbl name="lnNode1">
+    <dgm:fillClrLst meth="repeat">
+      <a:schemeClr val="accent1"/>
+    </dgm:fillClrLst>
+    <dgm:linClrLst meth="repeat">
+      <a:schemeClr val="lt1"/>
+    </dgm:linClrLst>
+    <dgm:effectClrLst/>
+    <dgm:txLinClrLst/>
+    <dgm:txFillClrLst/>
+    <dgm:txEffectClrLst/>
+  </dgm:styleLbl>
+  <dgm:styleLbl name="vennNode1">
+    <dgm:fillClrLst meth="repeat">
+      <a:schemeClr val="accent1">
+        <a:alpha val="50000"/>
+      </a:schemeClr>
+    </dgm:fillClrLst>
+    <dgm:linClrLst meth="repeat">
+      <a:schemeClr val="lt1"/>
+    </dgm:linClrLst>
+    <dgm:effectClrLst/>
+    <dgm:txLinClrLst/>
+    <dgm:txFillClrLst/>
+    <dgm:txEffectClrLst/>
+  </dgm:styleLbl>
+  <dgm:styleLbl name="node2">
+    <dgm:fillClrLst meth="repeat">
+      <a:schemeClr val="accent1"/>
+    </dgm:fillClrLst>
+    <dgm:linClrLst meth="repeat">
+      <a:schemeClr val="lt1"/>
+    </dgm:linClrLst>
+    <dgm:effectClrLst/>
+    <dgm:txLinClrLst/>
+    <dgm:txFillClrLst/>
+    <dgm:txEffectClrLst/>
+  </dgm:styleLbl>
+  <dgm:styleLbl name="node3">
+    <dgm:fillClrLst meth="repeat">
+      <a:schemeClr val="accent1"/>
+    </dgm:fillClrLst>
+    <dgm:linClrLst meth="repeat">
+      <a:schemeClr val="lt1"/>
+    </dgm:linClrLst>
+    <dgm:effectClrLst/>
+    <dgm:txLinClrLst/>
+    <dgm:txFillClrLst/>
+    <dgm:txEffectClrLst/>
+  </dgm:styleLbl>
+  <dgm:styleLbl name="node4">
+    <dgm:fillClrLst meth="repeat">
+      <a:schemeClr val="accent1"/>
+    </dgm:fillClrLst>
+    <dgm:linClrLst meth="repeat">
+      <a:schemeClr val="lt1"/>
+    </dgm:linClrLst>
+    <dgm:effectClrLst/>
+    <dgm:txLinClrLst/>
+    <dgm:txFillClrLst/>
+    <dgm:txEffectClrLst/>
+  </dgm:styleLbl>
+  <dgm:styleLbl name="fgImgPlace1">
+    <dgm:fillClrLst meth="repeat">
+      <a:schemeClr val="accent1">
+        <a:tint val="50000"/>
+      </a:schemeClr>
+    </dgm:fillClrLst>
+    <dgm:linClrLst meth="repeat">
+      <a:schemeClr val="lt1"/>
+    </dgm:linClrLst>
+    <dgm:effectClrLst/>
+    <dgm:txLinClrLst/>
+    <dgm:txFillClrLst meth="repeat">
+      <a:schemeClr val="lt1"/>
+    </dgm:txFillClrLst>
+    <dgm:txEffectClrLst/>
+  </dgm:styleLbl>
+  <dgm:styleLbl name="alignImgPlace1">
+    <dgm:fillClrLst meth="repeat">
+      <a:schemeClr val="accent1">
+        <a:tint val="50000"/>
+      </a:schemeClr>
+    </dgm:fillClrLst>
+    <dgm:linClrLst meth="repeat">
+      <a:schemeClr val="lt1"/>
+    </dgm:linClrLst>
+    <dgm:effectClrLst/>
+    <dgm:txLinClrLst/>
+    <dgm:txFillClrLst meth="repeat">
+      <a:schemeClr val="lt1"/>
+    </dgm:txFillClrLst>
+    <dgm:txEffectClrLst/>
+  </dgm:styleLbl>
+  <dgm:styleLbl name="bgImgPlace1">
+    <dgm:fillClrLst meth="repeat">
+      <a:schemeClr val="accent1">
+        <a:tint val="50000"/>
+      </a:schemeClr>
+    </dgm:fillClrLst>
+    <dgm:linClrLst meth="repeat">
+      <a:schemeClr val="lt1"/>
+    </dgm:linClrLst>
+    <dgm:effectClrLst/>
+    <dgm:txLinClrLst/>
+    <dgm:txFillClrLst meth="repeat">
+      <a:schemeClr val="lt1"/>
+    </dgm:txFillClrLst>
+    <dgm:txEffectClrLst/>
+  </dgm:styleLbl>
+  <dgm:styleLbl name="sibTrans2D1">
+    <dgm:fillClrLst meth="repeat">
+      <a:schemeClr val="accent1">
+        <a:tint val="60000"/>
+      </a:schemeClr>
+    </dgm:fillClrLst>
+    <dgm:linClrLst meth="repeat">
+      <a:schemeClr val="accent1">
+        <a:tint val="60000"/>
+      </a:schemeClr>
+    </dgm:linClrLst>
+    <dgm:effectClrLst/>
+    <dgm:txLinClrLst/>
+    <dgm:txFillClrLst/>
+    <dgm:txEffectClrLst/>
+  </dgm:styleLbl>
+  <dgm:styleLbl name="fgSibTrans2D1">
+    <dgm:fillClrLst meth="repeat">
+      <a:schemeClr val="accent1">
+        <a:tint val="60000"/>
+      </a:schemeClr>
+    </dgm:fillClrLst>
+    <dgm:linClrLst meth="repeat">
+      <a:schemeClr val="accent1">
+        <a:tint val="60000"/>
+      </a:schemeClr>
+    </dgm:linClrLst>
+    <dgm:effectClrLst/>
+    <dgm:txLinClrLst/>
+    <dgm:txFillClrLst/>
+    <dgm:txEffectClrLst/>
+  </dgm:styleLbl>
+  <dgm:styleLbl name="bgSibTrans2D1">
+    <dgm:fillClrLst meth="repeat">
+      <a:schemeClr val="accent1">
+        <a:tint val="60000"/>
+      </a:schemeClr>
+    </dgm:fillClrLst>
+    <dgm:linClrLst meth="repeat">
+      <a:schemeClr val="accent1">
+        <a:tint val="60000"/>
+      </a:schemeClr>
+    </dgm:linClrLst>
+    <dgm:effectClrLst/>
+    <dgm:txLinClrLst/>
+    <dgm:txFillClrLst/>
+    <dgm:txEffectClrLst/>
+  </dgm:styleLbl>
+  <dgm:styleLbl name="sibTrans1D1">
+    <dgm:fillClrLst meth="repeat">
+      <a:schemeClr val="accent1"/>
+    </dgm:fillClrLst>
+    <dgm:linClrLst meth="repeat">
+      <a:schemeClr val="accent1"/>
+    </dgm:linClrLst>
+    <dgm:effectClrLst/>
+    <dgm:txLinClrLst/>
+    <dgm:txFillClrLst meth="repeat">
+      <a:schemeClr val="tx1"/>
+    </dgm:txFillClrLst>
+    <dgm:txEffectClrLst/>
+  </dgm:styleLbl>
+  <dgm:styleLbl name="callout">
+    <dgm:fillClrLst meth="repeat">
+      <a:schemeClr val="accent1"/>
+    </dgm:fillClrLst>
+    <dgm:linClrLst meth="repeat">
+      <a:schemeClr val="accent1">
+        <a:tint val="50000"/>
+      </a:schemeClr>
+    </dgm:linClrLst>
+    <dgm:effectClrLst/>
+    <dgm:txLinClrLst/>
+    <dgm:txFillClrLst meth="repeat">
+      <a:schemeClr val="tx1"/>
+    </dgm:txFillClrLst>
+    <dgm:txEffectClrLst/>
+  </dgm:styleLbl>
+  <dgm:styleLbl name="asst0">
+    <dgm:fillClrLst meth="repeat">
+      <a:schemeClr val="accent1"/>
+    </dgm:fillClrLst>
+    <dgm:linClrLst meth="repeat">
+      <a:schemeClr val="lt1"/>
+    </dgm:linClrLst>
+    <dgm:effectClrLst/>
+    <dgm:txLinClrLst/>
+    <dgm:txFillClrLst/>
+    <dgm:txEffectClrLst/>
+  </dgm:styleLbl>
+  <dgm:styleLbl name="asst1">
+    <dgm:fillClrLst meth="repeat">
+      <a:schemeClr val="accent1"/>
+    </dgm:fillClrLst>
+    <dgm:linClrLst meth="repeat">
+      <a:schemeClr val="lt1"/>
+    </dgm:linClrLst>
+    <dgm:effectClrLst/>
+    <dgm:txLinClrLst/>
+    <dgm:txFillClrLst/>
+    <dgm:txEffectClrLst/>
+  </dgm:styleLbl>
+  <dgm:styleLbl name="asst2">
+    <dgm:fillClrLst meth="repeat">
+      <a:schemeClr val="accent1"/>
+    </dgm:fillClrLst>
+    <dgm:linClrLst meth="repeat">
+      <a:schemeClr val="lt1"/>
+    </dgm:linClrLst>
+    <dgm:effectClrLst/>
+    <dgm:txLinClrLst/>
+    <dgm:txFillClrLst/>
+    <dgm:txEffectClrLst/>
+  </dgm:styleLbl>
+  <dgm:styleLbl name="asst3">
+    <dgm:fillClrLst meth="repeat">
+      <a:schemeClr val="accent1"/>
+    </dgm:fillClrLst>
+    <dgm:linClrLst meth="repeat">
+      <a:schemeClr val="lt1"/>
+    </dgm:linClrLst>
+    <dgm:effectClrLst/>
+    <dgm:txLinClrLst/>
+    <dgm:txFillClrLst/>
+    <dgm:txEffectClrLst/>
+  </dgm:styleLbl>
+  <dgm:styleLbl name="asst4">
+    <dgm:fillClrLst meth="repeat">
+      <a:schemeClr val="accent1"/>
+    </dgm:fillClrLst>
+    <dgm:linClrLst meth="repeat">
+      <a:schemeClr val="lt1"/>
+    </dgm:linClrLst>
+    <dgm:effectClrLst/>
+    <dgm:txLinClrLst/>
+    <dgm:txFillClrLst/>
+    <dgm:txEffectClrLst/>
+  </dgm:styleLbl>
+  <dgm:styleLbl name="parChTrans2D1">
+    <dgm:fillClrLst meth="repeat">
+      <a:schemeClr val="accent1">
+        <a:tint val="60000"/>
+      </a:schemeClr>
+    </dgm:fillClrLst>
+    <dgm:linClrLst meth="repeat">
+      <a:schemeClr val="accent1">
+        <a:tint val="60000"/>
+      </a:schemeClr>
+    </dgm:linClrLst>
+    <dgm:effectClrLst/>
+    <dgm:txLinClrLst/>
+    <dgm:txFillClrLst meth="repeat">
+      <a:schemeClr val="lt1"/>
+    </dgm:txFillClrLst>
+    <dgm:txEffectClrLst/>
+  </dgm:styleLbl>
+  <dgm:styleLbl name="parChTrans2D2">
+    <dgm:fillClrLst meth="repeat">
+      <a:schemeClr val="accent1"/>
+    </dgm:fillClrLst>
+    <dgm:linClrLst meth="repeat">
+      <a:schemeClr val="accent1"/>
+    </dgm:linClrLst>
+    <dgm:effectClrLst/>
+    <dgm:txLinClrLst/>
+    <dgm:txFillClrLst meth="repeat">
+      <a:schemeClr val="lt1"/>
+    </dgm:txFillClrLst>
+    <dgm:txEffectClrLst/>
+  </dgm:styleLbl>
+  <dgm:styleLbl name="parChTrans2D3">
+    <dgm:fillClrLst meth="repeat">
+      <a:schemeClr val="accent1"/>
+    </dgm:fillClrLst>
+    <dgm:linClrLst meth="repeat">
+      <a:schemeClr val="accent1"/>
+    </dgm:linClrLst>
+    <dgm:effectClrLst/>
+    <dgm:txLinClrLst/>
+    <dgm:txFillClrLst meth="repeat">
+      <a:schemeClr val="lt1"/>
+    </dgm:txFillClrLst>
+    <dgm:txEffectClrLst/>
+  </dgm:styleLbl>
+  <dgm:styleLbl name="parChTrans2D4">
+    <dgm:fillClrLst meth="repeat">
+      <a:schemeClr val="accent1"/>
+    </dgm:fillClrLst>
+    <dgm:linClrLst meth="repeat">
+      <a:schemeClr val="accent1"/>
+    </dgm:linClrLst>
+    <dgm:effectClrLst/>
+    <dgm:txLinClrLst/>
+    <dgm:txFillClrLst meth="repeat">
+      <a:schemeClr val="lt1"/>
+    </dgm:txFillClrLst>
+    <dgm:txEffectClrLst/>
+  </dgm:styleLbl>
+  <dgm:styleLbl name="parChTrans1D1">
+    <dgm:fillClrLst meth="repeat">
+      <a:schemeClr val="accent1"/>
+    </dgm:fillClrLst>
+    <dgm:linClrLst meth="repeat">
+      <a:schemeClr val="accent1">
+        <a:shade val="60000"/>
+      </a:schemeClr>
+    </dgm:linClrLst>
+    <dgm:effectClrLst/>
+    <dgm:txLinClrLst/>
+    <dgm:txFillClrLst meth="repeat">
+      <a:schemeClr val="tx1"/>
+    </dgm:txFillClrLst>
+    <dgm:txEffectClrLst/>
+  </dgm:styleLbl>
+  <dgm:styleLbl name="parChTrans1D2">
+    <dgm:fillClrLst meth="repeat">
+      <a:schemeClr val="accent1"/>
+    </dgm:fillClrLst>
+    <dgm:linClrLst meth="repeat">
+      <a:schemeClr val="accent1">
+        <a:shade val="60000"/>
+      </a:schemeClr>
+    </dgm:linClrLst>
+    <dgm:effectClrLst/>
+    <dgm:txLinClrLst/>
+    <dgm:txFillClrLst meth="repeat">
+      <a:schemeClr val="tx1"/>
+    </dgm:txFillClrLst>
+    <dgm:txEffectClrLst/>
+  </dgm:styleLbl>
+  <dgm:styleLbl name="parChTrans1D3">
+    <dgm:fillClrLst meth="repeat">
+      <a:schemeClr val="accent1"/>
+    </dgm:fillClrLst>
+    <dgm:linClrLst meth="repeat">
+      <a:schemeClr val="accent1">
+        <a:shade val="80000"/>
+      </a:schemeClr>
+    </dgm:linClrLst>
+    <dgm:effectClrLst/>
+    <dgm:txLinClrLst/>
+    <dgm:txFillClrLst meth="repeat">
+      <a:schemeClr val="tx1"/>
+    </dgm:txFillClrLst>
+    <dgm:txEffectClrLst/>
+  </dgm:styleLbl>
+  <dgm:styleLbl name="parChTrans1D4">
+    <dgm:fillClrLst meth="repeat">
+      <a:schemeClr val="accent1"/>
+    </dgm:fillClrLst>
+    <dgm:linClrLst meth="repeat">
+      <a:schemeClr val="accent1">
+        <a:shade val="80000"/>
+      </a:schemeClr>
+    </dgm:linClrLst>
+    <dgm:effectClrLst/>
+    <dgm:txLinClrLst/>
+    <dgm:txFillClrLst meth="repeat">
+      <a:schemeClr val="tx1"/>
+    </dgm:txFillClrLst>
+    <dgm:txEffectClrLst/>
+  </dgm:styleLbl>
+  <dgm:styleLbl name="fgAcc1">
+    <dgm:fillClrLst meth="repeat">
+      <a:schemeClr val="lt1">
+        <a:alpha val="90000"/>
+      </a:schemeClr>
+    </dgm:fillClrLst>
+    <dgm:linClrLst meth="repeat">
+      <a:schemeClr val="accent1"/>
+    </dgm:linClrLst>
+    <dgm:effectClrLst/>
+    <dgm:txLinClrLst/>
+    <dgm:txFillClrLst meth="repeat">
+      <a:schemeClr val="dk1"/>
+    </dgm:txFillClrLst>
+    <dgm:txEffectClrLst/>
+  </dgm:styleLbl>
+  <dgm:styleLbl name="conFgAcc1">
+    <dgm:fillClrLst meth="repeat">
+      <a:schemeClr val="lt1">
+        <a:alpha val="90000"/>
+      </a:schemeClr>
+    </dgm:fillClrLst>
+    <dgm:linClrLst meth="repeat">
+      <a:schemeClr val="accent1"/>
+    </dgm:linClrLst>
+    <dgm:effectClrLst/>
+    <dgm:txLinClrLst/>
+    <dgm:txFillClrLst meth="repeat">
+      <a:schemeClr val="dk1"/>
+    </dgm:txFillClrLst>
+    <dgm:txEffectClrLst/>
+  </dgm:styleLbl>
+  <dgm:styleLbl name="alignAcc1">
+    <dgm:fillClrLst meth="repeat">
+      <a:schemeClr val="lt1">
+        <a:alpha val="90000"/>
+      </a:schemeClr>
+    </dgm:fillClrLst>
+    <dgm:linClrLst meth="repeat">
+      <a:schemeClr val="accent1"/>
+    </dgm:linClrLst>
+    <dgm:effectClrLst/>
+    <dgm:txLinClrLst/>
+    <dgm:txFillClrLst meth="repeat">
+      <a:schemeClr val="dk1"/>
+    </dgm:txFillClrLst>
+    <dgm:txEffectClrLst/>
+  </dgm:styleLbl>
+  <dgm:styleLbl name="trAlignAcc1">
+    <dgm:fillClrLst meth="repeat">
+      <a:schemeClr val="lt1">
+        <a:alpha val="40000"/>
+      </a:schemeClr>
+    </dgm:fillClrLst>
+    <dgm:linClrLst meth="repeat">
+      <a:schemeClr val="accent1"/>
+    </dgm:linClrLst>
+    <dgm:effectClrLst/>
+    <dgm:txLinClrLst/>
+    <dgm:txFillClrLst meth="repeat">
+      <a:schemeClr val="dk1"/>
+    </dgm:txFillClrLst>
+    <dgm:txEffectClrLst/>
+  </dgm:styleLbl>
+  <dgm:styleLbl name="bgAcc1">
+    <dgm:fillClrLst meth="repeat">
+      <a:schemeClr val="lt1">
+        <a:alpha val="90000"/>
+      </a:schemeClr>
+    </dgm:fillClrLst>
+    <dgm:linClrLst meth="repeat">
+      <a:schemeClr val="accent1"/>
+    </dgm:linClrLst>
+    <dgm:effectClrLst/>
+    <dgm:txLinClrLst/>
+    <dgm:txFillClrLst meth="repeat">
+      <a:schemeClr val="dk1"/>
+    </dgm:txFillClrLst>
+    <dgm:txEffectClrLst/>
+  </dgm:styleLbl>
+  <dgm:styleLbl name="solidFgAcc1">
+    <dgm:fillClrLst meth="repeat">
+      <a:schemeClr val="lt1"/>
+    </dgm:fillClrLst>
+    <dgm:linClrLst meth="repeat">
+      <a:schemeClr val="accent1"/>
+    </dgm:linClrLst>
+    <dgm:effectClrLst/>
+    <dgm:txLinClrLst/>
+    <dgm:txFillClrLst meth="repeat">
+      <a:schemeClr val="dk1"/>
+    </dgm:txFillClrLst>
+    <dgm:txEffectClrLst/>
+  </dgm:styleLbl>
+  <dgm:styleLbl name="solidAlignAcc1">
+    <dgm:fillClrLst meth="repeat">
+      <a:schemeClr val="lt1"/>
+    </dgm:fillClrLst>
+    <dgm:linClrLst meth="repeat">
+      <a:schemeClr val="accent1"/>
+    </dgm:linClrLst>
+    <dgm:effectClrLst/>
+    <dgm:txLinClrLst/>
+    <dgm:txFillClrLst meth="repeat">
+      <a:schemeClr val="dk1"/>
+    </dgm:txFillClrLst>
+    <dgm:txEffectClrLst/>
+  </dgm:styleLbl>
+  <dgm:styleLbl name="solidBgAcc1">
+    <dgm:fillClrLst meth="repeat">
+      <a:schemeClr val="lt1"/>
+    </dgm:fillClrLst>
+    <dgm:linClrLst meth="repeat">
+      <a:schemeClr val="accent1"/>
+    </dgm:linClrLst>
+    <dgm:effectClrLst/>
+    <dgm:txLinClrLst/>
+    <dgm:txFillClrLst meth="repeat">
+      <a:schemeClr val="dk1"/>
+    </dgm:txFillClrLst>
+    <dgm:txEffectClrLst/>
+  </dgm:styleLbl>
+  <dgm:styleLbl name="fgAccFollowNode1">
+    <dgm:fillClrLst meth="repeat">
+      <a:schemeClr val="accent1">
+        <a:alpha val="90000"/>
+        <a:tint val="40000"/>
+      </a:schemeClr>
+    </dgm:fillClrLst>
+    <dgm:linClrLst meth="repeat">
+      <a:schemeClr val="accent1">
+        <a:alpha val="90000"/>
+        <a:tint val="40000"/>
+      </a:schemeClr>
+    </dgm:linClrLst>
+    <dgm:effectClrLst/>
+    <dgm:txLinClrLst/>
+    <dgm:txFillClrLst meth="repeat">
+      <a:schemeClr val="dk1"/>
+    </dgm:txFillClrLst>
+    <dgm:txEffectClrLst/>
+  </dgm:styleLbl>
+  <dgm:styleLbl name="alignAccFollowNode1">
+    <dgm:fillClrLst meth="repeat">
+      <a:schemeClr val="accent1">
+        <a:alpha val="90000"/>
+        <a:tint val="40000"/>
+      </a:schemeClr>
+    </dgm:fillClrLst>
+    <dgm:linClrLst meth="repeat">
+      <a:schemeClr val="accent1">
+        <a:alpha val="90000"/>
+        <a:tint val="40000"/>
+      </a:schemeClr>
+    </dgm:linClrLst>
+    <dgm:effectClrLst/>
+    <dgm:txLinClrLst/>
+    <dgm:txFillClrLst meth="repeat">
+      <a:schemeClr val="dk1"/>
+    </dgm:txFillClrLst>
+    <dgm:txEffectClrLst/>
+  </dgm:styleLbl>
+  <dgm:styleLbl name="bgAccFollowNode1">
+    <dgm:fillClrLst meth="repeat">
+      <a:schemeClr val="accent1">
+        <a:alpha val="90000"/>
+        <a:tint val="40000"/>
+      </a:schemeClr>
+    </dgm:fillClrLst>
+    <dgm:linClrLst meth="repeat">
+      <a:schemeClr val="accent1">
+        <a:alpha val="90000"/>
+        <a:tint val="40000"/>
+      </a:schemeClr>
+    </dgm:linClrLst>
+    <dgm:effectClrLst/>
+    <dgm:txLinClrLst/>
+    <dgm:txFillClrLst meth="repeat">
+      <a:schemeClr val="dk1"/>
+    </dgm:txFillClrLst>
+    <dgm:txEffectClrLst/>
+  </dgm:styleLbl>
+  <dgm:styleLbl name="fgAcc0">
+    <dgm:fillClrLst meth="repeat">
+      <a:schemeClr val="lt1">
+        <a:alpha val="90000"/>
+      </a:schemeClr>
+    </dgm:fillClrLst>
+    <dgm:linClrLst meth="repeat">
+      <a:schemeClr val="accent1"/>
+    </dgm:linClrLst>
+    <dgm:effectClrLst/>
+    <dgm:txLinClrLst/>
+    <dgm:txFillClrLst meth="repeat">
+      <a:schemeClr val="dk1"/>
+    </dgm:txFillClrLst>
+    <dgm:txEffectClrLst/>
+  </dgm:styleLbl>
+  <dgm:styleLbl name="fgAcc2">
+    <dgm:fillClrLst meth="repeat">
+      <a:schemeClr val="lt1">
+        <a:alpha val="90000"/>
+      </a:schemeClr>
+    </dgm:fillClrLst>
+    <dgm:linClrLst meth="repeat">
+      <a:schemeClr val="accent1"/>
+    </dgm:linClrLst>
+    <dgm:effectClrLst/>
+    <dgm:txLinClrLst/>
+    <dgm:txFillClrLst meth="repeat">
+      <a:schemeClr val="dk1"/>
+    </dgm:txFillClrLst>
+    <dgm:txEffectClrLst/>
+  </dgm:styleLbl>
+  <dgm:styleLbl name="fgAcc3">
+    <dgm:fillClrLst meth="repeat">
+      <a:schemeClr val="lt1">
+        <a:alpha val="90000"/>
+      </a:schemeClr>
+    </dgm:fillClrLst>
+    <dgm:linClrLst meth="repeat">
+      <a:schemeClr val="accent1"/>
+    </dgm:linClrLst>
+    <dgm:effectClrLst/>
+    <dgm:txLinClrLst/>
+    <dgm:txFillClrLst meth="repeat">
+      <a:schemeClr val="dk1"/>
+    </dgm:txFillClrLst>
+    <dgm:txEffectClrLst/>
+  </dgm:styleLbl>
+  <dgm:styleLbl name="fgAcc4">
+    <dgm:fillClrLst meth="repeat">
+      <a:schemeClr val="lt1">
+        <a:alpha val="90000"/>
+      </a:schemeClr>
+    </dgm:fillClrLst>
+    <dgm:linClrLst meth="repeat">
+      <a:schemeClr val="accent1"/>
+    </dgm:linClrLst>
+    <dgm:effectClrLst/>
+    <dgm:txLinClrLst/>
+    <dgm:txFillClrLst meth="repeat">
+      <a:schemeClr val="dk1"/>
+    </dgm:txFillClrLst>
+    <dgm:txEffectClrLst/>
+  </dgm:styleLbl>
+  <dgm:styleLbl name="bgShp">
+    <dgm:fillClrLst meth="repeat">
+      <a:schemeClr val="accent1">
+        <a:tint val="40000"/>
+      </a:schemeClr>
+    </dgm:fillClrLst>
+    <dgm:linClrLst meth="repeat">
+      <a:schemeClr val="accent1"/>
+    </dgm:linClrLst>
+    <dgm:effectClrLst/>
+    <dgm:txLinClrLst/>
+    <dgm:txFillClrLst meth="repeat">
+      <a:schemeClr val="dk1"/>
+    </dgm:txFillClrLst>
+    <dgm:txEffectClrLst/>
+  </dgm:styleLbl>
+  <dgm:styleLbl name="dkBgShp">
+    <dgm:fillClrLst meth="repeat">
+      <a:schemeClr val="accent1">
+        <a:shade val="80000"/>
+      </a:schemeClr>
+    </dgm:fillClrLst>
+    <dgm:linClrLst meth="repeat">
+      <a:schemeClr val="accent1"/>
+    </dgm:linClrLst>
+    <dgm:effectClrLst/>
+    <dgm:txLinClrLst/>
+    <dgm:txFillClrLst meth="repeat">
+      <a:schemeClr val="lt1"/>
+    </dgm:txFillClrLst>
+    <dgm:txEffectClrLst/>
+  </dgm:styleLbl>
+  <dgm:styleLbl name="trBgShp">
+    <dgm:fillClrLst meth="repeat">
+      <a:schemeClr val="accent1">
+        <a:tint val="50000"/>
+        <a:alpha val="40000"/>
+      </a:schemeClr>
+    </dgm:fillClrLst>
+    <dgm:linClrLst meth="repeat">
+      <a:schemeClr val="accent1"/>
+    </dgm:linClrLst>
+    <dgm:effectClrLst/>
+    <dgm:txLinClrLst/>
+    <dgm:txFillClrLst meth="repeat">
+      <a:schemeClr val="lt1"/>
+    </dgm:txFillClrLst>
+    <dgm:txEffectClrLst/>
+  </dgm:styleLbl>
+  <dgm:styleLbl name="fgShp">
+    <dgm:fillClrLst meth="repeat">
+      <a:schemeClr val="accent1">
+        <a:tint val="60000"/>
+      </a:schemeClr>
+    </dgm:fillClrLst>
+    <dgm:linClrLst meth="repeat">
+      <a:schemeClr val="lt1"/>
+    </dgm:linClrLst>
+    <dgm:effectClrLst/>
+    <dgm:txLinClrLst/>
+    <dgm:txFillClrLst meth="repeat">
+      <a:schemeClr val="dk1"/>
+    </dgm:txFillClrLst>
+    <dgm:txEffectClrLst/>
+  </dgm:styleLbl>
+  <dgm:styleLbl name="revTx">
+    <dgm:fillClrLst meth="repeat">
+      <a:schemeClr val="lt1">
+        <a:alpha val="0"/>
+      </a:schemeClr>
+    </dgm:fillClrLst>
+    <dgm:linClrLst meth="repeat">
+      <a:schemeClr val="dk1">
+        <a:alpha val="0"/>
+      </a:schemeClr>
+    </dgm:linClrLst>
+    <dgm:effectClrLst/>
+    <dgm:txLinClrLst/>
+    <dgm:txFillClrLst meth="repeat">
+      <a:schemeClr val="tx1"/>
+    </dgm:txFillClrLst>
+    <dgm:txEffectClrLst/>
+  </dgm:styleLbl>
+</dgm:colorsDef>
+</file>
+
+<file path=ppt/diagrams/data1.xml><?xml version="1.0" encoding="utf-8"?>
+<dgm:dataModel xmlns:dgm="http://schemas.openxmlformats.org/drawingml/2006/diagram" xmlns:a="http://schemas.openxmlformats.org/drawingml/2006/main">
+  <dgm:ptLst>
+    <dgm:pt modelId="{D5BC15C9-F4AD-3C4A-ACD6-65D7E506D619}" type="doc">
+      <dgm:prSet loTypeId="urn:microsoft.com/office/officeart/2005/8/layout/hierarchy2" loCatId="" qsTypeId="urn:microsoft.com/office/officeart/2005/8/quickstyle/simple4" qsCatId="simple" csTypeId="urn:microsoft.com/office/officeart/2005/8/colors/accent1_2" csCatId="accent1" phldr="1"/>
+      <dgm:spPr/>
+      <dgm:t>
+        <a:bodyPr/>
+        <a:lstStyle/>
+        <a:p>
+          <a:endParaRPr lang="en-GB"/>
+        </a:p>
+      </dgm:t>
+    </dgm:pt>
+    <dgm:pt modelId="{43B4F3C6-44B1-A84E-9747-F1C3775C29A7}">
+      <dgm:prSet phldrT="[Text]"/>
+      <dgm:spPr/>
+      <dgm:t>
+        <a:bodyPr/>
+        <a:lstStyle/>
+        <a:p>
+          <a:r>
+            <a:rPr lang="en-GB" dirty="0" smtClean="0"/>
+            <a:t>Database</a:t>
+          </a:r>
+          <a:endParaRPr lang="en-GB" dirty="0"/>
+        </a:p>
+      </dgm:t>
+    </dgm:pt>
+    <dgm:pt modelId="{FF95DF82-0DA5-F54B-947D-0BD940B58AB6}" type="parTrans" cxnId="{B8CC9148-16D6-7244-9405-1FEB776902F8}">
+      <dgm:prSet/>
+      <dgm:spPr/>
+      <dgm:t>
+        <a:bodyPr/>
+        <a:lstStyle/>
+        <a:p>
+          <a:endParaRPr lang="en-GB"/>
+        </a:p>
+      </dgm:t>
+    </dgm:pt>
+    <dgm:pt modelId="{658D95A0-0030-C245-B0C0-C7233EF7AEAA}" type="sibTrans" cxnId="{B8CC9148-16D6-7244-9405-1FEB776902F8}">
+      <dgm:prSet/>
+      <dgm:spPr/>
+      <dgm:t>
+        <a:bodyPr/>
+        <a:lstStyle/>
+        <a:p>
+          <a:endParaRPr lang="en-GB"/>
+        </a:p>
+      </dgm:t>
+    </dgm:pt>
+    <dgm:pt modelId="{A34A646E-AB9B-2B40-8CF9-3709E9853196}">
+      <dgm:prSet phldrT="[Text]"/>
+      <dgm:spPr/>
+      <dgm:t>
+        <a:bodyPr/>
+        <a:lstStyle/>
+        <a:p>
+          <a:r>
+            <a:rPr lang="en-GB" dirty="0" smtClean="0"/>
+            <a:t>Collection</a:t>
+          </a:r>
+          <a:endParaRPr lang="en-GB" dirty="0"/>
+        </a:p>
+      </dgm:t>
+    </dgm:pt>
+    <dgm:pt modelId="{25E0C650-E7E7-8948-8D7E-9B03ABF44F25}" type="parTrans" cxnId="{A6C899AA-FA3E-2249-8CA9-25C94CFBF63F}">
+      <dgm:prSet/>
+      <dgm:spPr/>
+      <dgm:t>
+        <a:bodyPr/>
+        <a:lstStyle/>
+        <a:p>
+          <a:endParaRPr lang="en-GB"/>
+        </a:p>
+      </dgm:t>
+    </dgm:pt>
+    <dgm:pt modelId="{C57B2FBE-9AC1-0549-9C4D-A21C2351D038}" type="sibTrans" cxnId="{A6C899AA-FA3E-2249-8CA9-25C94CFBF63F}">
+      <dgm:prSet/>
+      <dgm:spPr/>
+      <dgm:t>
+        <a:bodyPr/>
+        <a:lstStyle/>
+        <a:p>
+          <a:endParaRPr lang="en-GB"/>
+        </a:p>
+      </dgm:t>
+    </dgm:pt>
+    <dgm:pt modelId="{52DC0940-3988-AD40-9854-D689B4E2D73B}">
+      <dgm:prSet phldrT="[Text]"/>
+      <dgm:spPr/>
+      <dgm:t>
+        <a:bodyPr/>
+        <a:lstStyle/>
+        <a:p>
+          <a:r>
+            <a:rPr lang="en-GB" dirty="0" smtClean="0"/>
+            <a:t>Document</a:t>
+          </a:r>
+          <a:endParaRPr lang="en-GB" dirty="0"/>
+        </a:p>
+      </dgm:t>
+    </dgm:pt>
+    <dgm:pt modelId="{E87D02CB-F7EA-3D43-920A-7665B748D567}" type="parTrans" cxnId="{870DE531-F949-0941-A986-C1B305E4AB46}">
+      <dgm:prSet/>
+      <dgm:spPr/>
+      <dgm:t>
+        <a:bodyPr/>
+        <a:lstStyle/>
+        <a:p>
+          <a:endParaRPr lang="en-GB"/>
+        </a:p>
+      </dgm:t>
+    </dgm:pt>
+    <dgm:pt modelId="{D564D512-F0AD-744B-A32E-0E392F036BBB}" type="sibTrans" cxnId="{870DE531-F949-0941-A986-C1B305E4AB46}">
+      <dgm:prSet/>
+      <dgm:spPr/>
+      <dgm:t>
+        <a:bodyPr/>
+        <a:lstStyle/>
+        <a:p>
+          <a:endParaRPr lang="en-GB"/>
+        </a:p>
+      </dgm:t>
+    </dgm:pt>
+    <dgm:pt modelId="{081C73B1-78B5-324D-95C0-E6EC1F32E0BD}" type="pres">
+      <dgm:prSet presAssocID="{D5BC15C9-F4AD-3C4A-ACD6-65D7E506D619}" presName="diagram" presStyleCnt="0">
+        <dgm:presLayoutVars>
+          <dgm:chPref val="1"/>
+          <dgm:dir/>
+          <dgm:animOne val="branch"/>
+          <dgm:animLvl val="lvl"/>
+          <dgm:resizeHandles val="exact"/>
+        </dgm:presLayoutVars>
+      </dgm:prSet>
+      <dgm:spPr/>
+      <dgm:t>
+        <a:bodyPr/>
+        <a:lstStyle/>
+        <a:p>
+          <a:endParaRPr lang="en-GB"/>
+        </a:p>
+      </dgm:t>
+    </dgm:pt>
+    <dgm:pt modelId="{7A2A739D-4EE7-1D4C-827C-24220E4FC53D}" type="pres">
+      <dgm:prSet presAssocID="{43B4F3C6-44B1-A84E-9747-F1C3775C29A7}" presName="root1" presStyleCnt="0"/>
+      <dgm:spPr/>
+    </dgm:pt>
+    <dgm:pt modelId="{E450102B-A94D-994D-B01D-3D49553606AC}" type="pres">
+      <dgm:prSet presAssocID="{43B4F3C6-44B1-A84E-9747-F1C3775C29A7}" presName="LevelOneTextNode" presStyleLbl="node0" presStyleIdx="0" presStyleCnt="1">
+        <dgm:presLayoutVars>
+          <dgm:chPref val="3"/>
+        </dgm:presLayoutVars>
+      </dgm:prSet>
+      <dgm:spPr/>
+      <dgm:t>
+        <a:bodyPr/>
+        <a:lstStyle/>
+        <a:p>
+          <a:endParaRPr lang="en-GB"/>
+        </a:p>
+      </dgm:t>
+    </dgm:pt>
+    <dgm:pt modelId="{C79AACA4-F166-C04F-AFE0-6B7D8E82E59F}" type="pres">
+      <dgm:prSet presAssocID="{43B4F3C6-44B1-A84E-9747-F1C3775C29A7}" presName="level2hierChild" presStyleCnt="0"/>
+      <dgm:spPr/>
+    </dgm:pt>
+    <dgm:pt modelId="{37A76236-81C8-644B-AC7A-9F00E201D938}" type="pres">
+      <dgm:prSet presAssocID="{25E0C650-E7E7-8948-8D7E-9B03ABF44F25}" presName="conn2-1" presStyleLbl="parChTrans1D2" presStyleIdx="0" presStyleCnt="1"/>
+      <dgm:spPr/>
+      <dgm:t>
+        <a:bodyPr/>
+        <a:lstStyle/>
+        <a:p>
+          <a:endParaRPr lang="en-GB"/>
+        </a:p>
+      </dgm:t>
+    </dgm:pt>
+    <dgm:pt modelId="{611F18DD-5628-E147-8044-AD85D49505E1}" type="pres">
+      <dgm:prSet presAssocID="{25E0C650-E7E7-8948-8D7E-9B03ABF44F25}" presName="connTx" presStyleLbl="parChTrans1D2" presStyleIdx="0" presStyleCnt="1"/>
+      <dgm:spPr/>
+      <dgm:t>
+        <a:bodyPr/>
+        <a:lstStyle/>
+        <a:p>
+          <a:endParaRPr lang="en-GB"/>
+        </a:p>
+      </dgm:t>
+    </dgm:pt>
+    <dgm:pt modelId="{1B5B8539-8DD8-8043-8D49-5507A7366583}" type="pres">
+      <dgm:prSet presAssocID="{A34A646E-AB9B-2B40-8CF9-3709E9853196}" presName="root2" presStyleCnt="0"/>
+      <dgm:spPr/>
+    </dgm:pt>
+    <dgm:pt modelId="{FA1BC683-4CDD-D24E-9549-6A2B681F27BC}" type="pres">
+      <dgm:prSet presAssocID="{A34A646E-AB9B-2B40-8CF9-3709E9853196}" presName="LevelTwoTextNode" presStyleLbl="node2" presStyleIdx="0" presStyleCnt="1">
+        <dgm:presLayoutVars>
+          <dgm:chPref val="3"/>
+        </dgm:presLayoutVars>
+      </dgm:prSet>
+      <dgm:spPr/>
+      <dgm:t>
+        <a:bodyPr/>
+        <a:lstStyle/>
+        <a:p>
+          <a:endParaRPr lang="en-GB"/>
+        </a:p>
+      </dgm:t>
+    </dgm:pt>
+    <dgm:pt modelId="{18911E28-A993-E64D-AC0F-D4104D060DCE}" type="pres">
+      <dgm:prSet presAssocID="{A34A646E-AB9B-2B40-8CF9-3709E9853196}" presName="level3hierChild" presStyleCnt="0"/>
+      <dgm:spPr/>
+    </dgm:pt>
+    <dgm:pt modelId="{5769DCFC-AA5A-3E49-8D35-2DF514392DB3}" type="pres">
+      <dgm:prSet presAssocID="{E87D02CB-F7EA-3D43-920A-7665B748D567}" presName="conn2-1" presStyleLbl="parChTrans1D3" presStyleIdx="0" presStyleCnt="1"/>
+      <dgm:spPr/>
+      <dgm:t>
+        <a:bodyPr/>
+        <a:lstStyle/>
+        <a:p>
+          <a:endParaRPr lang="en-GB"/>
+        </a:p>
+      </dgm:t>
+    </dgm:pt>
+    <dgm:pt modelId="{DED044CB-26C8-F243-AFC8-E1FDE82A40D6}" type="pres">
+      <dgm:prSet presAssocID="{E87D02CB-F7EA-3D43-920A-7665B748D567}" presName="connTx" presStyleLbl="parChTrans1D3" presStyleIdx="0" presStyleCnt="1"/>
+      <dgm:spPr/>
+      <dgm:t>
+        <a:bodyPr/>
+        <a:lstStyle/>
+        <a:p>
+          <a:endParaRPr lang="en-GB"/>
+        </a:p>
+      </dgm:t>
+    </dgm:pt>
+    <dgm:pt modelId="{6BC0D45C-3B17-4346-B5BA-35581A2114FA}" type="pres">
+      <dgm:prSet presAssocID="{52DC0940-3988-AD40-9854-D689B4E2D73B}" presName="root2" presStyleCnt="0"/>
+      <dgm:spPr/>
+    </dgm:pt>
+    <dgm:pt modelId="{675DAA99-900E-844F-A9BA-379FD1CBD02F}" type="pres">
+      <dgm:prSet presAssocID="{52DC0940-3988-AD40-9854-D689B4E2D73B}" presName="LevelTwoTextNode" presStyleLbl="node3" presStyleIdx="0" presStyleCnt="1">
+        <dgm:presLayoutVars>
+          <dgm:chPref val="3"/>
+        </dgm:presLayoutVars>
+      </dgm:prSet>
+      <dgm:spPr/>
+      <dgm:t>
+        <a:bodyPr/>
+        <a:lstStyle/>
+        <a:p>
+          <a:endParaRPr lang="en-GB"/>
+        </a:p>
+      </dgm:t>
+    </dgm:pt>
+    <dgm:pt modelId="{41609779-9A30-9243-92FF-6C83B672769E}" type="pres">
+      <dgm:prSet presAssocID="{52DC0940-3988-AD40-9854-D689B4E2D73B}" presName="level3hierChild" presStyleCnt="0"/>
+      <dgm:spPr/>
+    </dgm:pt>
+  </dgm:ptLst>
+  <dgm:cxnLst>
+    <dgm:cxn modelId="{2A898B31-85F8-3844-963A-E51B60286EA5}" type="presOf" srcId="{25E0C650-E7E7-8948-8D7E-9B03ABF44F25}" destId="{37A76236-81C8-644B-AC7A-9F00E201D938}" srcOrd="0" destOrd="0" presId="urn:microsoft.com/office/officeart/2005/8/layout/hierarchy2"/>
+    <dgm:cxn modelId="{870DE531-F949-0941-A986-C1B305E4AB46}" srcId="{A34A646E-AB9B-2B40-8CF9-3709E9853196}" destId="{52DC0940-3988-AD40-9854-D689B4E2D73B}" srcOrd="0" destOrd="0" parTransId="{E87D02CB-F7EA-3D43-920A-7665B748D567}" sibTransId="{D564D512-F0AD-744B-A32E-0E392F036BBB}"/>
+    <dgm:cxn modelId="{9FE0FA7C-8AC0-A041-8AC7-7849D2331ED8}" type="presOf" srcId="{E87D02CB-F7EA-3D43-920A-7665B748D567}" destId="{5769DCFC-AA5A-3E49-8D35-2DF514392DB3}" srcOrd="0" destOrd="0" presId="urn:microsoft.com/office/officeart/2005/8/layout/hierarchy2"/>
+    <dgm:cxn modelId="{7CEB56EF-26A0-2541-A165-E299B65283D6}" type="presOf" srcId="{43B4F3C6-44B1-A84E-9747-F1C3775C29A7}" destId="{E450102B-A94D-994D-B01D-3D49553606AC}" srcOrd="0" destOrd="0" presId="urn:microsoft.com/office/officeart/2005/8/layout/hierarchy2"/>
+    <dgm:cxn modelId="{88BD3C86-9C78-E645-98C4-F264F92D54E0}" type="presOf" srcId="{25E0C650-E7E7-8948-8D7E-9B03ABF44F25}" destId="{611F18DD-5628-E147-8044-AD85D49505E1}" srcOrd="1" destOrd="0" presId="urn:microsoft.com/office/officeart/2005/8/layout/hierarchy2"/>
+    <dgm:cxn modelId="{2EF27473-5B45-B84F-8BD7-7B23B0B4C0BB}" type="presOf" srcId="{D5BC15C9-F4AD-3C4A-ACD6-65D7E506D619}" destId="{081C73B1-78B5-324D-95C0-E6EC1F32E0BD}" srcOrd="0" destOrd="0" presId="urn:microsoft.com/office/officeart/2005/8/layout/hierarchy2"/>
+    <dgm:cxn modelId="{A6C899AA-FA3E-2249-8CA9-25C94CFBF63F}" srcId="{43B4F3C6-44B1-A84E-9747-F1C3775C29A7}" destId="{A34A646E-AB9B-2B40-8CF9-3709E9853196}" srcOrd="0" destOrd="0" parTransId="{25E0C650-E7E7-8948-8D7E-9B03ABF44F25}" sibTransId="{C57B2FBE-9AC1-0549-9C4D-A21C2351D038}"/>
+    <dgm:cxn modelId="{B8CC9148-16D6-7244-9405-1FEB776902F8}" srcId="{D5BC15C9-F4AD-3C4A-ACD6-65D7E506D619}" destId="{43B4F3C6-44B1-A84E-9747-F1C3775C29A7}" srcOrd="0" destOrd="0" parTransId="{FF95DF82-0DA5-F54B-947D-0BD940B58AB6}" sibTransId="{658D95A0-0030-C245-B0C0-C7233EF7AEAA}"/>
+    <dgm:cxn modelId="{A711EF16-9A06-0245-A4AB-AF2A8D0FF4CF}" type="presOf" srcId="{52DC0940-3988-AD40-9854-D689B4E2D73B}" destId="{675DAA99-900E-844F-A9BA-379FD1CBD02F}" srcOrd="0" destOrd="0" presId="urn:microsoft.com/office/officeart/2005/8/layout/hierarchy2"/>
+    <dgm:cxn modelId="{5106EFB3-C67F-5841-86FF-8361BBFFEA3A}" type="presOf" srcId="{A34A646E-AB9B-2B40-8CF9-3709E9853196}" destId="{FA1BC683-4CDD-D24E-9549-6A2B681F27BC}" srcOrd="0" destOrd="0" presId="urn:microsoft.com/office/officeart/2005/8/layout/hierarchy2"/>
+    <dgm:cxn modelId="{7F6457C8-4810-4543-8F2C-6554DBF2390C}" type="presOf" srcId="{E87D02CB-F7EA-3D43-920A-7665B748D567}" destId="{DED044CB-26C8-F243-AFC8-E1FDE82A40D6}" srcOrd="1" destOrd="0" presId="urn:microsoft.com/office/officeart/2005/8/layout/hierarchy2"/>
+    <dgm:cxn modelId="{013C0039-7668-2842-876B-F9841774375D}" type="presParOf" srcId="{081C73B1-78B5-324D-95C0-E6EC1F32E0BD}" destId="{7A2A739D-4EE7-1D4C-827C-24220E4FC53D}" srcOrd="0" destOrd="0" presId="urn:microsoft.com/office/officeart/2005/8/layout/hierarchy2"/>
+    <dgm:cxn modelId="{71A180B1-10DC-4343-83BF-78BD73A800CF}" type="presParOf" srcId="{7A2A739D-4EE7-1D4C-827C-24220E4FC53D}" destId="{E450102B-A94D-994D-B01D-3D49553606AC}" srcOrd="0" destOrd="0" presId="urn:microsoft.com/office/officeart/2005/8/layout/hierarchy2"/>
+    <dgm:cxn modelId="{339779F9-EA75-274F-A6BE-8876EC1E96CA}" type="presParOf" srcId="{7A2A739D-4EE7-1D4C-827C-24220E4FC53D}" destId="{C79AACA4-F166-C04F-AFE0-6B7D8E82E59F}" srcOrd="1" destOrd="0" presId="urn:microsoft.com/office/officeart/2005/8/layout/hierarchy2"/>
+    <dgm:cxn modelId="{3AE70566-330E-824B-A7A8-9D55FEC3D67F}" type="presParOf" srcId="{C79AACA4-F166-C04F-AFE0-6B7D8E82E59F}" destId="{37A76236-81C8-644B-AC7A-9F00E201D938}" srcOrd="0" destOrd="0" presId="urn:microsoft.com/office/officeart/2005/8/layout/hierarchy2"/>
+    <dgm:cxn modelId="{D7E43748-FE8D-D243-BC48-1ED2E6F5F012}" type="presParOf" srcId="{37A76236-81C8-644B-AC7A-9F00E201D938}" destId="{611F18DD-5628-E147-8044-AD85D49505E1}" srcOrd="0" destOrd="0" presId="urn:microsoft.com/office/officeart/2005/8/layout/hierarchy2"/>
+    <dgm:cxn modelId="{03B6363B-0C3A-524E-83BC-049A2ADEF169}" type="presParOf" srcId="{C79AACA4-F166-C04F-AFE0-6B7D8E82E59F}" destId="{1B5B8539-8DD8-8043-8D49-5507A7366583}" srcOrd="1" destOrd="0" presId="urn:microsoft.com/office/officeart/2005/8/layout/hierarchy2"/>
+    <dgm:cxn modelId="{A39EF0F3-A5C9-BA44-A73F-C00EFA94DD4E}" type="presParOf" srcId="{1B5B8539-8DD8-8043-8D49-5507A7366583}" destId="{FA1BC683-4CDD-D24E-9549-6A2B681F27BC}" srcOrd="0" destOrd="0" presId="urn:microsoft.com/office/officeart/2005/8/layout/hierarchy2"/>
+    <dgm:cxn modelId="{91DE84C0-05BF-1546-BD07-F86C2E670191}" type="presParOf" srcId="{1B5B8539-8DD8-8043-8D49-5507A7366583}" destId="{18911E28-A993-E64D-AC0F-D4104D060DCE}" srcOrd="1" destOrd="0" presId="urn:microsoft.com/office/officeart/2005/8/layout/hierarchy2"/>
+    <dgm:cxn modelId="{2973D080-E47D-4845-B949-E36BBC66111A}" type="presParOf" srcId="{18911E28-A993-E64D-AC0F-D4104D060DCE}" destId="{5769DCFC-AA5A-3E49-8D35-2DF514392DB3}" srcOrd="0" destOrd="0" presId="urn:microsoft.com/office/officeart/2005/8/layout/hierarchy2"/>
+    <dgm:cxn modelId="{333BE1CF-49D2-D649-8304-A6E5BC678537}" type="presParOf" srcId="{5769DCFC-AA5A-3E49-8D35-2DF514392DB3}" destId="{DED044CB-26C8-F243-AFC8-E1FDE82A40D6}" srcOrd="0" destOrd="0" presId="urn:microsoft.com/office/officeart/2005/8/layout/hierarchy2"/>
+    <dgm:cxn modelId="{B340F33F-608F-ED46-951F-8EB18EEDAC69}" type="presParOf" srcId="{18911E28-A993-E64D-AC0F-D4104D060DCE}" destId="{6BC0D45C-3B17-4346-B5BA-35581A2114FA}" srcOrd="1" destOrd="0" presId="urn:microsoft.com/office/officeart/2005/8/layout/hierarchy2"/>
+    <dgm:cxn modelId="{F9B13839-092C-924A-9CC7-9328BA8BE8BC}" type="presParOf" srcId="{6BC0D45C-3B17-4346-B5BA-35581A2114FA}" destId="{675DAA99-900E-844F-A9BA-379FD1CBD02F}" srcOrd="0" destOrd="0" presId="urn:microsoft.com/office/officeart/2005/8/layout/hierarchy2"/>
+    <dgm:cxn modelId="{1C828914-E8D2-4241-8AAD-64EC7F240C20}" type="presParOf" srcId="{6BC0D45C-3B17-4346-B5BA-35581A2114FA}" destId="{41609779-9A30-9243-92FF-6C83B672769E}" srcOrd="1" destOrd="0" presId="urn:microsoft.com/office/officeart/2005/8/layout/hierarchy2"/>
+  </dgm:cxnLst>
+  <dgm:bg/>
+  <dgm:whole/>
+  <dgm:extLst>
+    <a:ext uri="http://schemas.microsoft.com/office/drawing/2008/diagram">
+      <dsp:dataModelExt xmlns:dsp="http://schemas.microsoft.com/office/drawing/2008/diagram" relId="rId6" minVer="http://schemas.openxmlformats.org/drawingml/2006/diagram"/>
+    </a:ext>
+  </dgm:extLst>
+</dgm:dataModel>
+</file>
+
+<file path=ppt/diagrams/drawing1.xml><?xml version="1.0" encoding="utf-8"?>
+<dsp:drawing xmlns:dgm="http://schemas.openxmlformats.org/drawingml/2006/diagram" xmlns:dsp="http://schemas.microsoft.com/office/drawing/2008/diagram" xmlns:a="http://schemas.openxmlformats.org/drawingml/2006/main">
+  <dsp:spTree>
+    <dsp:nvGrpSpPr>
+      <dsp:cNvPr id="0" name=""/>
+      <dsp:cNvGrpSpPr/>
+    </dsp:nvGrpSpPr>
+    <dsp:grpSpPr/>
+    <dsp:sp modelId="{E450102B-A94D-994D-B01D-3D49553606AC}">
+      <dsp:nvSpPr>
+        <dsp:cNvPr id="0" name=""/>
+        <dsp:cNvSpPr/>
+      </dsp:nvSpPr>
+      <dsp:spPr>
+        <a:xfrm>
+          <a:off x="374" y="1482607"/>
+          <a:ext cx="1299046" cy="649523"/>
+        </a:xfrm>
+        <a:prstGeom prst="roundRect">
+          <a:avLst>
+            <a:gd name="adj" fmla="val 10000"/>
+          </a:avLst>
+        </a:prstGeom>
+        <a:gradFill rotWithShape="0">
+          <a:gsLst>
+            <a:gs pos="0">
+              <a:schemeClr val="accent1">
+                <a:hueOff val="0"/>
+                <a:satOff val="0"/>
+                <a:lumOff val="0"/>
+                <a:alphaOff val="0"/>
+                <a:tint val="98000"/>
+                <a:hueMod val="94000"/>
+                <a:satMod val="130000"/>
+                <a:lumMod val="128000"/>
+              </a:schemeClr>
+            </a:gs>
+            <a:gs pos="100000">
+              <a:schemeClr val="accent1">
+                <a:hueOff val="0"/>
+                <a:satOff val="0"/>
+                <a:lumOff val="0"/>
+                <a:alphaOff val="0"/>
+                <a:shade val="94000"/>
+                <a:lumMod val="88000"/>
+              </a:schemeClr>
+            </a:gs>
+          </a:gsLst>
+          <a:lin ang="5400000" scaled="0"/>
+        </a:gradFill>
+        <a:ln>
+          <a:noFill/>
+        </a:ln>
+        <a:effectLst>
+          <a:innerShdw blurRad="25400" dist="12700" dir="13500000">
+            <a:srgbClr val="000000">
+              <a:alpha val="45000"/>
+            </a:srgbClr>
+          </a:innerShdw>
+        </a:effectLst>
+      </dsp:spPr>
+      <dsp:style>
+        <a:lnRef idx="0">
+          <a:scrgbClr r="0" g="0" b="0"/>
+        </a:lnRef>
+        <a:fillRef idx="3">
+          <a:scrgbClr r="0" g="0" b="0"/>
+        </a:fillRef>
+        <a:effectRef idx="2">
+          <a:scrgbClr r="0" g="0" b="0"/>
+        </a:effectRef>
+        <a:fontRef idx="minor">
+          <a:schemeClr val="lt1"/>
+        </a:fontRef>
+      </dsp:style>
+      <dsp:txBody>
+        <a:bodyPr spcFirstLastPara="0" vert="horz" wrap="square" lIns="11430" tIns="11430" rIns="11430" bIns="11430" numCol="1" spcCol="1270" anchor="ctr" anchorCtr="0">
+          <a:noAutofit/>
+        </a:bodyPr>
+        <a:lstStyle/>
+        <a:p>
+          <a:pPr lvl="0" algn="ctr" defTabSz="800100">
+            <a:lnSpc>
+              <a:spcPct val="90000"/>
+            </a:lnSpc>
+            <a:spcBef>
+              <a:spcPct val="0"/>
+            </a:spcBef>
+            <a:spcAft>
+              <a:spcPct val="35000"/>
+            </a:spcAft>
+          </a:pPr>
+          <a:r>
+            <a:rPr lang="en-GB" sz="1800" kern="1200" dirty="0" smtClean="0"/>
+            <a:t>Database</a:t>
+          </a:r>
+          <a:endParaRPr lang="en-GB" sz="1800" kern="1200" dirty="0"/>
+        </a:p>
+      </dsp:txBody>
+      <dsp:txXfrm>
+        <a:off x="19398" y="1501631"/>
+        <a:ext cx="1260998" cy="611475"/>
+      </dsp:txXfrm>
+    </dsp:sp>
+    <dsp:sp modelId="{37A76236-81C8-644B-AC7A-9F00E201D938}">
+      <dsp:nvSpPr>
+        <dsp:cNvPr id="0" name=""/>
+        <dsp:cNvSpPr/>
+      </dsp:nvSpPr>
+      <dsp:spPr>
+        <a:xfrm>
+          <a:off x="1299420" y="1791197"/>
+          <a:ext cx="519618" cy="32343"/>
+        </a:xfrm>
+        <a:custGeom>
+          <a:avLst/>
+          <a:gdLst/>
+          <a:ahLst/>
+          <a:cxnLst/>
+          <a:rect l="0" t="0" r="0" b="0"/>
+          <a:pathLst>
+            <a:path>
+              <a:moveTo>
+                <a:pt x="0" y="16171"/>
+              </a:moveTo>
+              <a:lnTo>
+                <a:pt x="519618" y="16171"/>
+              </a:lnTo>
+            </a:path>
+          </a:pathLst>
+        </a:custGeom>
+        <a:noFill/>
+        <a:ln w="9525" cap="rnd" cmpd="sng" algn="ctr">
+          <a:solidFill>
+            <a:schemeClr val="accent1">
+              <a:shade val="60000"/>
+              <a:hueOff val="0"/>
+              <a:satOff val="0"/>
+              <a:lumOff val="0"/>
+              <a:alphaOff val="0"/>
+            </a:schemeClr>
+          </a:solidFill>
+          <a:prstDash val="solid"/>
+        </a:ln>
+        <a:effectLst/>
+      </dsp:spPr>
+      <dsp:style>
+        <a:lnRef idx="1">
+          <a:scrgbClr r="0" g="0" b="0"/>
+        </a:lnRef>
+        <a:fillRef idx="0">
+          <a:scrgbClr r="0" g="0" b="0"/>
+        </a:fillRef>
+        <a:effectRef idx="0">
+          <a:scrgbClr r="0" g="0" b="0"/>
+        </a:effectRef>
+        <a:fontRef idx="minor"/>
+      </dsp:style>
+      <dsp:txBody>
+        <a:bodyPr spcFirstLastPara="0" vert="horz" wrap="square" lIns="12700" tIns="0" rIns="12700" bIns="0" numCol="1" spcCol="1270" anchor="ctr" anchorCtr="0">
+          <a:noAutofit/>
+        </a:bodyPr>
+        <a:lstStyle/>
+        <a:p>
+          <a:pPr lvl="0" algn="ctr" defTabSz="222250">
+            <a:lnSpc>
+              <a:spcPct val="90000"/>
+            </a:lnSpc>
+            <a:spcBef>
+              <a:spcPct val="0"/>
+            </a:spcBef>
+            <a:spcAft>
+              <a:spcPct val="35000"/>
+            </a:spcAft>
+          </a:pPr>
+          <a:endParaRPr lang="en-GB" sz="500" kern="1200"/>
+        </a:p>
+      </dsp:txBody>
+      <dsp:txXfrm>
+        <a:off x="1546239" y="1794378"/>
+        <a:ext cx="25980" cy="25980"/>
+      </dsp:txXfrm>
+    </dsp:sp>
+    <dsp:sp modelId="{FA1BC683-4CDD-D24E-9549-6A2B681F27BC}">
+      <dsp:nvSpPr>
+        <dsp:cNvPr id="0" name=""/>
+        <dsp:cNvSpPr/>
+      </dsp:nvSpPr>
+      <dsp:spPr>
+        <a:xfrm>
+          <a:off x="1819039" y="1482607"/>
+          <a:ext cx="1299046" cy="649523"/>
+        </a:xfrm>
+        <a:prstGeom prst="roundRect">
+          <a:avLst>
+            <a:gd name="adj" fmla="val 10000"/>
+          </a:avLst>
+        </a:prstGeom>
+        <a:gradFill rotWithShape="0">
+          <a:gsLst>
+            <a:gs pos="0">
+              <a:schemeClr val="accent1">
+                <a:hueOff val="0"/>
+                <a:satOff val="0"/>
+                <a:lumOff val="0"/>
+                <a:alphaOff val="0"/>
+                <a:tint val="98000"/>
+                <a:hueMod val="94000"/>
+                <a:satMod val="130000"/>
+                <a:lumMod val="128000"/>
+              </a:schemeClr>
+            </a:gs>
+            <a:gs pos="100000">
+              <a:schemeClr val="accent1">
+                <a:hueOff val="0"/>
+                <a:satOff val="0"/>
+                <a:lumOff val="0"/>
+                <a:alphaOff val="0"/>
+                <a:shade val="94000"/>
+                <a:lumMod val="88000"/>
+              </a:schemeClr>
+            </a:gs>
+          </a:gsLst>
+          <a:lin ang="5400000" scaled="0"/>
+        </a:gradFill>
+        <a:ln>
+          <a:noFill/>
+        </a:ln>
+        <a:effectLst>
+          <a:innerShdw blurRad="25400" dist="12700" dir="13500000">
+            <a:srgbClr val="000000">
+              <a:alpha val="45000"/>
+            </a:srgbClr>
+          </a:innerShdw>
+        </a:effectLst>
+      </dsp:spPr>
+      <dsp:style>
+        <a:lnRef idx="0">
+          <a:scrgbClr r="0" g="0" b="0"/>
+        </a:lnRef>
+        <a:fillRef idx="3">
+          <a:scrgbClr r="0" g="0" b="0"/>
+        </a:fillRef>
+        <a:effectRef idx="2">
+          <a:scrgbClr r="0" g="0" b="0"/>
+        </a:effectRef>
+        <a:fontRef idx="minor">
+          <a:schemeClr val="lt1"/>
+        </a:fontRef>
+      </dsp:style>
+      <dsp:txBody>
+        <a:bodyPr spcFirstLastPara="0" vert="horz" wrap="square" lIns="11430" tIns="11430" rIns="11430" bIns="11430" numCol="1" spcCol="1270" anchor="ctr" anchorCtr="0">
+          <a:noAutofit/>
+        </a:bodyPr>
+        <a:lstStyle/>
+        <a:p>
+          <a:pPr lvl="0" algn="ctr" defTabSz="800100">
+            <a:lnSpc>
+              <a:spcPct val="90000"/>
+            </a:lnSpc>
+            <a:spcBef>
+              <a:spcPct val="0"/>
+            </a:spcBef>
+            <a:spcAft>
+              <a:spcPct val="35000"/>
+            </a:spcAft>
+          </a:pPr>
+          <a:r>
+            <a:rPr lang="en-GB" sz="1800" kern="1200" dirty="0" smtClean="0"/>
+            <a:t>Collection</a:t>
+          </a:r>
+          <a:endParaRPr lang="en-GB" sz="1800" kern="1200" dirty="0"/>
+        </a:p>
+      </dsp:txBody>
+      <dsp:txXfrm>
+        <a:off x="1838063" y="1501631"/>
+        <a:ext cx="1260998" cy="611475"/>
+      </dsp:txXfrm>
+    </dsp:sp>
+    <dsp:sp modelId="{5769DCFC-AA5A-3E49-8D35-2DF514392DB3}">
+      <dsp:nvSpPr>
+        <dsp:cNvPr id="0" name=""/>
+        <dsp:cNvSpPr/>
+      </dsp:nvSpPr>
+      <dsp:spPr>
+        <a:xfrm>
+          <a:off x="3118085" y="1791197"/>
+          <a:ext cx="519618" cy="32343"/>
+        </a:xfrm>
+        <a:custGeom>
+          <a:avLst/>
+          <a:gdLst/>
+          <a:ahLst/>
+          <a:cxnLst/>
+          <a:rect l="0" t="0" r="0" b="0"/>
+          <a:pathLst>
+            <a:path>
+              <a:moveTo>
+                <a:pt x="0" y="16171"/>
+              </a:moveTo>
+              <a:lnTo>
+                <a:pt x="519618" y="16171"/>
+              </a:lnTo>
+            </a:path>
+          </a:pathLst>
+        </a:custGeom>
+        <a:noFill/>
+        <a:ln w="9525" cap="rnd" cmpd="sng" algn="ctr">
+          <a:solidFill>
+            <a:schemeClr val="accent1">
+              <a:shade val="80000"/>
+              <a:hueOff val="0"/>
+              <a:satOff val="0"/>
+              <a:lumOff val="0"/>
+              <a:alphaOff val="0"/>
+            </a:schemeClr>
+          </a:solidFill>
+          <a:prstDash val="solid"/>
+        </a:ln>
+        <a:effectLst/>
+      </dsp:spPr>
+      <dsp:style>
+        <a:lnRef idx="1">
+          <a:scrgbClr r="0" g="0" b="0"/>
+        </a:lnRef>
+        <a:fillRef idx="0">
+          <a:scrgbClr r="0" g="0" b="0"/>
+        </a:fillRef>
+        <a:effectRef idx="0">
+          <a:scrgbClr r="0" g="0" b="0"/>
+        </a:effectRef>
+        <a:fontRef idx="minor"/>
+      </dsp:style>
+      <dsp:txBody>
+        <a:bodyPr spcFirstLastPara="0" vert="horz" wrap="square" lIns="12700" tIns="0" rIns="12700" bIns="0" numCol="1" spcCol="1270" anchor="ctr" anchorCtr="0">
+          <a:noAutofit/>
+        </a:bodyPr>
+        <a:lstStyle/>
+        <a:p>
+          <a:pPr lvl="0" algn="ctr" defTabSz="222250">
+            <a:lnSpc>
+              <a:spcPct val="90000"/>
+            </a:lnSpc>
+            <a:spcBef>
+              <a:spcPct val="0"/>
+            </a:spcBef>
+            <a:spcAft>
+              <a:spcPct val="35000"/>
+            </a:spcAft>
+          </a:pPr>
+          <a:endParaRPr lang="en-GB" sz="500" kern="1200"/>
+        </a:p>
+      </dsp:txBody>
+      <dsp:txXfrm>
+        <a:off x="3364904" y="1794378"/>
+        <a:ext cx="25980" cy="25980"/>
+      </dsp:txXfrm>
+    </dsp:sp>
+    <dsp:sp modelId="{675DAA99-900E-844F-A9BA-379FD1CBD02F}">
+      <dsp:nvSpPr>
+        <dsp:cNvPr id="0" name=""/>
+        <dsp:cNvSpPr/>
+      </dsp:nvSpPr>
+      <dsp:spPr>
+        <a:xfrm>
+          <a:off x="3637704" y="1482607"/>
+          <a:ext cx="1299046" cy="649523"/>
+        </a:xfrm>
+        <a:prstGeom prst="roundRect">
+          <a:avLst>
+            <a:gd name="adj" fmla="val 10000"/>
+          </a:avLst>
+        </a:prstGeom>
+        <a:gradFill rotWithShape="0">
+          <a:gsLst>
+            <a:gs pos="0">
+              <a:schemeClr val="accent1">
+                <a:hueOff val="0"/>
+                <a:satOff val="0"/>
+                <a:lumOff val="0"/>
+                <a:alphaOff val="0"/>
+                <a:tint val="98000"/>
+                <a:hueMod val="94000"/>
+                <a:satMod val="130000"/>
+                <a:lumMod val="128000"/>
+              </a:schemeClr>
+            </a:gs>
+            <a:gs pos="100000">
+              <a:schemeClr val="accent1">
+                <a:hueOff val="0"/>
+                <a:satOff val="0"/>
+                <a:lumOff val="0"/>
+                <a:alphaOff val="0"/>
+                <a:shade val="94000"/>
+                <a:lumMod val="88000"/>
+              </a:schemeClr>
+            </a:gs>
+          </a:gsLst>
+          <a:lin ang="5400000" scaled="0"/>
+        </a:gradFill>
+        <a:ln>
+          <a:noFill/>
+        </a:ln>
+        <a:effectLst>
+          <a:innerShdw blurRad="25400" dist="12700" dir="13500000">
+            <a:srgbClr val="000000">
+              <a:alpha val="45000"/>
+            </a:srgbClr>
+          </a:innerShdw>
+        </a:effectLst>
+      </dsp:spPr>
+      <dsp:style>
+        <a:lnRef idx="0">
+          <a:scrgbClr r="0" g="0" b="0"/>
+        </a:lnRef>
+        <a:fillRef idx="3">
+          <a:scrgbClr r="0" g="0" b="0"/>
+        </a:fillRef>
+        <a:effectRef idx="2">
+          <a:scrgbClr r="0" g="0" b="0"/>
+        </a:effectRef>
+        <a:fontRef idx="minor">
+          <a:schemeClr val="lt1"/>
+        </a:fontRef>
+      </dsp:style>
+      <dsp:txBody>
+        <a:bodyPr spcFirstLastPara="0" vert="horz" wrap="square" lIns="11430" tIns="11430" rIns="11430" bIns="11430" numCol="1" spcCol="1270" anchor="ctr" anchorCtr="0">
+          <a:noAutofit/>
+        </a:bodyPr>
+        <a:lstStyle/>
+        <a:p>
+          <a:pPr lvl="0" algn="ctr" defTabSz="800100">
+            <a:lnSpc>
+              <a:spcPct val="90000"/>
+            </a:lnSpc>
+            <a:spcBef>
+              <a:spcPct val="0"/>
+            </a:spcBef>
+            <a:spcAft>
+              <a:spcPct val="35000"/>
+            </a:spcAft>
+          </a:pPr>
+          <a:r>
+            <a:rPr lang="en-GB" sz="1800" kern="1200" dirty="0" smtClean="0"/>
+            <a:t>Document</a:t>
+          </a:r>
+          <a:endParaRPr lang="en-GB" sz="1800" kern="1200" dirty="0"/>
+        </a:p>
+      </dsp:txBody>
+      <dsp:txXfrm>
+        <a:off x="3656728" y="1501631"/>
+        <a:ext cx="1260998" cy="611475"/>
+      </dsp:txXfrm>
+    </dsp:sp>
+  </dsp:spTree>
+</dsp:drawing>
+</file>
+
+<file path=ppt/diagrams/layout1.xml><?xml version="1.0" encoding="utf-8"?>
+<dgm:layoutDef xmlns:dgm="http://schemas.openxmlformats.org/drawingml/2006/diagram" xmlns:a="http://schemas.openxmlformats.org/drawingml/2006/main" uniqueId="urn:microsoft.com/office/officeart/2005/8/layout/hierarchy2">
+  <dgm:title val=""/>
+  <dgm:desc val=""/>
+  <dgm:catLst>
+    <dgm:cat type="hierarchy" pri="5000"/>
+  </dgm:catLst>
+  <dgm:sampData>
+    <dgm:dataModel>
+      <dgm:ptLst>
+        <dgm:pt modelId="0" type="doc"/>
+        <dgm:pt modelId="1">
+          <dgm:prSet phldr="1"/>
+        </dgm:pt>
+        <dgm:pt modelId="2">
+          <dgm:prSet phldr="1"/>
+        </dgm:pt>
+        <dgm:pt modelId="21">
+          <dgm:prSet phldr="1"/>
+        </dgm:pt>
+        <dgm:pt modelId="22">
+          <dgm:prSet phldr="1"/>
+        </dgm:pt>
+        <dgm:pt modelId="3">
+          <dgm:prSet phldr="1"/>
+        </dgm:pt>
+        <dgm:pt modelId="31">
+          <dgm:prSet phldr="1"/>
+        </dgm:pt>
+      </dgm:ptLst>
+      <dgm:cxnLst>
+        <dgm:cxn modelId="4" srcId="0" destId="1" srcOrd="0" destOrd="0"/>
+        <dgm:cxn modelId="5" srcId="1" destId="2" srcOrd="0" destOrd="0"/>
+        <dgm:cxn modelId="6" srcId="1" destId="3" srcOrd="1" destOrd="0"/>
+        <dgm:cxn modelId="23" srcId="2" destId="21" srcOrd="0" destOrd="0"/>
+        <dgm:cxn modelId="24" srcId="2" destId="22" srcOrd="1" destOrd="0"/>
+        <dgm:cxn modelId="33" srcId="3" destId="31" srcOrd="0" destOrd="0"/>
+      </dgm:cxnLst>
+      <dgm:bg/>
+      <dgm:whole/>
+    </dgm:dataModel>
+  </dgm:sampData>
+  <dgm:styleData>
+    <dgm:dataModel>
+      <dgm:ptLst>
+        <dgm:pt modelId="0" type="doc"/>
+        <dgm:pt modelId="1"/>
+        <dgm:pt modelId="11"/>
+        <dgm:pt modelId="12"/>
+      </dgm:ptLst>
+      <dgm:cxnLst>
+        <dgm:cxn modelId="2" srcId="0" destId="1" srcOrd="0" destOrd="0"/>
+        <dgm:cxn modelId="13" srcId="1" destId="11" srcOrd="0" destOrd="0"/>
+        <dgm:cxn modelId="14" srcId="1" destId="12" srcOrd="1" destOrd="0"/>
+      </dgm:cxnLst>
+      <dgm:bg/>
+      <dgm:whole/>
+    </dgm:dataModel>
+  </dgm:styleData>
+  <dgm:clrData>
+    <dgm:dataModel>
+      <dgm:ptLst>
+        <dgm:pt modelId="0" type="doc"/>
+        <dgm:pt modelId="1"/>
+        <dgm:pt modelId="2"/>
+        <dgm:pt modelId="21"/>
+        <dgm:pt modelId="211"/>
+        <dgm:pt modelId="3"/>
+        <dgm:pt modelId="31"/>
+        <dgm:pt modelId="311"/>
+      </dgm:ptLst>
+      <dgm:cxnLst>
+        <dgm:cxn modelId="4" srcId="0" destId="1" srcOrd="0" destOrd="0"/>
+        <dgm:cxn modelId="5" srcId="1" destId="2" srcOrd="0" destOrd="0"/>
+        <dgm:cxn modelId="6" srcId="1" destId="3" srcOrd="1" destOrd="0"/>
+        <dgm:cxn modelId="23" srcId="2" destId="21" srcOrd="0" destOrd="0"/>
+        <dgm:cxn modelId="24" srcId="21" destId="211" srcOrd="0" destOrd="0"/>
+        <dgm:cxn modelId="33" srcId="3" destId="31" srcOrd="0" destOrd="0"/>
+        <dgm:cxn modelId="34" srcId="31" destId="311" srcOrd="0" destOrd="0"/>
+      </dgm:cxnLst>
+      <dgm:bg/>
+      <dgm:whole/>
+    </dgm:dataModel>
+  </dgm:clrData>
+  <dgm:layoutNode name="diagram">
+    <dgm:varLst>
+      <dgm:chPref val="1"/>
+      <dgm:dir/>
+      <dgm:animOne val="branch"/>
+      <dgm:animLvl val="lvl"/>
+      <dgm:resizeHandles val="exact"/>
+    </dgm:varLst>
+    <dgm:choose name="Name0">
+      <dgm:if name="Name1" func="var" arg="dir" op="equ" val="norm">
+        <dgm:alg type="hierChild">
+          <dgm:param type="linDir" val="fromT"/>
+          <dgm:param type="chAlign" val="l"/>
+        </dgm:alg>
+      </dgm:if>
+      <dgm:else name="Name2">
+        <dgm:alg type="hierChild">
+          <dgm:param type="linDir" val="fromT"/>
+          <dgm:param type="chAlign" val="r"/>
+        </dgm:alg>
+      </dgm:else>
+    </dgm:choose>
+    <dgm:shape xmlns:r="http://schemas.openxmlformats.org/officeDocument/2006/relationships" r:blip="">
+      <dgm:adjLst/>
+    </dgm:shape>
+    <dgm:presOf/>
+    <dgm:constrLst>
+      <dgm:constr type="h" for="des" ptType="node" refType="h"/>
+      <dgm:constr type="w" for="des" ptType="node" refType="h" refFor="des" refPtType="node" fact="2"/>
+      <dgm:constr type="sibSp" refType="h" refFor="des" refPtType="node" op="equ" fact="0.15"/>
+      <dgm:constr type="sibSp" for="des" forName="level2hierChild" refType="h" refFor="des" refPtType="node" op="equ" fact="0.15"/>
+      <dgm:constr type="sibSp" for="des" forName="level3hierChild" refType="h" refFor="des" refPtType="node" op="equ" fact="0.15"/>
+      <dgm:constr type="sp" for="des" forName="root1" refType="w" refFor="des" refPtType="node" fact="0.4"/>
+      <dgm:constr type="sp" for="des" forName="root2" refType="sp" refFor="des" refForName="root1" op="equ"/>
+      <dgm:constr type="primFontSz" for="des" ptType="node" op="equ" val="65"/>
+      <dgm:constr type="primFontSz" for="des" forName="connTx" op="equ" val="55"/>
+      <dgm:constr type="primFontSz" for="des" forName="connTx" refType="primFontSz" refFor="des" refPtType="node" op="lte" fact="0.8"/>
+    </dgm:constrLst>
+    <dgm:ruleLst/>
+    <dgm:forEach name="Name3" axis="ch">
+      <dgm:forEach name="Name4" axis="self" ptType="node">
+        <dgm:layoutNode name="root1">
+          <dgm:choose name="Name5">
+            <dgm:if name="Name6" func="var" arg="dir" op="equ" val="norm">
+              <dgm:alg type="hierRoot">
+                <dgm:param type="hierAlign" val="lCtrCh"/>
+              </dgm:alg>
+            </dgm:if>
+            <dgm:else name="Name7">
+              <dgm:alg type="hierRoot">
+                <dgm:param type="hierAlign" val="rCtrCh"/>
+              </dgm:alg>
+            </dgm:else>
+          </dgm:choose>
+          <dgm:shape xmlns:r="http://schemas.openxmlformats.org/officeDocument/2006/relationships" r:blip="">
+            <dgm:adjLst/>
+          </dgm:shape>
+          <dgm:presOf/>
+          <dgm:constrLst/>
+          <dgm:ruleLst/>
+          <dgm:layoutNode name="LevelOneTextNode" styleLbl="node0">
+            <dgm:varLst>
+              <dgm:chPref val="3"/>
+            </dgm:varLst>
+            <dgm:alg type="tx"/>
+            <dgm:shape xmlns:r="http://schemas.openxmlformats.org/officeDocument/2006/relationships" type="roundRect" r:blip="">
+              <dgm:adjLst>
+                <dgm:adj idx="1" val="0.1"/>
+              </dgm:adjLst>
+            </dgm:shape>
+            <dgm:presOf axis="self"/>
+            <dgm:constrLst>
+              <dgm:constr type="tMarg" refType="primFontSz" fact="0.05"/>
+              <dgm:constr type="bMarg" refType="primFontSz" fact="0.05"/>
+              <dgm:constr type="lMarg" refType="primFontSz" fact="0.05"/>
+              <dgm:constr type="rMarg" refType="primFontSz" fact="0.05"/>
+            </dgm:constrLst>
+            <dgm:ruleLst>
+              <dgm:rule type="primFontSz" val="5" fact="NaN" max="NaN"/>
+            </dgm:ruleLst>
+          </dgm:layoutNode>
+          <dgm:layoutNode name="level2hierChild">
+            <dgm:choose name="Name8">
+              <dgm:if name="Name9" func="var" arg="dir" op="equ" val="norm">
+                <dgm:alg type="hierChild">
+                  <dgm:param type="linDir" val="fromT"/>
+                  <dgm:param type="chAlign" val="l"/>
+                </dgm:alg>
+              </dgm:if>
+              <dgm:else name="Name10">
+                <dgm:alg type="hierChild">
+                  <dgm:param type="linDir" val="fromT"/>
+                  <dgm:param type="chAlign" val="r"/>
+                </dgm:alg>
+              </dgm:else>
+            </dgm:choose>
+            <dgm:shape xmlns:r="http://schemas.openxmlformats.org/officeDocument/2006/relationships" r:blip="">
+              <dgm:adjLst/>
+            </dgm:shape>
+            <dgm:presOf/>
+            <dgm:constrLst/>
+            <dgm:ruleLst/>
+            <dgm:forEach name="repeat" axis="ch">
+              <dgm:forEach name="Name11" axis="self" ptType="parTrans" cnt="1">
+                <dgm:layoutNode name="conn2-1">
+                  <dgm:choose name="Name12">
+                    <dgm:if name="Name13" func="var" arg="dir" op="equ" val="norm">
+                      <dgm:alg type="conn">
+                        <dgm:param type="dim" val="1D"/>
+                        <dgm:param type="begPts" val="midR"/>
+                        <dgm:param type="endPts" val="midL"/>
+                        <dgm:param type="endSty" val="noArr"/>
+                      </dgm:alg>
+                    </dgm:if>
+                    <dgm:else name="Name14">
+                      <dgm:alg type="conn">
+                        <dgm:param type="dim" val="1D"/>
+                        <dgm:param type="begPts" val="midL"/>
+                        <dgm:param type="endPts" val="midR"/>
+                        <dgm:param type="endSty" val="noArr"/>
+                      </dgm:alg>
+                    </dgm:else>
+                  </dgm:choose>
+                  <dgm:shape xmlns:r="http://schemas.openxmlformats.org/officeDocument/2006/relationships" type="conn" r:blip="">
+                    <dgm:adjLst/>
+                  </dgm:shape>
+                  <dgm:presOf axis="self"/>
+                  <dgm:constrLst>
+                    <dgm:constr type="w" val="1"/>
+                    <dgm:constr type="h" val="5"/>
+                    <dgm:constr type="connDist"/>
+                    <dgm:constr type="begPad"/>
+                    <dgm:constr type="endPad"/>
+                    <dgm:constr type="userA" for="ch" refType="connDist"/>
+                  </dgm:constrLst>
+                  <dgm:ruleLst/>
+                  <dgm:layoutNode name="connTx">
+                    <dgm:alg type="tx">
+                      <dgm:param type="autoTxRot" val="grav"/>
+                    </dgm:alg>
+                    <dgm:shape xmlns:r="http://schemas.openxmlformats.org/officeDocument/2006/relationships" type="rect" r:blip="" hideGeom="1">
+                      <dgm:adjLst/>
+                    </dgm:shape>
+                    <dgm:presOf axis="self"/>
+                    <dgm:constrLst>
+                      <dgm:constr type="userA"/>
+                      <dgm:constr type="w" refType="userA" fact="0.05"/>
+                      <dgm:constr type="h" refType="userA" fact="0.05"/>
+                      <dgm:constr type="lMarg" val="1"/>
+                      <dgm:constr type="rMarg" val="1"/>
+                      <dgm:constr type="tMarg"/>
+                      <dgm:constr type="bMarg"/>
+                    </dgm:constrLst>
+                    <dgm:ruleLst>
+                      <dgm:rule type="h" val="NaN" fact="0.25" max="NaN"/>
+                      <dgm:rule type="w" val="NaN" fact="0.8" max="NaN"/>
+                      <dgm:rule type="primFontSz" val="5" fact="NaN" max="NaN"/>
+                    </dgm:ruleLst>
+                  </dgm:layoutNode>
+                </dgm:layoutNode>
+              </dgm:forEach>
+              <dgm:forEach name="Name15" axis="self" ptType="node">
+                <dgm:layoutNode name="root2">
+                  <dgm:choose name="Name16">
+                    <dgm:if name="Name17" func="var" arg="dir" op="equ" val="norm">
+                      <dgm:alg type="hierRoot">
+                        <dgm:param type="hierAlign" val="lCtrCh"/>
+                      </dgm:alg>
+                    </dgm:if>
+                    <dgm:else name="Name18">
+                      <dgm:alg type="hierRoot">
+                        <dgm:param type="hierAlign" val="rCtrCh"/>
+                      </dgm:alg>
+                    </dgm:else>
+                  </dgm:choose>
+                  <dgm:shape xmlns:r="http://schemas.openxmlformats.org/officeDocument/2006/relationships" r:blip="">
+                    <dgm:adjLst/>
+                  </dgm:shape>
+                  <dgm:presOf/>
+                  <dgm:constrLst/>
+                  <dgm:ruleLst/>
+                  <dgm:layoutNode name="LevelTwoTextNode">
+                    <dgm:varLst>
+                      <dgm:chPref val="3"/>
+                    </dgm:varLst>
+                    <dgm:alg type="tx"/>
+                    <dgm:shape xmlns:r="http://schemas.openxmlformats.org/officeDocument/2006/relationships" type="roundRect" r:blip="">
+                      <dgm:adjLst>
+                        <dgm:adj idx="1" val="0.1"/>
+                      </dgm:adjLst>
+                    </dgm:shape>
+                    <dgm:presOf axis="self"/>
+                    <dgm:constrLst>
+                      <dgm:constr type="tMarg" refType="primFontSz" fact="0.05"/>
+                      <dgm:constr type="bMarg" refType="primFontSz" fact="0.05"/>
+                      <dgm:constr type="lMarg" refType="primFontSz" fact="0.05"/>
+                      <dgm:constr type="rMarg" refType="primFontSz" fact="0.05"/>
+                    </dgm:constrLst>
+                    <dgm:ruleLst>
+                      <dgm:rule type="primFontSz" val="5" fact="NaN" max="NaN"/>
+                    </dgm:ruleLst>
+                  </dgm:layoutNode>
+                  <dgm:layoutNode name="level3hierChild">
+                    <dgm:choose name="Name19">
+                      <dgm:if name="Name20" func="var" arg="dir" op="equ" val="norm">
+                        <dgm:alg type="hierChild">
+                          <dgm:param type="linDir" val="fromT"/>
+                          <dgm:param type="chAlign" val="l"/>
+                        </dgm:alg>
+                      </dgm:if>
+                      <dgm:else name="Name21">
+                        <dgm:alg type="hierChild">
+                          <dgm:param type="linDir" val="fromT"/>
+                          <dgm:param type="chAlign" val="r"/>
+                        </dgm:alg>
+                      </dgm:else>
+                    </dgm:choose>
+                    <dgm:shape xmlns:r="http://schemas.openxmlformats.org/officeDocument/2006/relationships" r:blip="">
+                      <dgm:adjLst/>
+                    </dgm:shape>
+                    <dgm:presOf/>
+                    <dgm:constrLst/>
+                    <dgm:ruleLst/>
+                    <dgm:forEach name="Name22" ref="repeat"/>
+                  </dgm:layoutNode>
+                </dgm:layoutNode>
+              </dgm:forEach>
+            </dgm:forEach>
+          </dgm:layoutNode>
+        </dgm:layoutNode>
+      </dgm:forEach>
+    </dgm:forEach>
+  </dgm:layoutNode>
+</dgm:layoutDef>
+</file>
+
+<file path=ppt/diagrams/quickStyle1.xml><?xml version="1.0" encoding="utf-8"?>
+<dgm:styleDef xmlns:dgm="http://schemas.openxmlformats.org/drawingml/2006/diagram" xmlns:a="http://schemas.openxmlformats.org/drawingml/2006/main" uniqueId="urn:microsoft.com/office/officeart/2005/8/quickstyle/simple4">
+  <dgm:title val=""/>
+  <dgm:desc val=""/>
+  <dgm:catLst>
+    <dgm:cat type="simple" pri="10400"/>
+  </dgm:catLst>
+  <dgm:scene3d>
+    <a:camera prst="orthographicFront"/>
+    <a:lightRig rig="threePt" dir="t"/>
+  </dgm:scene3d>
+  <dgm:styleLbl name="node0">
+    <dgm:scene3d>
+      <a:camera prst="orthographicFront"/>
+      <a:lightRig rig="threePt" dir="t"/>
+    </dgm:scene3d>
+    <dgm:sp3d/>
+    <dgm:txPr/>
+    <dgm:style>
+      <a:lnRef idx="0">
+        <a:scrgbClr r="0" g="0" b="0"/>
+      </a:lnRef>
+      <a:fillRef idx="3">
+        <a:scrgbClr r="0" g="0" b="0"/>
+      </a:fillRef>
+      <a:effectRef idx="2">
+        <a:scrgbClr r="0" g="0" b="0"/>
+      </a:effectRef>
+      <a:fontRef idx="minor">
+        <a:schemeClr val="lt1"/>
+      </a:fontRef>
+    </dgm:style>
+  </dgm:styleLbl>
+  <dgm:styleLbl name="lnNode1">
+    <dgm:scene3d>
+      <a:camera prst="orthographicFront"/>
+      <a:lightRig rig="threePt" dir="t"/>
+    </dgm:scene3d>
+    <dgm:sp3d/>
+    <dgm:txPr/>
+    <dgm:style>
+      <a:lnRef idx="1">
+        <a:scrgbClr r="0" g="0" b="0"/>
+      </a:lnRef>
+      <a:fillRef idx="3">
+        <a:scrgbClr r="0" g="0" b="0"/>
+      </a:fillRef>
+      <a:effectRef idx="2">
+        <a:scrgbClr r="0" g="0" b="0"/>
+      </a:effectRef>
+      <a:fontRef idx="minor">
+        <a:schemeClr val="lt1"/>
+      </a:fontRef>
+    </dgm:style>
+  </dgm:styleLbl>
+  <dgm:styleLbl name="vennNode1">
+    <dgm:scene3d>
+      <a:camera prst="orthographicFront"/>
+      <a:lightRig rig="threePt" dir="t"/>
+    </dgm:scene3d>
+    <dgm:sp3d/>
+    <dgm:txPr/>
+    <dgm:style>
+      <a:lnRef idx="0">
+        <a:scrgbClr r="0" g="0" b="0"/>
+      </a:lnRef>
+      <a:fillRef idx="3">
+        <a:scrgbClr r="0" g="0" b="0"/>
+      </a:fillRef>
+      <a:effectRef idx="0">
+        <a:scrgbClr r="0" g="0" b="0"/>
+      </a:effectRef>
+      <a:fontRef idx="minor">
+        <a:schemeClr val="tx1"/>
+      </a:fontRef>
+    </dgm:style>
+  </dgm:styleLbl>
+  <dgm:styleLbl name="alignNode1">
+    <dgm:scene3d>
+      <a:camera prst="orthographicFront"/>
+      <a:lightRig rig="threePt" dir="t"/>
+    </dgm:scene3d>
+    <dgm:sp3d/>
+    <dgm:txPr/>
+    <dgm:style>
+      <a:lnRef idx="1">
+        <a:scrgbClr r="0" g="0" b="0"/>
+      </a:lnRef>
+      <a:fillRef idx="3">
+        <a:scrgbClr r="0" g="0" b="0"/>
+      </a:fillRef>
+      <a:effectRef idx="2">
+        <a:scrgbClr r="0" g="0" b="0"/>
+      </a:effectRef>
+      <a:fontRef idx="minor">
+        <a:schemeClr val="lt1"/>
+      </a:fontRef>
+    </dgm:style>
+  </dgm:styleLbl>
+  <dgm:styleLbl name="node1">
+    <dgm:scene3d>
+      <a:camera prst="orthographicFront"/>
+      <a:lightRig rig="threePt" dir="t"/>
+    </dgm:scene3d>
+    <dgm:sp3d/>
+    <dgm:txPr/>
+    <dgm:style>
+      <a:lnRef idx="0">
+        <a:scrgbClr r="0" g="0" b="0"/>
+      </a:lnRef>
+      <a:fillRef idx="3">
+        <a:scrgbClr r="0" g="0" b="0"/>
+      </a:fillRef>
+      <a:effectRef idx="2">
+        <a:scrgbClr r="0" g="0" b="0"/>
+      </a:effectRef>
+      <a:fontRef idx="minor">
+        <a:schemeClr val="lt1"/>
+      </a:fontRef>
+    </dgm:style>
+  </dgm:styleLbl>
+  <dgm:styleLbl name="node2">
+    <dgm:scene3d>
+      <a:camera prst="orthographicFront"/>
+      <a:lightRig rig="threePt" dir="t"/>
+    </dgm:scene3d>
+    <dgm:sp3d/>
+    <dgm:txPr/>
+    <dgm:style>
+      <a:lnRef idx="0">
+        <a:scrgbClr r="0" g="0" b="0"/>
+      </a:lnRef>
+      <a:fillRef idx="3">
+        <a:scrgbClr r="0" g="0" b="0"/>
+      </a:fillRef>
+      <a:effectRef idx="2">
+        <a:scrgbClr r="0" g="0" b="0"/>
+      </a:effectRef>
+      <a:fontRef idx="minor">
+        <a:schemeClr val="lt1"/>
+      </a:fontRef>
+    </dgm:style>
+  </dgm:styleLbl>
+  <dgm:styleLbl name="node3">
+    <dgm:scene3d>
+      <a:camera prst="orthographicFront"/>
+      <a:lightRig rig="threePt" dir="t"/>
+    </dgm:scene3d>
+    <dgm:sp3d/>
+    <dgm:txPr/>
+    <dgm:style>
+      <a:lnRef idx="0">
+        <a:scrgbClr r="0" g="0" b="0"/>
+      </a:lnRef>
+      <a:fillRef idx="3">
+        <a:scrgbClr r="0" g="0" b="0"/>
+      </a:fillRef>
+      <a:effectRef idx="2">
+        <a:scrgbClr r="0" g="0" b="0"/>
+      </a:effectRef>
+      <a:fontRef idx="minor">
+        <a:schemeClr val="lt1"/>
+      </a:fontRef>
+    </dgm:style>
+  </dgm:styleLbl>
+  <dgm:styleLbl name="node4">
+    <dgm:scene3d>
+      <a:camera prst="orthographicFront"/>
+      <a:lightRig rig="threePt" dir="t"/>
+    </dgm:scene3d>
+    <dgm:sp3d/>
+    <dgm:txPr/>
+    <dgm:style>
+      <a:lnRef idx="0">
+        <a:scrgbClr r="0" g="0" b="0"/>
+      </a:lnRef>
+      <a:fillRef idx="3">
+        <a:scrgbClr r="0" g="0" b="0"/>
+      </a:fillRef>
+      <a:effectRef idx="2">
+        <a:scrgbClr r="0" g="0" b="0"/>
+      </a:effectRef>
+      <a:fontRef idx="minor">
+        <a:schemeClr val="lt1"/>
+      </a:fontRef>
+    </dgm:style>
+  </dgm:styleLbl>
+  <dgm:styleLbl name="fgImgPlace1">
+    <dgm:scene3d>
+      <a:camera prst="orthographicFront"/>
+      <a:lightRig rig="threePt" dir="t"/>
+    </dgm:scene3d>
+    <dgm:sp3d/>
+    <dgm:txPr/>
+    <dgm:style>
+      <a:lnRef idx="0">
+        <a:scrgbClr r="0" g="0" b="0"/>
+      </a:lnRef>
+      <a:fillRef idx="1">
+        <a:scrgbClr r="0" g="0" b="0"/>
+      </a:fillRef>
+      <a:effectRef idx="2">
+        <a:scrgbClr r="0" g="0" b="0"/>
+      </a:effectRef>
+      <a:fontRef idx="minor"/>
+    </dgm:style>
+  </dgm:styleLbl>
+  <dgm:styleLbl name="alignImgPlace1">
+    <dgm:scene3d>
+      <a:camera prst="orthographicFront"/>
+      <a:lightRig rig="threePt" dir="t"/>
+    </dgm:scene3d>
+    <dgm:sp3d/>
+    <dgm:txPr/>
+    <dgm:style>
+      <a:lnRef idx="0">
+        <a:scrgbClr r="0" g="0" b="0"/>
+      </a:lnRef>
+      <a:fillRef idx="1">
+        <a:scrgbClr r="0" g="0" b="0"/>
+      </a:fillRef>
+      <a:effectRef idx="2">
+        <a:scrgbClr r="0" g="0" b="0"/>
+      </a:effectRef>
+      <a:fontRef idx="minor"/>
+    </dgm:style>
+  </dgm:styleLbl>
+  <dgm:styleLbl name="bgImgPlace1">
+    <dgm:scene3d>
+      <a:camera prst="orthographicFront"/>
+      <a:lightRig rig="threePt" dir="t"/>
+    </dgm:scene3d>
+    <dgm:sp3d/>
+    <dgm:txPr/>
+    <dgm:style>
+      <a:lnRef idx="0">
+        <a:scrgbClr r="0" g="0" b="0"/>
+      </a:lnRef>
+      <a:fillRef idx="1">
+        <a:scrgbClr r="0" g="0" b="0"/>
+      </a:fillRef>
+      <a:effectRef idx="2">
+        <a:scrgbClr r="0" g="0" b="0"/>
+      </a:effectRef>
+      <a:fontRef idx="minor"/>
+    </dgm:style>
+  </dgm:styleLbl>
+  <dgm:styleLbl name="sibTrans2D1">
+    <dgm:scene3d>
+      <a:camera prst="orthographicFront"/>
+      <a:lightRig rig="threePt" dir="t"/>
+    </dgm:scene3d>
+    <dgm:sp3d/>
+    <dgm:txPr/>
+    <dgm:style>
+      <a:lnRef idx="0">
+        <a:scrgbClr r="0" g="0" b="0"/>
+      </a:lnRef>
+      <a:fillRef idx="3">
+        <a:scrgbClr r="0" g="0" b="0"/>
+      </a:fillRef>
+      <a:effectRef idx="2">
+        <a:scrgbClr r="0" g="0" b="0"/>
+      </a:effectRef>
+      <a:fontRef idx="minor">
+        <a:schemeClr val="lt1"/>
+      </a:fontRef>
+    </dgm:style>
+  </dgm:styleLbl>
+  <dgm:styleLbl name="fgSibTrans2D1">
+    <dgm:scene3d>
+      <a:camera prst="orthographicFront"/>
+      <a:lightRig rig="threePt" dir="t"/>
+    </dgm:scene3d>
+    <dgm:sp3d/>
+    <dgm:txPr/>
+    <dgm:style>
+      <a:lnRef idx="0">
+        <a:scrgbClr r="0" g="0" b="0"/>
+      </a:lnRef>
+      <a:fillRef idx="3">
+        <a:scrgbClr r="0" g="0" b="0"/>
+      </a:fillRef>
+      <a:effectRef idx="2">
+        <a:scrgbClr r="0" g="0" b="0"/>
+      </a:effectRef>
+      <a:fontRef idx="minor">
+        <a:schemeClr val="lt1"/>
+      </a:fontRef>
+    </dgm:style>
+  </dgm:styleLbl>
+  <dgm:styleLbl name="bgSibTrans2D1">
+    <dgm:scene3d>
+      <a:camera prst="orthographicFront"/>
+      <a:lightRig rig="threePt" dir="t"/>
+    </dgm:scene3d>
+    <dgm:sp3d/>
+    <dgm:txPr/>
+    <dgm:style>
+      <a:lnRef idx="0">
+        <a:scrgbClr r="0" g="0" b="0"/>
+      </a:lnRef>
+      <a:fillRef idx="3">
+        <a:scrgbClr r="0" g="0" b="0"/>
+      </a:fillRef>
+      <a:effectRef idx="2">
+        <a:scrgbClr r="0" g="0" b="0"/>
+      </a:effectRef>
+      <a:fontRef idx="minor">
+        <a:schemeClr val="lt1"/>
+      </a:fontRef>
+    </dgm:style>
+  </dgm:styleLbl>
+  <dgm:styleLbl name="sibTrans1D1">
+    <dgm:scene3d>
+      <a:camera prst="orthographicFront"/>
+      <a:lightRig rig="threePt" dir="t"/>
+    </dgm:scene3d>
+    <dgm:sp3d/>
+    <dgm:txPr/>
+    <dgm:style>
+      <a:lnRef idx="1">
+        <a:scrgbClr r="0" g="0" b="0"/>
+      </a:lnRef>
+      <a:fillRef idx="0">
+        <a:scrgbClr r="0" g="0" b="0"/>
+      </a:fillRef>
+      <a:effectRef idx="0">
+        <a:scrgbClr r="0" g="0" b="0"/>
+      </a:effectRef>
+      <a:fontRef idx="minor"/>
+    </dgm:style>
+  </dgm:styleLbl>
+  <dgm:styleLbl name="callout">
+    <dgm:scene3d>
+      <a:camera prst="orthographicFront"/>
+      <a:lightRig rig="threePt" dir="t"/>
+    </dgm:scene3d>
+    <dgm:sp3d/>
+    <dgm:txPr/>
+    <dgm:style>
+      <a:lnRef idx="2">
+        <a:scrgbClr r="0" g="0" b="0"/>
+      </a:lnRef>
+      <a:fillRef idx="1">
+        <a:scrgbClr r="0" g="0" b="0"/>
+      </a:fillRef>
+      <a:effectRef idx="1">
+        <a:scrgbClr r="0" g="0" b="0"/>
+      </a:effectRef>
+      <a:fontRef idx="minor"/>
+    </dgm:style>
+  </dgm:styleLbl>
+  <dgm:styleLbl name="asst0">
+    <dgm:scene3d>
+      <a:camera prst="orthographicFront"/>
+      <a:lightRig rig="threePt" dir="t"/>
+    </dgm:scene3d>
+    <dgm:sp3d/>
+    <dgm:txPr/>
+    <dgm:style>
+      <a:lnRef idx="0">
+        <a:scrgbClr r="0" g="0" b="0"/>
+      </a:lnRef>
+      <a:fillRef idx="3">
+        <a:scrgbClr r="0" g="0" b="0"/>
+      </a:fillRef>
+      <a:effectRef idx="2">
+        <a:scrgbClr r="0" g="0" b="0"/>
+      </a:effectRef>
+      <a:fontRef idx="minor">
+        <a:schemeClr val="lt1"/>
+      </a:fontRef>
+    </dgm:style>
+  </dgm:styleLbl>
+  <dgm:styleLbl name="asst1">
+    <dgm:scene3d>
+      <a:camera prst="orthographicFront"/>
+      <a:lightRig rig="threePt" dir="t"/>
+    </dgm:scene3d>
+    <dgm:sp3d/>
+    <dgm:txPr/>
+    <dgm:style>
+      <a:lnRef idx="0">
+        <a:scrgbClr r="0" g="0" b="0"/>
+      </a:lnRef>
+      <a:fillRef idx="3">
+        <a:scrgbClr r="0" g="0" b="0"/>
+      </a:fillRef>
+      <a:effectRef idx="2">
+        <a:scrgbClr r="0" g="0" b="0"/>
+      </a:effectRef>
+      <a:fontRef idx="minor">
+        <a:schemeClr val="lt1"/>
+      </a:fontRef>
+    </dgm:style>
+  </dgm:styleLbl>
+  <dgm:styleLbl name="asst2">
+    <dgm:scene3d>
+      <a:camera prst="orthographicFront"/>
+      <a:lightRig rig="threePt" dir="t"/>
+    </dgm:scene3d>
+    <dgm:sp3d/>
+    <dgm:txPr/>
+    <dgm:style>
+      <a:lnRef idx="0">
+        <a:scrgbClr r="0" g="0" b="0"/>
+      </a:lnRef>
+      <a:fillRef idx="3">
+        <a:scrgbClr r="0" g="0" b="0"/>
+      </a:fillRef>
+      <a:effectRef idx="2">
+        <a:scrgbClr r="0" g="0" b="0"/>
+      </a:effectRef>
+      <a:fontRef idx="minor">
+        <a:schemeClr val="lt1"/>
+      </a:fontRef>
+    </dgm:style>
+  </dgm:styleLbl>
+  <dgm:styleLbl name="asst3">
+    <dgm:scene3d>
+      <a:camera prst="orthographicFront"/>
+      <a:lightRig rig="threePt" dir="t"/>
+    </dgm:scene3d>
+    <dgm:sp3d/>
+    <dgm:txPr/>
+    <dgm:style>
+      <a:lnRef idx="0">
+        <a:scrgbClr r="0" g="0" b="0"/>
+      </a:lnRef>
+      <a:fillRef idx="3">
+        <a:scrgbClr r="0" g="0" b="0"/>
+      </a:fillRef>
+      <a:effectRef idx="2">
+        <a:scrgbClr r="0" g="0" b="0"/>
+      </a:effectRef>
+      <a:fontRef idx="minor">
+        <a:schemeClr val="lt1"/>
+      </a:fontRef>
+    </dgm:style>
+  </dgm:styleLbl>
+  <dgm:styleLbl name="asst4">
+    <dgm:scene3d>
+      <a:camera prst="orthographicFront"/>
+      <a:lightRig rig="threePt" dir="t"/>
+    </dgm:scene3d>
+    <dgm:sp3d/>
+    <dgm:txPr/>
+    <dgm:style>
+      <a:lnRef idx="0">
+        <a:scrgbClr r="0" g="0" b="0"/>
+      </a:lnRef>
+      <a:fillRef idx="3">
+        <a:scrgbClr r="0" g="0" b="0"/>
+      </a:fillRef>
+      <a:effectRef idx="2">
+        <a:scrgbClr r="0" g="0" b="0"/>
+      </a:effectRef>
+      <a:fontRef idx="minor">
+        <a:schemeClr val="lt1"/>
+      </a:fontRef>
+    </dgm:style>
+  </dgm:styleLbl>
+  <dgm:styleLbl name="parChTrans2D1">
+    <dgm:scene3d>
+      <a:camera prst="orthographicFront"/>
+      <a:lightRig rig="threePt" dir="t"/>
+    </dgm:scene3d>
+    <dgm:sp3d/>
+    <dgm:txPr/>
+    <dgm:style>
+      <a:lnRef idx="0">
+        <a:scrgbClr r="0" g="0" b="0"/>
+      </a:lnRef>
+      <a:fillRef idx="3">
+        <a:scrgbClr r="0" g="0" b="0"/>
+      </a:fillRef>
+      <a:effectRef idx="2">
+        <a:scrgbClr r="0" g="0" b="0"/>
+      </a:effectRef>
+      <a:fontRef idx="minor">
+        <a:schemeClr val="lt1"/>
+      </a:fontRef>
+    </dgm:style>
+  </dgm:styleLbl>
+  <dgm:styleLbl name="parChTrans2D2">
+    <dgm:scene3d>
+      <a:camera prst="orthographicFront"/>
+      <a:lightRig rig="threePt" dir="t"/>
+    </dgm:scene3d>
+    <dgm:sp3d/>
+    <dgm:txPr/>
+    <dgm:style>
+      <a:lnRef idx="0">
+        <a:scrgbClr r="0" g="0" b="0"/>
+      </a:lnRef>
+      <a:fillRef idx="3">
+        <a:scrgbClr r="0" g="0" b="0"/>
+      </a:fillRef>
+      <a:effectRef idx="2">
+        <a:scrgbClr r="0" g="0" b="0"/>
+      </a:effectRef>
+      <a:fontRef idx="minor">
+        <a:schemeClr val="lt1"/>
+      </a:fontRef>
+    </dgm:style>
+  </dgm:styleLbl>
+  <dgm:styleLbl name="parChTrans2D3">
+    <dgm:scene3d>
+      <a:camera prst="orthographicFront"/>
+      <a:lightRig rig="threePt" dir="t"/>
+    </dgm:scene3d>
+    <dgm:sp3d/>
+    <dgm:txPr/>
+    <dgm:style>
+      <a:lnRef idx="1">
+        <a:scrgbClr r="0" g="0" b="0"/>
+      </a:lnRef>
+      <a:fillRef idx="3">
+        <a:scrgbClr r="0" g="0" b="0"/>
+      </a:fillRef>
+      <a:effectRef idx="2">
+        <a:scrgbClr r="0" g="0" b="0"/>
+      </a:effectRef>
+      <a:fontRef idx="minor">
+        <a:schemeClr val="lt1"/>
+      </a:fontRef>
+    </dgm:style>
+  </dgm:styleLbl>
+  <dgm:styleLbl name="parChTrans2D4">
+    <dgm:scene3d>
+      <a:camera prst="orthographicFront"/>
+      <a:lightRig rig="threePt" dir="t"/>
+    </dgm:scene3d>
+    <dgm:sp3d/>
+    <dgm:txPr/>
+    <dgm:style>
+      <a:lnRef idx="1">
+        <a:scrgbClr r="0" g="0" b="0"/>
+      </a:lnRef>
+      <a:fillRef idx="3">
+        <a:scrgbClr r="0" g="0" b="0"/>
+      </a:fillRef>
+      <a:effectRef idx="2">
+        <a:scrgbClr r="0" g="0" b="0"/>
+      </a:effectRef>
+      <a:fontRef idx="minor">
+        <a:schemeClr val="lt1"/>
+      </a:fontRef>
+    </dgm:style>
+  </dgm:styleLbl>
+  <dgm:styleLbl name="parChTrans1D1">
+    <dgm:scene3d>
+      <a:camera prst="orthographicFront"/>
+      <a:lightRig rig="threePt" dir="t"/>
+    </dgm:scene3d>
+    <dgm:sp3d/>
+    <dgm:txPr/>
+    <dgm:style>
+      <a:lnRef idx="1">
+        <a:scrgbClr r="0" g="0" b="0"/>
+      </a:lnRef>
+      <a:fillRef idx="0">
+        <a:scrgbClr r="0" g="0" b="0"/>
+      </a:fillRef>
+      <a:effectRef idx="0">
+        <a:scrgbClr r="0" g="0" b="0"/>
+      </a:effectRef>
+      <a:fontRef idx="minor"/>
+    </dgm:style>
+  </dgm:styleLbl>
+  <dgm:styleLbl name="parChTrans1D2">
+    <dgm:scene3d>
+      <a:camera prst="orthographicFront"/>
+      <a:lightRig rig="threePt" dir="t"/>
+    </dgm:scene3d>
+    <dgm:sp3d/>
+    <dgm:txPr/>
+    <dgm:style>
+      <a:lnRef idx="1">
+        <a:scrgbClr r="0" g="0" b="0"/>
+      </a:lnRef>
+      <a:fillRef idx="0">
+        <a:scrgbClr r="0" g="0" b="0"/>
+      </a:fillRef>
+      <a:effectRef idx="0">
+        <a:scrgbClr r="0" g="0" b="0"/>
+      </a:effectRef>
+      <a:fontRef idx="minor"/>
+    </dgm:style>
+  </dgm:styleLbl>
+  <dgm:styleLbl name="parChTrans1D3">
+    <dgm:scene3d>
+      <a:camera prst="orthographicFront"/>
+      <a:lightRig rig="threePt" dir="t"/>
+    </dgm:scene3d>
+    <dgm:sp3d/>
+    <dgm:txPr/>
+    <dgm:style>
+      <a:lnRef idx="1">
+        <a:scrgbClr r="0" g="0" b="0"/>
+      </a:lnRef>
+      <a:fillRef idx="0">
+        <a:scrgbClr r="0" g="0" b="0"/>
+      </a:fillRef>
+      <a:effectRef idx="0">
+        <a:scrgbClr r="0" g="0" b="0"/>
+      </a:effectRef>
+      <a:fontRef idx="minor"/>
+    </dgm:style>
+  </dgm:styleLbl>
+  <dgm:styleLbl name="parChTrans1D4">
+    <dgm:scene3d>
+      <a:camera prst="orthographicFront"/>
+      <a:lightRig rig="threePt" dir="t"/>
+    </dgm:scene3d>
+    <dgm:sp3d/>
+    <dgm:txPr/>
+    <dgm:style>
+      <a:lnRef idx="1">
+        <a:scrgbClr r="0" g="0" b="0"/>
+      </a:lnRef>
+      <a:fillRef idx="0">
+        <a:scrgbClr r="0" g="0" b="0"/>
+      </a:fillRef>
+      <a:effectRef idx="0">
+        <a:scrgbClr r="0" g="0" b="0"/>
+      </a:effectRef>
+      <a:fontRef idx="minor"/>
+    </dgm:style>
+  </dgm:styleLbl>
+  <dgm:styleLbl name="fgAcc1">
+    <dgm:scene3d>
+      <a:camera prst="orthographicFront"/>
+      <a:lightRig rig="threePt" dir="t"/>
+    </dgm:scene3d>
+    <dgm:sp3d/>
+    <dgm:txPr/>
+    <dgm:style>
+      <a:lnRef idx="1">
+        <a:scrgbClr r="0" g="0" b="0"/>
+      </a:lnRef>
+      <a:fillRef idx="1">
+        <a:scrgbClr r="0" g="0" b="0"/>
+      </a:fillRef>
+      <a:effectRef idx="0">
+        <a:scrgbClr r="0" g="0" b="0"/>
+      </a:effectRef>
+      <a:fontRef idx="minor"/>
+    </dgm:style>
+  </dgm:styleLbl>
+  <dgm:styleLbl name="conFgAcc1">
+    <dgm:scene3d>
+      <a:camera prst="orthographicFront"/>
+      <a:lightRig rig="threePt" dir="t"/>
+    </dgm:scene3d>
+    <dgm:sp3d/>
+    <dgm:txPr/>
+    <dgm:style>
+      <a:lnRef idx="1">
+        <a:scrgbClr r="0" g="0" b="0"/>
+      </a:lnRef>
+      <a:fillRef idx="1">
+        <a:scrgbClr r="0" g="0" b="0"/>
+      </a:fillRef>
+      <a:effectRef idx="0">
+        <a:scrgbClr r="0" g="0" b="0"/>
+      </a:effectRef>
+      <a:fontRef idx="minor"/>
+    </dgm:style>
+  </dgm:styleLbl>
+  <dgm:styleLbl name="alignAcc1">
+    <dgm:scene3d>
+      <a:camera prst="orthographicFront"/>
+      <a:lightRig rig="threePt" dir="t"/>
+    </dgm:scene3d>
+    <dgm:sp3d/>
+    <dgm:txPr/>
+    <dgm:style>
+      <a:lnRef idx="1">
+        <a:scrgbClr r="0" g="0" b="0"/>
+      </a:lnRef>
+      <a:fillRef idx="1">
+        <a:scrgbClr r="0" g="0" b="0"/>
+      </a:fillRef>
+      <a:effectRef idx="0">
+        <a:scrgbClr r="0" g="0" b="0"/>
+      </a:effectRef>
+      <a:fontRef idx="minor"/>
+    </dgm:style>
+  </dgm:styleLbl>
+  <dgm:styleLbl name="trAlignAcc1">
+    <dgm:scene3d>
+      <a:camera prst="orthographicFront"/>
+      <a:lightRig rig="threePt" dir="t"/>
+    </dgm:scene3d>
+    <dgm:sp3d/>
+    <dgm:txPr/>
+    <dgm:style>
+      <a:lnRef idx="1">
+        <a:scrgbClr r="0" g="0" b="0"/>
+      </a:lnRef>
+      <a:fillRef idx="1">
+        <a:scrgbClr r="0" g="0" b="0"/>
+      </a:fillRef>
+      <a:effectRef idx="0">
+        <a:scrgbClr r="0" g="0" b="0"/>
+      </a:effectRef>
+      <a:fontRef idx="minor"/>
+    </dgm:style>
+  </dgm:styleLbl>
+  <dgm:styleLbl name="bgAcc1">
+    <dgm:scene3d>
+      <a:camera prst="orthographicFront"/>
+      <a:lightRig rig="threePt" dir="t"/>
+    </dgm:scene3d>
+    <dgm:sp3d/>
+    <dgm:txPr/>
+    <dgm:style>
+      <a:lnRef idx="1">
+        <a:scrgbClr r="0" g="0" b="0"/>
+      </a:lnRef>
+      <a:fillRef idx="1">
+        <a:scrgbClr r="0" g="0" b="0"/>
+      </a:fillRef>
+      <a:effectRef idx="0">
+        <a:scrgbClr r="0" g="0" b="0"/>
+      </a:effectRef>
+      <a:fontRef idx="minor"/>
+    </dgm:style>
+  </dgm:styleLbl>
+  <dgm:styleLbl name="solidFgAcc1">
+    <dgm:scene3d>
+      <a:camera prst="orthographicFront"/>
+      <a:lightRig rig="threePt" dir="t"/>
+    </dgm:scene3d>
+    <dgm:sp3d/>
+    <dgm:txPr/>
+    <dgm:style>
+      <a:lnRef idx="1">
+        <a:scrgbClr r="0" g="0" b="0"/>
+      </a:lnRef>
+      <a:fillRef idx="1">
+        <a:scrgbClr r="0" g="0" b="0"/>
+      </a:fillRef>
+      <a:effectRef idx="0">
+        <a:scrgbClr r="0" g="0" b="0"/>
+      </a:effectRef>
+      <a:fontRef idx="minor"/>
+    </dgm:style>
+  </dgm:styleLbl>
+  <dgm:styleLbl name="solidAlignAcc1">
+    <dgm:scene3d>
+      <a:camera prst="orthographicFront"/>
+      <a:lightRig rig="threePt" dir="t"/>
+    </dgm:scene3d>
+    <dgm:sp3d/>
+    <dgm:txPr/>
+    <dgm:style>
+      <a:lnRef idx="1">
+        <a:scrgbClr r="0" g="0" b="0"/>
+      </a:lnRef>
+      <a:fillRef idx="1">
+        <a:scrgbClr r="0" g="0" b="0"/>
+      </a:fillRef>
+      <a:effectRef idx="0">
+        <a:scrgbClr r="0" g="0" b="0"/>
+      </a:effectRef>
+      <a:fontRef idx="minor"/>
+    </dgm:style>
+  </dgm:styleLbl>
+  <dgm:styleLbl name="solidBgAcc1">
+    <dgm:scene3d>
+      <a:camera prst="orthographicFront"/>
+      <a:lightRig rig="threePt" dir="t"/>
+    </dgm:scene3d>
+    <dgm:sp3d/>
+    <dgm:txPr/>
+    <dgm:style>
+      <a:lnRef idx="1">
+        <a:scrgbClr r="0" g="0" b="0"/>
+      </a:lnRef>
+      <a:fillRef idx="1">
+        <a:scrgbClr r="0" g="0" b="0"/>
+      </a:fillRef>
+      <a:effectRef idx="0">
+        <a:scrgbClr r="0" g="0" b="0"/>
+      </a:effectRef>
+      <a:fontRef idx="minor"/>
+    </dgm:style>
+  </dgm:styleLbl>
+  <dgm:styleLbl name="fgAccFollowNode1">
+    <dgm:scene3d>
+      <a:camera prst="orthographicFront"/>
+      <a:lightRig rig="threePt" dir="t"/>
+    </dgm:scene3d>
+    <dgm:sp3d/>
+    <dgm:txPr/>
+    <dgm:style>
+      <a:lnRef idx="1">
+        <a:scrgbClr r="0" g="0" b="0"/>
+      </a:lnRef>
+      <a:fillRef idx="1">
+        <a:scrgbClr r="0" g="0" b="0"/>
+      </a:fillRef>
+      <a:effectRef idx="0">
+        <a:scrgbClr r="0" g="0" b="0"/>
+      </a:effectRef>
+      <a:fontRef idx="minor"/>
+    </dgm:style>
+  </dgm:styleLbl>
+  <dgm:styleLbl name="alignAccFollowNode1">
+    <dgm:scene3d>
+      <a:camera prst="orthographicFront"/>
+      <a:lightRig rig="threePt" dir="t"/>
+    </dgm:scene3d>
+    <dgm:sp3d/>
+    <dgm:txPr/>
+    <dgm:style>
+      <a:lnRef idx="1">
+        <a:scrgbClr r="0" g="0" b="0"/>
+      </a:lnRef>
+      <a:fillRef idx="1">
+        <a:scrgbClr r="0" g="0" b="0"/>
+      </a:fillRef>
+      <a:effectRef idx="0">
+        <a:scrgbClr r="0" g="0" b="0"/>
+      </a:effectRef>
+      <a:fontRef idx="minor"/>
+    </dgm:style>
+  </dgm:styleLbl>
+  <dgm:styleLbl name="bgAccFollowNode1">
+    <dgm:scene3d>
+      <a:camera prst="orthographicFront"/>
+      <a:lightRig rig="threePt" dir="t"/>
+    </dgm:scene3d>
+    <dgm:sp3d/>
+    <dgm:txPr/>
+    <dgm:style>
+      <a:lnRef idx="1">
+        <a:scrgbClr r="0" g="0" b="0"/>
+      </a:lnRef>
+      <a:fillRef idx="1">
+        <a:scrgbClr r="0" g="0" b="0"/>
+      </a:fillRef>
+      <a:effectRef idx="0">
+        <a:scrgbClr r="0" g="0" b="0"/>
+      </a:effectRef>
+      <a:fontRef idx="minor"/>
+    </dgm:style>
+  </dgm:styleLbl>
+  <dgm:styleLbl name="fgAcc0">
+    <dgm:scene3d>
+      <a:camera prst="orthographicFront"/>
+      <a:lightRig rig="threePt" dir="t"/>
+    </dgm:scene3d>
+    <dgm:sp3d/>
+    <dgm:txPr/>
+    <dgm:style>
+      <a:lnRef idx="1">
+        <a:scrgbClr r="0" g="0" b="0"/>
+      </a:lnRef>
+      <a:fillRef idx="1">
+        <a:scrgbClr r="0" g="0" b="0"/>
+      </a:fillRef>
+      <a:effectRef idx="0">
+        <a:scrgbClr r="0" g="0" b="0"/>
+      </a:effectRef>
+      <a:fontRef idx="minor"/>
+    </dgm:style>
+  </dgm:styleLbl>
+  <dgm:styleLbl name="fgAcc2">
+    <dgm:scene3d>
+      <a:camera prst="orthographicFront"/>
+      <a:lightRig rig="threePt" dir="t"/>
+    </dgm:scene3d>
+    <dgm:sp3d/>
+    <dgm:txPr/>
+    <dgm:style>
+      <a:lnRef idx="1">
+        <a:scrgbClr r="0" g="0" b="0"/>
+      </a:lnRef>
+      <a:fillRef idx="1">
+        <a:scrgbClr r="0" g="0" b="0"/>
+      </a:fillRef>
+      <a:effectRef idx="0">
+        <a:scrgbClr r="0" g="0" b="0"/>
+      </a:effectRef>
+      <a:fontRef idx="minor"/>
+    </dgm:style>
+  </dgm:styleLbl>
+  <dgm:styleLbl name="fgAcc3">
+    <dgm:scene3d>
+      <a:camera prst="orthographicFront"/>
+      <a:lightRig rig="threePt" dir="t"/>
+    </dgm:scene3d>
+    <dgm:sp3d/>
+    <dgm:txPr/>
+    <dgm:style>
+      <a:lnRef idx="1">
+        <a:scrgbClr r="0" g="0" b="0"/>
+      </a:lnRef>
+      <a:fillRef idx="1">
+        <a:scrgbClr r="0" g="0" b="0"/>
+      </a:fillRef>
+      <a:effectRef idx="0">
+        <a:scrgbClr r="0" g="0" b="0"/>
+      </a:effectRef>
+      <a:fontRef idx="minor"/>
+    </dgm:style>
+  </dgm:styleLbl>
+  <dgm:styleLbl name="fgAcc4">
+    <dgm:scene3d>
+      <a:camera prst="orthographicFront"/>
+      <a:lightRig rig="threePt" dir="t"/>
+    </dgm:scene3d>
+    <dgm:sp3d/>
+    <dgm:txPr/>
+    <dgm:style>
+      <a:lnRef idx="1">
+        <a:scrgbClr r="0" g="0" b="0"/>
+      </a:lnRef>
+      <a:fillRef idx="1">
+        <a:scrgbClr r="0" g="0" b="0"/>
+      </a:fillRef>
+      <a:effectRef idx="0">
+        <a:scrgbClr r="0" g="0" b="0"/>
+      </a:effectRef>
+      <a:fontRef idx="minor"/>
+    </dgm:style>
+  </dgm:styleLbl>
+  <dgm:styleLbl name="bgShp">
+    <dgm:scene3d>
+      <a:camera prst="orthographicFront"/>
+      <a:lightRig rig="threePt" dir="t"/>
+    </dgm:scene3d>
+    <dgm:sp3d/>
+    <dgm:txPr/>
+    <dgm:style>
+      <a:lnRef idx="0">
+        <a:scrgbClr r="0" g="0" b="0"/>
+      </a:lnRef>
+      <a:fillRef idx="1">
+        <a:scrgbClr r="0" g="0" b="0"/>
+      </a:fillRef>
+      <a:effectRef idx="2">
+        <a:scrgbClr r="0" g="0" b="0"/>
+      </a:effectRef>
+      <a:fontRef idx="minor"/>
+    </dgm:style>
+  </dgm:styleLbl>
+  <dgm:styleLbl name="dkBgShp">
+    <dgm:scene3d>
+      <a:camera prst="orthographicFront"/>
+      <a:lightRig rig="threePt" dir="t"/>
+    </dgm:scene3d>
+    <dgm:sp3d/>
+    <dgm:txPr/>
+    <dgm:style>
+      <a:lnRef idx="0">
+        <a:scrgbClr r="0" g="0" b="0"/>
+      </a:lnRef>
+      <a:fillRef idx="1">
+        <a:scrgbClr r="0" g="0" b="0"/>
+      </a:fillRef>
+      <a:effectRef idx="2">
+        <a:scrgbClr r="0" g="0" b="0"/>
+      </a:effectRef>
+      <a:fontRef idx="minor"/>
+    </dgm:style>
+  </dgm:styleLbl>
+  <dgm:styleLbl name="trBgShp">
+    <dgm:scene3d>
+      <a:camera prst="orthographicFront"/>
+      <a:lightRig rig="threePt" dir="t"/>
+    </dgm:scene3d>
+    <dgm:sp3d/>
+    <dgm:txPr/>
+    <dgm:style>
+      <a:lnRef idx="0">
+        <a:scrgbClr r="0" g="0" b="0"/>
+      </a:lnRef>
+      <a:fillRef idx="1">
+        <a:scrgbClr r="0" g="0" b="0"/>
+      </a:fillRef>
+      <a:effectRef idx="0">
+        <a:scrgbClr r="0" g="0" b="0"/>
+      </a:effectRef>
+      <a:fontRef idx="minor"/>
+    </dgm:style>
+  </dgm:styleLbl>
+  <dgm:styleLbl name="fgShp">
+    <dgm:scene3d>
+      <a:camera prst="orthographicFront"/>
+      <a:lightRig rig="threePt" dir="t"/>
+    </dgm:scene3d>
+    <dgm:sp3d/>
+    <dgm:txPr/>
+    <dgm:style>
+      <a:lnRef idx="0">
+        <a:scrgbClr r="0" g="0" b="0"/>
+      </a:lnRef>
+      <a:fillRef idx="3">
+        <a:scrgbClr r="0" g="0" b="0"/>
+      </a:fillRef>
+      <a:effectRef idx="2">
+        <a:scrgbClr r="0" g="0" b="0"/>
+      </a:effectRef>
+      <a:fontRef idx="minor"/>
+    </dgm:style>
+  </dgm:styleLbl>
+  <dgm:styleLbl name="revTx">
+    <dgm:scene3d>
+      <a:camera prst="orthographicFront"/>
+      <a:lightRig rig="threePt" dir="t"/>
+    </dgm:scene3d>
+    <dgm:sp3d/>
+    <dgm:txPr/>
+    <dgm:style>
+      <a:lnRef idx="0">
+        <a:scrgbClr r="0" g="0" b="0"/>
+      </a:lnRef>
+      <a:fillRef idx="0">
+        <a:scrgbClr r="0" g="0" b="0"/>
+      </a:fillRef>
+      <a:effectRef idx="0">
+        <a:scrgbClr r="0" g="0" b="0"/>
+      </a:effectRef>
+      <a:fontRef idx="minor"/>
+    </dgm:style>
+  </dgm:styleLbl>
+</dgm:styleDef>
 </file>
 
 <file path=ppt/slideLayouts/slideLayout1.xml><?xml version="1.0" encoding="utf-8"?>
@@ -301,7 +3202,7 @@
           <a:p>
             <a:fld id="{D26AADD2-272F-3D4C-AA72-A10290954507}" type="datetimeFigureOut">
               <a:rPr lang="en-US" smtClean="0"/>
-              <a:t>9/2/15</a:t>
+              <a:t>8/25/16</a:t>
             </a:fld>
             <a:endParaRPr lang="en-US"/>
           </a:p>
@@ -737,7 +3638,7 @@
           <a:p>
             <a:fld id="{D26AADD2-272F-3D4C-AA72-A10290954507}" type="datetimeFigureOut">
               <a:rPr lang="en-US" smtClean="0"/>
-              <a:t>9/2/15</a:t>
+              <a:t>8/25/16</a:t>
             </a:fld>
             <a:endParaRPr lang="en-US"/>
           </a:p>
@@ -987,7 +3888,7 @@
           <a:p>
             <a:fld id="{D26AADD2-272F-3D4C-AA72-A10290954507}" type="datetimeFigureOut">
               <a:rPr lang="en-US" smtClean="0"/>
-              <a:t>9/2/15</a:t>
+              <a:t>8/25/16</a:t>
             </a:fld>
             <a:endParaRPr lang="en-US"/>
           </a:p>
@@ -1295,7 +4196,7 @@
           <a:p>
             <a:fld id="{D26AADD2-272F-3D4C-AA72-A10290954507}" type="datetimeFigureOut">
               <a:rPr lang="en-US" smtClean="0"/>
-              <a:t>9/2/15</a:t>
+              <a:t>8/25/16</a:t>
             </a:fld>
             <a:endParaRPr lang="en-US"/>
           </a:p>
@@ -1613,7 +4514,7 @@
           <a:p>
             <a:fld id="{D26AADD2-272F-3D4C-AA72-A10290954507}" type="datetimeFigureOut">
               <a:rPr lang="en-US" smtClean="0"/>
-              <a:t>9/2/15</a:t>
+              <a:t>8/25/16</a:t>
             </a:fld>
             <a:endParaRPr lang="en-US"/>
           </a:p>
@@ -1915,7 +4816,7 @@
           <a:p>
             <a:fld id="{D26AADD2-272F-3D4C-AA72-A10290954507}" type="datetimeFigureOut">
               <a:rPr lang="en-US" smtClean="0"/>
-              <a:t>9/2/15</a:t>
+              <a:t>8/25/16</a:t>
             </a:fld>
             <a:endParaRPr lang="en-US"/>
           </a:p>
@@ -2282,7 +5183,7 @@
           <a:p>
             <a:fld id="{D26AADD2-272F-3D4C-AA72-A10290954507}" type="datetimeFigureOut">
               <a:rPr lang="en-US" smtClean="0"/>
-              <a:t>9/2/15</a:t>
+              <a:t>8/25/16</a:t>
             </a:fld>
             <a:endParaRPr lang="en-US"/>
           </a:p>
@@ -2456,7 +5357,7 @@
           <a:p>
             <a:fld id="{D26AADD2-272F-3D4C-AA72-A10290954507}" type="datetimeFigureOut">
               <a:rPr lang="en-US" smtClean="0"/>
-              <a:t>9/2/15</a:t>
+              <a:t>8/25/16</a:t>
             </a:fld>
             <a:endParaRPr lang="en-US"/>
           </a:p>
@@ -2636,7 +5537,7 @@
           <a:p>
             <a:fld id="{D26AADD2-272F-3D4C-AA72-A10290954507}" type="datetimeFigureOut">
               <a:rPr lang="en-US" smtClean="0"/>
-              <a:t>9/2/15</a:t>
+              <a:t>8/25/16</a:t>
             </a:fld>
             <a:endParaRPr lang="en-US"/>
           </a:p>
@@ -2806,7 +5707,7 @@
           <a:p>
             <a:fld id="{D26AADD2-272F-3D4C-AA72-A10290954507}" type="datetimeFigureOut">
               <a:rPr lang="en-US" smtClean="0"/>
-              <a:t>9/2/15</a:t>
+              <a:t>8/25/16</a:t>
             </a:fld>
             <a:endParaRPr lang="en-US"/>
           </a:p>
@@ -3056,7 +5957,7 @@
           <a:p>
             <a:fld id="{D26AADD2-272F-3D4C-AA72-A10290954507}" type="datetimeFigureOut">
               <a:rPr lang="en-US" smtClean="0"/>
-              <a:t>9/2/15</a:t>
+              <a:t>8/25/16</a:t>
             </a:fld>
             <a:endParaRPr lang="en-US"/>
           </a:p>
@@ -3292,7 +6193,7 @@
           <a:p>
             <a:fld id="{D26AADD2-272F-3D4C-AA72-A10290954507}" type="datetimeFigureOut">
               <a:rPr lang="en-US" smtClean="0"/>
-              <a:t>9/2/15</a:t>
+              <a:t>8/25/16</a:t>
             </a:fld>
             <a:endParaRPr lang="en-US"/>
           </a:p>
@@ -3674,7 +6575,7 @@
           <a:p>
             <a:fld id="{D26AADD2-272F-3D4C-AA72-A10290954507}" type="datetimeFigureOut">
               <a:rPr lang="en-US" smtClean="0"/>
-              <a:t>9/2/15</a:t>
+              <a:t>8/25/16</a:t>
             </a:fld>
             <a:endParaRPr lang="en-US"/>
           </a:p>
@@ -3792,7 +6693,7 @@
           <a:p>
             <a:fld id="{D26AADD2-272F-3D4C-AA72-A10290954507}" type="datetimeFigureOut">
               <a:rPr lang="en-US" smtClean="0"/>
-              <a:t>9/2/15</a:t>
+              <a:t>8/25/16</a:t>
             </a:fld>
             <a:endParaRPr lang="en-US"/>
           </a:p>
@@ -3887,7 +6788,7 @@
           <a:p>
             <a:fld id="{D26AADD2-272F-3D4C-AA72-A10290954507}" type="datetimeFigureOut">
               <a:rPr lang="en-US" smtClean="0"/>
-              <a:t>9/2/15</a:t>
+              <a:t>8/25/16</a:t>
             </a:fld>
             <a:endParaRPr lang="en-US"/>
           </a:p>
@@ -4142,7 +7043,7 @@
           <a:p>
             <a:fld id="{D26AADD2-272F-3D4C-AA72-A10290954507}" type="datetimeFigureOut">
               <a:rPr lang="en-US" smtClean="0"/>
-              <a:t>9/2/15</a:t>
+              <a:t>8/25/16</a:t>
             </a:fld>
             <a:endParaRPr lang="en-US"/>
           </a:p>
@@ -4425,7 +7326,7 @@
           <a:p>
             <a:fld id="{D26AADD2-272F-3D4C-AA72-A10290954507}" type="datetimeFigureOut">
               <a:rPr lang="en-US" smtClean="0"/>
-              <a:t>9/2/15</a:t>
+              <a:t>8/25/16</a:t>
             </a:fld>
             <a:endParaRPr lang="en-US"/>
           </a:p>
@@ -4831,7 +7732,7 @@
           <a:p>
             <a:fld id="{D26AADD2-272F-3D4C-AA72-A10290954507}" type="datetimeFigureOut">
               <a:rPr lang="en-US" smtClean="0"/>
-              <a:t>9/2/15</a:t>
+              <a:t>8/25/16</a:t>
             </a:fld>
             <a:endParaRPr lang="en-US"/>
           </a:p>
@@ -5383,7 +8284,7 @@
           <a:p>
             <a:r>
               <a:rPr lang="en-US" dirty="0" smtClean="0"/>
-              <a:t>Python</a:t>
+              <a:t>PYTHON</a:t>
             </a:r>
             <a:endParaRPr lang="en-US" dirty="0"/>
           </a:p>
@@ -5406,13 +8307,13 @@
           <a:p>
             <a:r>
               <a:rPr lang="en-US" dirty="0" smtClean="0"/>
-              <a:t>Session 8</a:t>
+              <a:t>Session 13</a:t>
             </a:r>
           </a:p>
           <a:p>
             <a:r>
               <a:rPr lang="en-US" dirty="0" smtClean="0"/>
-              <a:t>Databases</a:t>
+              <a:t>MONGODB CRUD Operations - Read</a:t>
             </a:r>
             <a:endParaRPr lang="en-US" dirty="0"/>
           </a:p>
@@ -5422,6 +8323,2890 @@
     <p:extLst>
       <p:ext uri="{BB962C8B-B14F-4D97-AF65-F5344CB8AC3E}">
         <p14:creationId xmlns:p14="http://schemas.microsoft.com/office/powerpoint/2010/main" val="403964996"/>
+      </p:ext>
+    </p:extLst>
+  </p:cSld>
+  <p:clrMapOvr>
+    <a:masterClrMapping/>
+  </p:clrMapOvr>
+  <p:timing>
+    <p:tnLst>
+      <p:par>
+        <p:cTn id="1" dur="indefinite" restart="never" nodeType="tmRoot"/>
+      </p:par>
+    </p:tnLst>
+  </p:timing>
+</p:sld>
+</file>
+
+<file path=ppt/slides/slide10.xml><?xml version="1.0" encoding="utf-8"?>
+<p:sld xmlns:a="http://schemas.openxmlformats.org/drawingml/2006/main" xmlns:r="http://schemas.openxmlformats.org/officeDocument/2006/relationships" xmlns:p="http://schemas.openxmlformats.org/presentationml/2006/main">
+  <p:cSld>
+    <p:spTree>
+      <p:nvGrpSpPr>
+        <p:cNvPr id="1" name=""/>
+        <p:cNvGrpSpPr/>
+        <p:nvPr/>
+      </p:nvGrpSpPr>
+      <p:grpSpPr>
+        <a:xfrm>
+          <a:off x="0" y="0"/>
+          <a:ext cx="0" cy="0"/>
+          <a:chOff x="0" y="0"/>
+          <a:chExt cx="0" cy="0"/>
+        </a:xfrm>
+      </p:grpSpPr>
+      <p:sp>
+        <p:nvSpPr>
+          <p:cNvPr id="2" name="Title 1"/>
+          <p:cNvSpPr>
+            <a:spLocks noGrp="1"/>
+          </p:cNvSpPr>
+          <p:nvPr>
+            <p:ph type="title"/>
+          </p:nvPr>
+        </p:nvSpPr>
+        <p:spPr/>
+        <p:txBody>
+          <a:bodyPr/>
+          <a:lstStyle/>
+          <a:p>
+            <a:r>
+              <a:rPr lang="en-GB" dirty="0" smtClean="0"/>
+              <a:t>Query Operators - comparison</a:t>
+            </a:r>
+            <a:endParaRPr lang="en-GB" dirty="0"/>
+          </a:p>
+        </p:txBody>
+      </p:sp>
+      <p:graphicFrame>
+        <p:nvGraphicFramePr>
+          <p:cNvPr id="6" name="Content Placeholder 5"/>
+          <p:cNvGraphicFramePr>
+            <a:graphicFrameLocks noGrp="1"/>
+          </p:cNvGraphicFramePr>
+          <p:nvPr>
+            <p:ph idx="1"/>
+            <p:extLst>
+              <p:ext uri="{D42A27DB-BD31-4B8C-83A1-F6EECF244321}">
+                <p14:modId xmlns:p14="http://schemas.microsoft.com/office/powerpoint/2010/main" val="1664027001"/>
+              </p:ext>
+            </p:extLst>
+          </p:nvPr>
+        </p:nvGraphicFramePr>
+        <p:xfrm>
+          <a:off x="906896" y="474213"/>
+          <a:ext cx="7455311" cy="4230294"/>
+        </p:xfrm>
+        <a:graphic>
+          <a:graphicData uri="http://schemas.openxmlformats.org/drawingml/2006/table">
+            <a:tbl>
+              <a:tblPr>
+                <a:tableStyleId>{D113A9D2-9D6B-4929-AA2D-F23B5EE8CBE7}</a:tableStyleId>
+              </a:tblPr>
+              <a:tblGrid>
+                <a:gridCol w="830119"/>
+                <a:gridCol w="3312596"/>
+                <a:gridCol w="3312596"/>
+              </a:tblGrid>
+              <a:tr h="240983">
+                <a:tc>
+                  <a:txBody>
+                    <a:bodyPr/>
+                    <a:lstStyle/>
+                    <a:p>
+                      <a:r>
+                        <a:rPr lang="en-US" sz="1800" b="1" dirty="0"/>
+                        <a:t>Name</a:t>
+                      </a:r>
+                    </a:p>
+                  </a:txBody>
+                  <a:tcPr marL="60246" marR="60246" marT="30123" marB="30123" anchor="ctr"/>
+                </a:tc>
+                <a:tc>
+                  <a:txBody>
+                    <a:bodyPr/>
+                    <a:lstStyle/>
+                    <a:p>
+                      <a:r>
+                        <a:rPr lang="en-US" sz="1800" b="1" dirty="0"/>
+                        <a:t>Description</a:t>
+                      </a:r>
+                    </a:p>
+                  </a:txBody>
+                  <a:tcPr marL="60246" marR="60246" marT="30123" marB="30123" anchor="ctr"/>
+                </a:tc>
+                <a:tc>
+                  <a:txBody>
+                    <a:bodyPr/>
+                    <a:lstStyle/>
+                    <a:p>
+                      <a:r>
+                        <a:rPr lang="en-US" sz="1800" b="1" dirty="0" smtClean="0"/>
+                        <a:t>Syntax</a:t>
+                      </a:r>
+                      <a:endParaRPr lang="en-US" sz="1800" b="1" dirty="0"/>
+                    </a:p>
+                  </a:txBody>
+                  <a:tcPr marL="60246" marR="60246" marT="30123" marB="30123" anchor="ctr"/>
+                </a:tc>
+              </a:tr>
+              <a:tr h="421719">
+                <a:tc>
+                  <a:txBody>
+                    <a:bodyPr/>
+                    <a:lstStyle/>
+                    <a:p>
+                      <a:r>
+                        <a:rPr lang="en-US" sz="1400" dirty="0" smtClean="0">
+                          <a:solidFill>
+                            <a:schemeClr val="tx1"/>
+                          </a:solidFill>
+                        </a:rPr>
+                        <a:t>$</a:t>
+                      </a:r>
+                      <a:r>
+                        <a:rPr lang="en-US" sz="1400" dirty="0" err="1" smtClean="0">
+                          <a:solidFill>
+                            <a:schemeClr val="tx1"/>
+                          </a:solidFill>
+                        </a:rPr>
+                        <a:t>eq</a:t>
+                      </a:r>
+                      <a:endParaRPr lang="en-US" sz="1400" dirty="0">
+                        <a:solidFill>
+                          <a:schemeClr val="tx1"/>
+                        </a:solidFill>
+                      </a:endParaRPr>
+                    </a:p>
+                  </a:txBody>
+                  <a:tcPr marL="60246" marR="60246" marT="30123" marB="30123" anchor="ctr"/>
+                </a:tc>
+                <a:tc>
+                  <a:txBody>
+                    <a:bodyPr/>
+                    <a:lstStyle/>
+                    <a:p>
+                      <a:r>
+                        <a:rPr lang="en-US" sz="1400" dirty="0"/>
+                        <a:t>Matches values that are equal to a specified value.</a:t>
+                      </a:r>
+                    </a:p>
+                  </a:txBody>
+                  <a:tcPr marL="60246" marR="60246" marT="30123" marB="30123" anchor="ctr"/>
+                </a:tc>
+                <a:tc>
+                  <a:txBody>
+                    <a:bodyPr/>
+                    <a:lstStyle/>
+                    <a:p>
+                      <a:r>
+                        <a:rPr lang="en-US" sz="1400" dirty="0" smtClean="0"/>
+                        <a:t>“</a:t>
+                      </a:r>
+                      <a:r>
+                        <a:rPr lang="en-US" sz="1400" i="1" dirty="0" smtClean="0"/>
+                        <a:t>key</a:t>
+                      </a:r>
+                      <a:r>
+                        <a:rPr lang="en-US" sz="1400" dirty="0" smtClean="0"/>
+                        <a:t>”: {“$</a:t>
+                      </a:r>
+                      <a:r>
+                        <a:rPr lang="en-US" sz="1400" dirty="0" err="1" smtClean="0"/>
+                        <a:t>eq</a:t>
+                      </a:r>
+                      <a:r>
+                        <a:rPr lang="en-US" sz="1400" dirty="0" smtClean="0"/>
+                        <a:t>”: </a:t>
+                      </a:r>
+                      <a:r>
+                        <a:rPr lang="en-US" sz="1400" i="1" dirty="0" smtClean="0"/>
+                        <a:t>value</a:t>
+                      </a:r>
+                      <a:r>
+                        <a:rPr lang="en-US" sz="1400" dirty="0" smtClean="0"/>
+                        <a:t>}</a:t>
+                      </a:r>
+                      <a:endParaRPr lang="en-US" sz="1400" dirty="0"/>
+                    </a:p>
+                  </a:txBody>
+                  <a:tcPr marL="60246" marR="60246" marT="30123" marB="30123" anchor="ctr"/>
+                </a:tc>
+              </a:tr>
+              <a:tr h="421719">
+                <a:tc>
+                  <a:txBody>
+                    <a:bodyPr/>
+                    <a:lstStyle/>
+                    <a:p>
+                      <a:r>
+                        <a:rPr lang="en-US" sz="1400" dirty="0" smtClean="0">
+                          <a:solidFill>
+                            <a:schemeClr val="tx1"/>
+                          </a:solidFill>
+                        </a:rPr>
+                        <a:t>$</a:t>
+                      </a:r>
+                      <a:r>
+                        <a:rPr lang="en-US" sz="1400" dirty="0" err="1" smtClean="0">
+                          <a:solidFill>
+                            <a:schemeClr val="tx1"/>
+                          </a:solidFill>
+                        </a:rPr>
+                        <a:t>gt</a:t>
+                      </a:r>
+                      <a:endParaRPr lang="en-US" sz="1400" dirty="0">
+                        <a:solidFill>
+                          <a:schemeClr val="tx1"/>
+                        </a:solidFill>
+                      </a:endParaRPr>
+                    </a:p>
+                  </a:txBody>
+                  <a:tcPr marL="60246" marR="60246" marT="30123" marB="30123" anchor="ctr"/>
+                </a:tc>
+                <a:tc>
+                  <a:txBody>
+                    <a:bodyPr/>
+                    <a:lstStyle/>
+                    <a:p>
+                      <a:r>
+                        <a:rPr lang="en-US" sz="1400" dirty="0"/>
+                        <a:t>Matches values that are greater than a specified value.</a:t>
+                      </a:r>
+                    </a:p>
+                  </a:txBody>
+                  <a:tcPr marL="60246" marR="60246" marT="30123" marB="30123" anchor="ctr"/>
+                </a:tc>
+                <a:tc>
+                  <a:txBody>
+                    <a:bodyPr/>
+                    <a:lstStyle/>
+                    <a:p>
+                      <a:pPr marL="0" marR="0" indent="0" algn="l" defTabSz="457200" rtl="0" eaLnBrk="1" fontAlgn="auto" latinLnBrk="0" hangingPunct="1">
+                        <a:lnSpc>
+                          <a:spcPct val="100000"/>
+                        </a:lnSpc>
+                        <a:spcBef>
+                          <a:spcPts val="0"/>
+                        </a:spcBef>
+                        <a:spcAft>
+                          <a:spcPts val="0"/>
+                        </a:spcAft>
+                        <a:buClrTx/>
+                        <a:buSzTx/>
+                        <a:buFontTx/>
+                        <a:buNone/>
+                        <a:tabLst/>
+                        <a:defRPr/>
+                      </a:pPr>
+                      <a:r>
+                        <a:rPr lang="en-US" sz="1400" dirty="0" smtClean="0"/>
+                        <a:t>“</a:t>
+                      </a:r>
+                      <a:r>
+                        <a:rPr lang="en-US" sz="1400" i="1" dirty="0" smtClean="0"/>
+                        <a:t>key</a:t>
+                      </a:r>
+                      <a:r>
+                        <a:rPr lang="en-US" sz="1400" dirty="0" smtClean="0"/>
+                        <a:t>”: {“$</a:t>
+                      </a:r>
+                      <a:r>
+                        <a:rPr lang="en-US" sz="1400" dirty="0" err="1" smtClean="0"/>
+                        <a:t>gt</a:t>
+                      </a:r>
+                      <a:r>
+                        <a:rPr lang="en-US" sz="1400" dirty="0" smtClean="0"/>
+                        <a:t>”: </a:t>
+                      </a:r>
+                      <a:r>
+                        <a:rPr lang="en-US" sz="1400" i="1" dirty="0" smtClean="0"/>
+                        <a:t>value</a:t>
+                      </a:r>
+                      <a:r>
+                        <a:rPr lang="en-US" sz="1400" dirty="0" smtClean="0"/>
+                        <a:t>}</a:t>
+                      </a:r>
+                    </a:p>
+                    <a:p>
+                      <a:endParaRPr lang="en-US" sz="1400" dirty="0"/>
+                    </a:p>
+                  </a:txBody>
+                  <a:tcPr marL="60246" marR="60246" marT="30123" marB="30123" anchor="ctr"/>
+                </a:tc>
+              </a:tr>
+              <a:tr h="421719">
+                <a:tc>
+                  <a:txBody>
+                    <a:bodyPr/>
+                    <a:lstStyle/>
+                    <a:p>
+                      <a:r>
+                        <a:rPr lang="en-US" sz="1400" dirty="0" smtClean="0">
+                          <a:solidFill>
+                            <a:schemeClr val="tx1"/>
+                          </a:solidFill>
+                        </a:rPr>
+                        <a:t>$</a:t>
+                      </a:r>
+                      <a:r>
+                        <a:rPr lang="en-US" sz="1400" dirty="0" err="1" smtClean="0">
+                          <a:solidFill>
+                            <a:schemeClr val="tx1"/>
+                          </a:solidFill>
+                        </a:rPr>
+                        <a:t>gte</a:t>
+                      </a:r>
+                      <a:endParaRPr lang="en-US" sz="1400" dirty="0">
+                        <a:solidFill>
+                          <a:schemeClr val="tx1"/>
+                        </a:solidFill>
+                      </a:endParaRPr>
+                    </a:p>
+                  </a:txBody>
+                  <a:tcPr marL="60246" marR="60246" marT="30123" marB="30123" anchor="ctr"/>
+                </a:tc>
+                <a:tc>
+                  <a:txBody>
+                    <a:bodyPr/>
+                    <a:lstStyle/>
+                    <a:p>
+                      <a:r>
+                        <a:rPr lang="en-US" sz="1400" dirty="0"/>
+                        <a:t>Matches values that are greater than or equal to a specified value.</a:t>
+                      </a:r>
+                    </a:p>
+                  </a:txBody>
+                  <a:tcPr marL="60246" marR="60246" marT="30123" marB="30123" anchor="ctr"/>
+                </a:tc>
+                <a:tc>
+                  <a:txBody>
+                    <a:bodyPr/>
+                    <a:lstStyle/>
+                    <a:p>
+                      <a:pPr marL="0" marR="0" indent="0" algn="l" defTabSz="457200" rtl="0" eaLnBrk="1" fontAlgn="auto" latinLnBrk="0" hangingPunct="1">
+                        <a:lnSpc>
+                          <a:spcPct val="100000"/>
+                        </a:lnSpc>
+                        <a:spcBef>
+                          <a:spcPts val="0"/>
+                        </a:spcBef>
+                        <a:spcAft>
+                          <a:spcPts val="0"/>
+                        </a:spcAft>
+                        <a:buClrTx/>
+                        <a:buSzTx/>
+                        <a:buFontTx/>
+                        <a:buNone/>
+                        <a:tabLst/>
+                        <a:defRPr/>
+                      </a:pPr>
+                      <a:r>
+                        <a:rPr lang="en-US" sz="1400" dirty="0" smtClean="0"/>
+                        <a:t>“</a:t>
+                      </a:r>
+                      <a:r>
+                        <a:rPr lang="en-US" sz="1400" i="1" dirty="0" smtClean="0"/>
+                        <a:t>key</a:t>
+                      </a:r>
+                      <a:r>
+                        <a:rPr lang="en-US" sz="1400" dirty="0" smtClean="0"/>
+                        <a:t>”: {“$</a:t>
+                      </a:r>
+                      <a:r>
+                        <a:rPr lang="en-US" sz="1400" dirty="0" err="1" smtClean="0"/>
+                        <a:t>gte</a:t>
+                      </a:r>
+                      <a:r>
+                        <a:rPr lang="en-US" sz="1400" dirty="0" smtClean="0"/>
+                        <a:t>”: </a:t>
+                      </a:r>
+                      <a:r>
+                        <a:rPr lang="en-US" sz="1400" i="1" dirty="0" smtClean="0"/>
+                        <a:t>value</a:t>
+                      </a:r>
+                      <a:r>
+                        <a:rPr lang="en-US" sz="1400" dirty="0" smtClean="0"/>
+                        <a:t>}</a:t>
+                      </a:r>
+                    </a:p>
+                    <a:p>
+                      <a:endParaRPr lang="en-US" sz="1400" dirty="0"/>
+                    </a:p>
+                  </a:txBody>
+                  <a:tcPr marL="60246" marR="60246" marT="30123" marB="30123" anchor="ctr"/>
+                </a:tc>
+              </a:tr>
+              <a:tr h="421719">
+                <a:tc>
+                  <a:txBody>
+                    <a:bodyPr/>
+                    <a:lstStyle/>
+                    <a:p>
+                      <a:r>
+                        <a:rPr lang="en-US" sz="1400" dirty="0" smtClean="0">
+                          <a:solidFill>
+                            <a:schemeClr val="tx1"/>
+                          </a:solidFill>
+                        </a:rPr>
+                        <a:t>$</a:t>
+                      </a:r>
+                      <a:r>
+                        <a:rPr lang="en-US" sz="1400" dirty="0" err="1" smtClean="0">
+                          <a:solidFill>
+                            <a:schemeClr val="tx1"/>
+                          </a:solidFill>
+                        </a:rPr>
+                        <a:t>lt</a:t>
+                      </a:r>
+                      <a:endParaRPr lang="en-US" sz="1400" dirty="0">
+                        <a:solidFill>
+                          <a:schemeClr val="tx1"/>
+                        </a:solidFill>
+                      </a:endParaRPr>
+                    </a:p>
+                  </a:txBody>
+                  <a:tcPr marL="60246" marR="60246" marT="30123" marB="30123" anchor="ctr"/>
+                </a:tc>
+                <a:tc>
+                  <a:txBody>
+                    <a:bodyPr/>
+                    <a:lstStyle/>
+                    <a:p>
+                      <a:r>
+                        <a:rPr lang="en-US" sz="1400" dirty="0"/>
+                        <a:t>Matches values that are less than a specified value.</a:t>
+                      </a:r>
+                    </a:p>
+                  </a:txBody>
+                  <a:tcPr marL="60246" marR="60246" marT="30123" marB="30123" anchor="ctr"/>
+                </a:tc>
+                <a:tc>
+                  <a:txBody>
+                    <a:bodyPr/>
+                    <a:lstStyle/>
+                    <a:p>
+                      <a:pPr marL="0" marR="0" indent="0" algn="l" defTabSz="457200" rtl="0" eaLnBrk="1" fontAlgn="auto" latinLnBrk="0" hangingPunct="1">
+                        <a:lnSpc>
+                          <a:spcPct val="100000"/>
+                        </a:lnSpc>
+                        <a:spcBef>
+                          <a:spcPts val="0"/>
+                        </a:spcBef>
+                        <a:spcAft>
+                          <a:spcPts val="0"/>
+                        </a:spcAft>
+                        <a:buClrTx/>
+                        <a:buSzTx/>
+                        <a:buFontTx/>
+                        <a:buNone/>
+                        <a:tabLst/>
+                        <a:defRPr/>
+                      </a:pPr>
+                      <a:r>
+                        <a:rPr lang="en-US" sz="1400" dirty="0" smtClean="0"/>
+                        <a:t>“</a:t>
+                      </a:r>
+                      <a:r>
+                        <a:rPr lang="en-US" sz="1400" i="1" dirty="0" smtClean="0"/>
+                        <a:t>key</a:t>
+                      </a:r>
+                      <a:r>
+                        <a:rPr lang="en-US" sz="1400" dirty="0" smtClean="0"/>
+                        <a:t>”: {“$</a:t>
+                      </a:r>
+                      <a:r>
+                        <a:rPr lang="en-US" sz="1400" dirty="0" err="1" smtClean="0"/>
+                        <a:t>lt</a:t>
+                      </a:r>
+                      <a:r>
+                        <a:rPr lang="en-US" sz="1400" dirty="0" smtClean="0"/>
+                        <a:t>”: </a:t>
+                      </a:r>
+                      <a:r>
+                        <a:rPr lang="en-US" sz="1400" i="1" dirty="0" smtClean="0"/>
+                        <a:t>value</a:t>
+                      </a:r>
+                      <a:r>
+                        <a:rPr lang="en-US" sz="1400" dirty="0" smtClean="0"/>
+                        <a:t>}</a:t>
+                      </a:r>
+                    </a:p>
+                    <a:p>
+                      <a:endParaRPr lang="en-US" sz="1400" dirty="0"/>
+                    </a:p>
+                  </a:txBody>
+                  <a:tcPr marL="60246" marR="60246" marT="30123" marB="30123" anchor="ctr"/>
+                </a:tc>
+              </a:tr>
+              <a:tr h="421719">
+                <a:tc>
+                  <a:txBody>
+                    <a:bodyPr/>
+                    <a:lstStyle/>
+                    <a:p>
+                      <a:r>
+                        <a:rPr lang="en-US" sz="1400" dirty="0" smtClean="0">
+                          <a:solidFill>
+                            <a:schemeClr val="tx1"/>
+                          </a:solidFill>
+                        </a:rPr>
+                        <a:t>$</a:t>
+                      </a:r>
+                      <a:r>
+                        <a:rPr lang="en-US" sz="1400" dirty="0" err="1" smtClean="0">
+                          <a:solidFill>
+                            <a:schemeClr val="tx1"/>
+                          </a:solidFill>
+                        </a:rPr>
+                        <a:t>lte</a:t>
+                      </a:r>
+                      <a:endParaRPr lang="en-US" sz="1400" dirty="0">
+                        <a:solidFill>
+                          <a:schemeClr val="tx1"/>
+                        </a:solidFill>
+                      </a:endParaRPr>
+                    </a:p>
+                  </a:txBody>
+                  <a:tcPr marL="60246" marR="60246" marT="30123" marB="30123" anchor="ctr"/>
+                </a:tc>
+                <a:tc>
+                  <a:txBody>
+                    <a:bodyPr/>
+                    <a:lstStyle/>
+                    <a:p>
+                      <a:r>
+                        <a:rPr lang="en-US" sz="1400" dirty="0"/>
+                        <a:t>Matches values that are less than or equal to a specified value.</a:t>
+                      </a:r>
+                    </a:p>
+                  </a:txBody>
+                  <a:tcPr marL="60246" marR="60246" marT="30123" marB="30123" anchor="ctr"/>
+                </a:tc>
+                <a:tc>
+                  <a:txBody>
+                    <a:bodyPr/>
+                    <a:lstStyle/>
+                    <a:p>
+                      <a:pPr marL="0" marR="0" indent="0" algn="l" defTabSz="457200" rtl="0" eaLnBrk="1" fontAlgn="auto" latinLnBrk="0" hangingPunct="1">
+                        <a:lnSpc>
+                          <a:spcPct val="100000"/>
+                        </a:lnSpc>
+                        <a:spcBef>
+                          <a:spcPts val="0"/>
+                        </a:spcBef>
+                        <a:spcAft>
+                          <a:spcPts val="0"/>
+                        </a:spcAft>
+                        <a:buClrTx/>
+                        <a:buSzTx/>
+                        <a:buFontTx/>
+                        <a:buNone/>
+                        <a:tabLst/>
+                        <a:defRPr/>
+                      </a:pPr>
+                      <a:r>
+                        <a:rPr lang="en-US" sz="1400" dirty="0" smtClean="0"/>
+                        <a:t>“</a:t>
+                      </a:r>
+                      <a:r>
+                        <a:rPr lang="en-US" sz="1400" i="1" dirty="0" smtClean="0"/>
+                        <a:t>key</a:t>
+                      </a:r>
+                      <a:r>
+                        <a:rPr lang="en-US" sz="1400" dirty="0" smtClean="0"/>
+                        <a:t>”: {“$</a:t>
+                      </a:r>
+                      <a:r>
+                        <a:rPr lang="en-US" sz="1400" dirty="0" err="1" smtClean="0"/>
+                        <a:t>lte</a:t>
+                      </a:r>
+                      <a:r>
+                        <a:rPr lang="en-US" sz="1400" dirty="0" smtClean="0"/>
+                        <a:t>”: </a:t>
+                      </a:r>
+                      <a:r>
+                        <a:rPr lang="en-US" sz="1400" i="1" dirty="0" smtClean="0"/>
+                        <a:t>value</a:t>
+                      </a:r>
+                      <a:r>
+                        <a:rPr lang="en-US" sz="1400" dirty="0" smtClean="0"/>
+                        <a:t>}</a:t>
+                      </a:r>
+                    </a:p>
+                    <a:p>
+                      <a:endParaRPr lang="en-US" sz="1400" dirty="0"/>
+                    </a:p>
+                  </a:txBody>
+                  <a:tcPr marL="60246" marR="60246" marT="30123" marB="30123" anchor="ctr"/>
+                </a:tc>
+              </a:tr>
+              <a:tr h="421719">
+                <a:tc>
+                  <a:txBody>
+                    <a:bodyPr/>
+                    <a:lstStyle/>
+                    <a:p>
+                      <a:r>
+                        <a:rPr lang="en-US" sz="1400" dirty="0" smtClean="0">
+                          <a:solidFill>
+                            <a:schemeClr val="tx1"/>
+                          </a:solidFill>
+                        </a:rPr>
+                        <a:t>$ne</a:t>
+                      </a:r>
+                      <a:endParaRPr lang="en-US" sz="1400" dirty="0">
+                        <a:solidFill>
+                          <a:schemeClr val="tx1"/>
+                        </a:solidFill>
+                      </a:endParaRPr>
+                    </a:p>
+                  </a:txBody>
+                  <a:tcPr marL="60246" marR="60246" marT="30123" marB="30123" anchor="ctr"/>
+                </a:tc>
+                <a:tc>
+                  <a:txBody>
+                    <a:bodyPr/>
+                    <a:lstStyle/>
+                    <a:p>
+                      <a:r>
+                        <a:rPr lang="en-US" sz="1400" dirty="0"/>
+                        <a:t>Matches all values that are not equal to a specified value.</a:t>
+                      </a:r>
+                    </a:p>
+                  </a:txBody>
+                  <a:tcPr marL="60246" marR="60246" marT="30123" marB="30123" anchor="ctr"/>
+                </a:tc>
+                <a:tc>
+                  <a:txBody>
+                    <a:bodyPr/>
+                    <a:lstStyle/>
+                    <a:p>
+                      <a:pPr marL="0" marR="0" indent="0" algn="l" defTabSz="457200" rtl="0" eaLnBrk="1" fontAlgn="auto" latinLnBrk="0" hangingPunct="1">
+                        <a:lnSpc>
+                          <a:spcPct val="100000"/>
+                        </a:lnSpc>
+                        <a:spcBef>
+                          <a:spcPts val="0"/>
+                        </a:spcBef>
+                        <a:spcAft>
+                          <a:spcPts val="0"/>
+                        </a:spcAft>
+                        <a:buClrTx/>
+                        <a:buSzTx/>
+                        <a:buFontTx/>
+                        <a:buNone/>
+                        <a:tabLst/>
+                        <a:defRPr/>
+                      </a:pPr>
+                      <a:r>
+                        <a:rPr lang="en-US" sz="1400" dirty="0" smtClean="0"/>
+                        <a:t>“</a:t>
+                      </a:r>
+                      <a:r>
+                        <a:rPr lang="en-US" sz="1400" i="1" dirty="0" smtClean="0"/>
+                        <a:t>key</a:t>
+                      </a:r>
+                      <a:r>
+                        <a:rPr lang="en-US" sz="1400" dirty="0" smtClean="0"/>
+                        <a:t>”: {“$ne”: </a:t>
+                      </a:r>
+                      <a:r>
+                        <a:rPr lang="en-US" sz="1400" i="1" dirty="0" smtClean="0"/>
+                        <a:t>value</a:t>
+                      </a:r>
+                      <a:r>
+                        <a:rPr lang="en-US" sz="1400" dirty="0" smtClean="0"/>
+                        <a:t>}</a:t>
+                      </a:r>
+                    </a:p>
+                    <a:p>
+                      <a:endParaRPr lang="en-US" sz="1400" dirty="0"/>
+                    </a:p>
+                  </a:txBody>
+                  <a:tcPr marL="60246" marR="60246" marT="30123" marB="30123" anchor="ctr"/>
+                </a:tc>
+              </a:tr>
+              <a:tr h="421719">
+                <a:tc>
+                  <a:txBody>
+                    <a:bodyPr/>
+                    <a:lstStyle/>
+                    <a:p>
+                      <a:r>
+                        <a:rPr lang="en-US" sz="1400" dirty="0" smtClean="0">
+                          <a:solidFill>
+                            <a:schemeClr val="tx1"/>
+                          </a:solidFill>
+                        </a:rPr>
+                        <a:t>$in</a:t>
+                      </a:r>
+                      <a:endParaRPr lang="en-US" sz="1400" dirty="0">
+                        <a:solidFill>
+                          <a:schemeClr val="tx1"/>
+                        </a:solidFill>
+                      </a:endParaRPr>
+                    </a:p>
+                  </a:txBody>
+                  <a:tcPr marL="60246" marR="60246" marT="30123" marB="30123" anchor="ctr"/>
+                </a:tc>
+                <a:tc>
+                  <a:txBody>
+                    <a:bodyPr/>
+                    <a:lstStyle/>
+                    <a:p>
+                      <a:r>
+                        <a:rPr lang="en-US" sz="1400" dirty="0"/>
+                        <a:t>Matches any of the values specified in an array.</a:t>
+                      </a:r>
+                    </a:p>
+                  </a:txBody>
+                  <a:tcPr marL="60246" marR="60246" marT="30123" marB="30123" anchor="ctr"/>
+                </a:tc>
+                <a:tc>
+                  <a:txBody>
+                    <a:bodyPr/>
+                    <a:lstStyle/>
+                    <a:p>
+                      <a:pPr marL="0" marR="0" indent="0" algn="l" defTabSz="457200" rtl="0" eaLnBrk="1" fontAlgn="auto" latinLnBrk="0" hangingPunct="1">
+                        <a:lnSpc>
+                          <a:spcPct val="100000"/>
+                        </a:lnSpc>
+                        <a:spcBef>
+                          <a:spcPts val="0"/>
+                        </a:spcBef>
+                        <a:spcAft>
+                          <a:spcPts val="0"/>
+                        </a:spcAft>
+                        <a:buClrTx/>
+                        <a:buSzTx/>
+                        <a:buFontTx/>
+                        <a:buNone/>
+                        <a:tabLst/>
+                        <a:defRPr/>
+                      </a:pPr>
+                      <a:r>
+                        <a:rPr lang="en-US" sz="1400" dirty="0" smtClean="0"/>
+                        <a:t>“</a:t>
+                      </a:r>
+                      <a:r>
+                        <a:rPr lang="en-US" sz="1400" i="1" dirty="0" smtClean="0"/>
+                        <a:t>key</a:t>
+                      </a:r>
+                      <a:r>
+                        <a:rPr lang="en-US" sz="1400" dirty="0" smtClean="0"/>
+                        <a:t>”: {“$in”: [</a:t>
+                      </a:r>
+                      <a:r>
+                        <a:rPr lang="en-US" sz="1400" i="1" dirty="0" smtClean="0"/>
+                        <a:t>value1, value2...</a:t>
+                      </a:r>
+                      <a:r>
+                        <a:rPr lang="en-US" sz="1400" i="0" dirty="0" smtClean="0"/>
+                        <a:t>]</a:t>
+                      </a:r>
+                      <a:r>
+                        <a:rPr lang="en-US" sz="1400" dirty="0" smtClean="0"/>
+                        <a:t>}</a:t>
+                      </a:r>
+                    </a:p>
+                    <a:p>
+                      <a:endParaRPr lang="en-US" sz="1400" dirty="0"/>
+                    </a:p>
+                  </a:txBody>
+                  <a:tcPr marL="60246" marR="60246" marT="30123" marB="30123" anchor="ctr"/>
+                </a:tc>
+              </a:tr>
+              <a:tr h="421719">
+                <a:tc>
+                  <a:txBody>
+                    <a:bodyPr/>
+                    <a:lstStyle/>
+                    <a:p>
+                      <a:r>
+                        <a:rPr lang="en-US" sz="1400" dirty="0" smtClean="0">
+                          <a:solidFill>
+                            <a:schemeClr val="tx1"/>
+                          </a:solidFill>
+                        </a:rPr>
+                        <a:t>$</a:t>
+                      </a:r>
+                      <a:r>
+                        <a:rPr lang="en-US" sz="1400" dirty="0" err="1" smtClean="0">
+                          <a:solidFill>
+                            <a:schemeClr val="tx1"/>
+                          </a:solidFill>
+                        </a:rPr>
+                        <a:t>nin</a:t>
+                      </a:r>
+                      <a:endParaRPr lang="en-US" sz="1400" dirty="0">
+                        <a:solidFill>
+                          <a:schemeClr val="tx1"/>
+                        </a:solidFill>
+                      </a:endParaRPr>
+                    </a:p>
+                  </a:txBody>
+                  <a:tcPr marL="60246" marR="60246" marT="30123" marB="30123" anchor="ctr"/>
+                </a:tc>
+                <a:tc>
+                  <a:txBody>
+                    <a:bodyPr/>
+                    <a:lstStyle/>
+                    <a:p>
+                      <a:r>
+                        <a:rPr lang="en-US" sz="1400" dirty="0"/>
+                        <a:t>Matches none of the values specified in an array.</a:t>
+                      </a:r>
+                    </a:p>
+                  </a:txBody>
+                  <a:tcPr marL="60246" marR="60246" marT="30123" marB="30123" anchor="ctr"/>
+                </a:tc>
+                <a:tc>
+                  <a:txBody>
+                    <a:bodyPr/>
+                    <a:lstStyle/>
+                    <a:p>
+                      <a:pPr marL="0" marR="0" indent="0" algn="l" defTabSz="457200" rtl="0" eaLnBrk="1" fontAlgn="auto" latinLnBrk="0" hangingPunct="1">
+                        <a:lnSpc>
+                          <a:spcPct val="100000"/>
+                        </a:lnSpc>
+                        <a:spcBef>
+                          <a:spcPts val="0"/>
+                        </a:spcBef>
+                        <a:spcAft>
+                          <a:spcPts val="0"/>
+                        </a:spcAft>
+                        <a:buClrTx/>
+                        <a:buSzTx/>
+                        <a:buFontTx/>
+                        <a:buNone/>
+                        <a:tabLst/>
+                        <a:defRPr/>
+                      </a:pPr>
+                      <a:r>
+                        <a:rPr lang="en-US" sz="1400" dirty="0" smtClean="0"/>
+                        <a:t>“</a:t>
+                      </a:r>
+                      <a:r>
+                        <a:rPr lang="en-US" sz="1400" i="1" dirty="0" smtClean="0"/>
+                        <a:t>key</a:t>
+                      </a:r>
+                      <a:r>
+                        <a:rPr lang="en-US" sz="1400" dirty="0" smtClean="0"/>
+                        <a:t>”: {“$</a:t>
+                      </a:r>
+                      <a:r>
+                        <a:rPr lang="en-US" sz="1400" dirty="0" err="1" smtClean="0"/>
+                        <a:t>nin</a:t>
+                      </a:r>
+                      <a:r>
+                        <a:rPr lang="en-US" sz="1400" dirty="0" smtClean="0"/>
+                        <a:t>”: [</a:t>
+                      </a:r>
+                      <a:r>
+                        <a:rPr lang="en-US" sz="1400" i="1" dirty="0" smtClean="0"/>
+                        <a:t>value1, value2...</a:t>
+                      </a:r>
+                      <a:r>
+                        <a:rPr lang="en-US" sz="1400" i="0" dirty="0" smtClean="0"/>
+                        <a:t>]</a:t>
+                      </a:r>
+                      <a:r>
+                        <a:rPr lang="en-US" sz="1400" dirty="0" smtClean="0"/>
+                        <a:t>}</a:t>
+                      </a:r>
+                    </a:p>
+                    <a:p>
+                      <a:endParaRPr lang="en-US" sz="1400" dirty="0"/>
+                    </a:p>
+                  </a:txBody>
+                  <a:tcPr marL="60246" marR="60246" marT="30123" marB="30123" anchor="ctr"/>
+                </a:tc>
+              </a:tr>
+            </a:tbl>
+          </a:graphicData>
+        </a:graphic>
+      </p:graphicFrame>
+    </p:spTree>
+    <p:extLst>
+      <p:ext uri="{BB962C8B-B14F-4D97-AF65-F5344CB8AC3E}">
+        <p14:creationId xmlns:p14="http://schemas.microsoft.com/office/powerpoint/2010/main" val="1805235565"/>
+      </p:ext>
+    </p:extLst>
+  </p:cSld>
+  <p:clrMapOvr>
+    <a:masterClrMapping/>
+  </p:clrMapOvr>
+</p:sld>
+</file>
+
+<file path=ppt/slides/slide11.xml><?xml version="1.0" encoding="utf-8"?>
+<p:sld xmlns:a="http://schemas.openxmlformats.org/drawingml/2006/main" xmlns:r="http://schemas.openxmlformats.org/officeDocument/2006/relationships" xmlns:p="http://schemas.openxmlformats.org/presentationml/2006/main">
+  <p:cSld>
+    <p:spTree>
+      <p:nvGrpSpPr>
+        <p:cNvPr id="1" name=""/>
+        <p:cNvGrpSpPr/>
+        <p:nvPr/>
+      </p:nvGrpSpPr>
+      <p:grpSpPr>
+        <a:xfrm>
+          <a:off x="0" y="0"/>
+          <a:ext cx="0" cy="0"/>
+          <a:chOff x="0" y="0"/>
+          <a:chExt cx="0" cy="0"/>
+        </a:xfrm>
+      </p:grpSpPr>
+      <p:sp>
+        <p:nvSpPr>
+          <p:cNvPr id="2" name="Title 1"/>
+          <p:cNvSpPr>
+            <a:spLocks noGrp="1"/>
+          </p:cNvSpPr>
+          <p:nvPr>
+            <p:ph type="title"/>
+          </p:nvPr>
+        </p:nvSpPr>
+        <p:spPr/>
+        <p:txBody>
+          <a:bodyPr/>
+          <a:lstStyle/>
+          <a:p>
+            <a:r>
+              <a:rPr lang="en-GB" dirty="0" smtClean="0"/>
+              <a:t>query operators - logical</a:t>
+            </a:r>
+            <a:endParaRPr lang="en-GB" dirty="0"/>
+          </a:p>
+        </p:txBody>
+      </p:sp>
+      <p:graphicFrame>
+        <p:nvGraphicFramePr>
+          <p:cNvPr id="4" name="Content Placeholder 3"/>
+          <p:cNvGraphicFramePr>
+            <a:graphicFrameLocks noGrp="1"/>
+          </p:cNvGraphicFramePr>
+          <p:nvPr>
+            <p:ph idx="1"/>
+            <p:extLst>
+              <p:ext uri="{D42A27DB-BD31-4B8C-83A1-F6EECF244321}">
+                <p14:modId xmlns:p14="http://schemas.microsoft.com/office/powerpoint/2010/main" val="1010807229"/>
+              </p:ext>
+            </p:extLst>
+          </p:nvPr>
+        </p:nvGraphicFramePr>
+        <p:xfrm>
+          <a:off x="908548" y="711558"/>
+          <a:ext cx="9433189" cy="3672174"/>
+        </p:xfrm>
+        <a:graphic>
+          <a:graphicData uri="http://schemas.openxmlformats.org/drawingml/2006/table">
+            <a:tbl>
+              <a:tblPr>
+                <a:tableStyleId>{D113A9D2-9D6B-4929-AA2D-F23B5EE8CBE7}</a:tableStyleId>
+              </a:tblPr>
+              <a:tblGrid>
+                <a:gridCol w="1005439"/>
+                <a:gridCol w="4226529"/>
+                <a:gridCol w="4201221"/>
+              </a:tblGrid>
+              <a:tr h="289179">
+                <a:tc>
+                  <a:txBody>
+                    <a:bodyPr/>
+                    <a:lstStyle/>
+                    <a:p>
+                      <a:r>
+                        <a:rPr lang="en-US" sz="1800" b="1" dirty="0"/>
+                        <a:t>Name</a:t>
+                      </a:r>
+                    </a:p>
+                  </a:txBody>
+                  <a:tcPr marL="72295" marR="72295" marT="36147" marB="36147" anchor="ctr"/>
+                </a:tc>
+                <a:tc>
+                  <a:txBody>
+                    <a:bodyPr/>
+                    <a:lstStyle/>
+                    <a:p>
+                      <a:r>
+                        <a:rPr lang="en-US" sz="1800" b="1" dirty="0"/>
+                        <a:t>Description</a:t>
+                      </a:r>
+                    </a:p>
+                  </a:txBody>
+                  <a:tcPr marL="72295" marR="72295" marT="36147" marB="36147" anchor="ctr"/>
+                </a:tc>
+                <a:tc>
+                  <a:txBody>
+                    <a:bodyPr/>
+                    <a:lstStyle/>
+                    <a:p>
+                      <a:r>
+                        <a:rPr lang="en-US" sz="1800" b="1" dirty="0" smtClean="0"/>
+                        <a:t>Syntax</a:t>
+                      </a:r>
+                      <a:endParaRPr lang="en-US" sz="1800" b="1" dirty="0"/>
+                    </a:p>
+                  </a:txBody>
+                  <a:tcPr marL="72295" marR="72295" marT="36147" marB="36147" anchor="ctr"/>
+                </a:tc>
+              </a:tr>
+              <a:tr h="722948">
+                <a:tc>
+                  <a:txBody>
+                    <a:bodyPr/>
+                    <a:lstStyle/>
+                    <a:p>
+                      <a:r>
+                        <a:rPr lang="en-US" sz="1400" dirty="0" smtClean="0"/>
+                        <a:t>$or</a:t>
+                      </a:r>
+                      <a:endParaRPr lang="en-US" sz="1400" dirty="0"/>
+                    </a:p>
+                  </a:txBody>
+                  <a:tcPr marL="72295" marR="72295" marT="36147" marB="36147" anchor="ctr"/>
+                </a:tc>
+                <a:tc>
+                  <a:txBody>
+                    <a:bodyPr/>
+                    <a:lstStyle/>
+                    <a:p>
+                      <a:r>
+                        <a:rPr lang="en-US" sz="1400" dirty="0"/>
+                        <a:t>Joins query clauses with a logical OR returns all documents that match the conditions of either clause.</a:t>
+                      </a:r>
+                    </a:p>
+                  </a:txBody>
+                  <a:tcPr marL="72295" marR="72295" marT="36147" marB="36147" anchor="ctr"/>
+                </a:tc>
+                <a:tc>
+                  <a:txBody>
+                    <a:bodyPr/>
+                    <a:lstStyle/>
+                    <a:p>
+                      <a:r>
+                        <a:rPr lang="en-US" sz="1400" dirty="0" smtClean="0"/>
+                        <a:t>“$or”: [{“key1”: </a:t>
+                      </a:r>
+                      <a:r>
+                        <a:rPr lang="en-US" sz="1400" i="1" dirty="0" smtClean="0"/>
+                        <a:t>value1</a:t>
+                      </a:r>
+                      <a:r>
+                        <a:rPr lang="en-US" sz="1400" dirty="0" smtClean="0"/>
+                        <a:t>}, {“key2”: </a:t>
+                      </a:r>
+                      <a:r>
+                        <a:rPr lang="en-US" sz="1400" i="1" dirty="0" smtClean="0"/>
+                        <a:t>value2</a:t>
+                      </a:r>
+                      <a:r>
+                        <a:rPr lang="en-US" sz="1400" dirty="0" smtClean="0"/>
+                        <a:t>}, ...]</a:t>
+                      </a:r>
+                      <a:endParaRPr lang="en-US" sz="1400" dirty="0"/>
+                    </a:p>
+                  </a:txBody>
+                  <a:tcPr marL="72295" marR="72295" marT="36147" marB="36147" anchor="ctr"/>
+                </a:tc>
+              </a:tr>
+              <a:tr h="939832">
+                <a:tc>
+                  <a:txBody>
+                    <a:bodyPr/>
+                    <a:lstStyle/>
+                    <a:p>
+                      <a:r>
+                        <a:rPr lang="en-US" sz="1400" dirty="0" smtClean="0"/>
+                        <a:t>$and</a:t>
+                      </a:r>
+                      <a:endParaRPr lang="en-US" sz="1400" dirty="0"/>
+                    </a:p>
+                  </a:txBody>
+                  <a:tcPr marL="72295" marR="72295" marT="36147" marB="36147" anchor="ctr"/>
+                </a:tc>
+                <a:tc>
+                  <a:txBody>
+                    <a:bodyPr/>
+                    <a:lstStyle/>
+                    <a:p>
+                      <a:r>
+                        <a:rPr lang="en-US" sz="1400" dirty="0"/>
+                        <a:t>Joins query clauses with a logical AND returns all documents that match the conditions of both clauses.</a:t>
+                      </a:r>
+                    </a:p>
+                  </a:txBody>
+                  <a:tcPr marL="72295" marR="72295" marT="36147" marB="36147" anchor="ctr"/>
+                </a:tc>
+                <a:tc>
+                  <a:txBody>
+                    <a:bodyPr/>
+                    <a:lstStyle/>
+                    <a:p>
+                      <a:pPr marL="0" marR="0" indent="0" algn="l" defTabSz="457200" rtl="0" eaLnBrk="1" fontAlgn="auto" latinLnBrk="0" hangingPunct="1">
+                        <a:lnSpc>
+                          <a:spcPct val="100000"/>
+                        </a:lnSpc>
+                        <a:spcBef>
+                          <a:spcPts val="0"/>
+                        </a:spcBef>
+                        <a:spcAft>
+                          <a:spcPts val="0"/>
+                        </a:spcAft>
+                        <a:buClrTx/>
+                        <a:buSzTx/>
+                        <a:buFontTx/>
+                        <a:buNone/>
+                        <a:tabLst/>
+                        <a:defRPr/>
+                      </a:pPr>
+                      <a:r>
+                        <a:rPr lang="en-US" sz="1400" dirty="0" smtClean="0"/>
+                        <a:t>“$and”: [{“key1”: </a:t>
+                      </a:r>
+                      <a:r>
+                        <a:rPr lang="en-US" sz="1400" i="1" dirty="0" smtClean="0"/>
+                        <a:t>value1</a:t>
+                      </a:r>
+                      <a:r>
+                        <a:rPr lang="en-US" sz="1400" dirty="0" smtClean="0"/>
+                        <a:t>}, {“key2”: </a:t>
+                      </a:r>
+                      <a:r>
+                        <a:rPr lang="en-US" sz="1400" i="1" dirty="0" smtClean="0"/>
+                        <a:t>value2</a:t>
+                      </a:r>
+                      <a:r>
+                        <a:rPr lang="en-US" sz="1400" dirty="0" smtClean="0"/>
+                        <a:t>}, ...]</a:t>
+                      </a:r>
+                    </a:p>
+                    <a:p>
+                      <a:endParaRPr lang="en-US" sz="1400" dirty="0"/>
+                    </a:p>
+                  </a:txBody>
+                  <a:tcPr marL="72295" marR="72295" marT="36147" marB="36147" anchor="ctr"/>
+                </a:tc>
+              </a:tr>
+              <a:tr h="939832">
+                <a:tc>
+                  <a:txBody>
+                    <a:bodyPr/>
+                    <a:lstStyle/>
+                    <a:p>
+                      <a:r>
+                        <a:rPr lang="en-US" sz="1400" dirty="0" smtClean="0"/>
+                        <a:t>$not</a:t>
+                      </a:r>
+                      <a:endParaRPr lang="en-US" sz="1400" dirty="0"/>
+                    </a:p>
+                  </a:txBody>
+                  <a:tcPr marL="72295" marR="72295" marT="36147" marB="36147" anchor="ctr"/>
+                </a:tc>
+                <a:tc>
+                  <a:txBody>
+                    <a:bodyPr/>
+                    <a:lstStyle/>
+                    <a:p>
+                      <a:r>
+                        <a:rPr lang="en-US" sz="1400" dirty="0"/>
+                        <a:t>Inverts the effect of a query expression and returns documents that do not match the query expression.</a:t>
+                      </a:r>
+                    </a:p>
+                  </a:txBody>
+                  <a:tcPr marL="72295" marR="72295" marT="36147" marB="36147" anchor="ctr"/>
+                </a:tc>
+                <a:tc>
+                  <a:txBody>
+                    <a:bodyPr/>
+                    <a:lstStyle/>
+                    <a:p>
+                      <a:r>
+                        <a:rPr lang="en-US" sz="1400" dirty="0" smtClean="0"/>
+                        <a:t>“$not”: {“key”: </a:t>
+                      </a:r>
+                      <a:r>
+                        <a:rPr lang="en-US" sz="1400" i="1" dirty="0" smtClean="0"/>
+                        <a:t>value</a:t>
+                      </a:r>
+                      <a:r>
+                        <a:rPr lang="en-US" sz="1400" dirty="0" smtClean="0"/>
+                        <a:t>}</a:t>
+                      </a:r>
+                      <a:endParaRPr lang="en-US" sz="1400" dirty="0"/>
+                    </a:p>
+                  </a:txBody>
+                  <a:tcPr marL="72295" marR="72295" marT="36147" marB="36147" anchor="ctr"/>
+                </a:tc>
+              </a:tr>
+              <a:tr h="722948">
+                <a:tc>
+                  <a:txBody>
+                    <a:bodyPr/>
+                    <a:lstStyle/>
+                    <a:p>
+                      <a:r>
+                        <a:rPr lang="en-US" sz="1400" dirty="0" smtClean="0"/>
+                        <a:t>$nor</a:t>
+                      </a:r>
+                      <a:endParaRPr lang="en-US" sz="1400" dirty="0"/>
+                    </a:p>
+                  </a:txBody>
+                  <a:tcPr marL="72295" marR="72295" marT="36147" marB="36147" anchor="ctr"/>
+                </a:tc>
+                <a:tc>
+                  <a:txBody>
+                    <a:bodyPr/>
+                    <a:lstStyle/>
+                    <a:p>
+                      <a:r>
+                        <a:rPr lang="en-US" sz="1400" dirty="0"/>
+                        <a:t>Joins query clauses with a logical NOR returns all documents that fail to match both clauses.</a:t>
+                      </a:r>
+                    </a:p>
+                  </a:txBody>
+                  <a:tcPr marL="72295" marR="72295" marT="36147" marB="36147" anchor="ctr"/>
+                </a:tc>
+                <a:tc>
+                  <a:txBody>
+                    <a:bodyPr/>
+                    <a:lstStyle/>
+                    <a:p>
+                      <a:pPr marL="0" marR="0" indent="0" algn="l" defTabSz="457200" rtl="0" eaLnBrk="1" fontAlgn="auto" latinLnBrk="0" hangingPunct="1">
+                        <a:lnSpc>
+                          <a:spcPct val="100000"/>
+                        </a:lnSpc>
+                        <a:spcBef>
+                          <a:spcPts val="0"/>
+                        </a:spcBef>
+                        <a:spcAft>
+                          <a:spcPts val="0"/>
+                        </a:spcAft>
+                        <a:buClrTx/>
+                        <a:buSzTx/>
+                        <a:buFontTx/>
+                        <a:buNone/>
+                        <a:tabLst/>
+                        <a:defRPr/>
+                      </a:pPr>
+                      <a:r>
+                        <a:rPr lang="en-US" sz="1400" dirty="0" smtClean="0"/>
+                        <a:t>“$nor”: [{“key1”: value1}, {“key2”: value2}, ...]</a:t>
+                      </a:r>
+                    </a:p>
+                    <a:p>
+                      <a:endParaRPr lang="en-US" sz="1400" dirty="0"/>
+                    </a:p>
+                  </a:txBody>
+                  <a:tcPr marL="72295" marR="72295" marT="36147" marB="36147" anchor="ctr"/>
+                </a:tc>
+              </a:tr>
+            </a:tbl>
+          </a:graphicData>
+        </a:graphic>
+      </p:graphicFrame>
+    </p:spTree>
+    <p:extLst>
+      <p:ext uri="{BB962C8B-B14F-4D97-AF65-F5344CB8AC3E}">
+        <p14:creationId xmlns:p14="http://schemas.microsoft.com/office/powerpoint/2010/main" val="1435667420"/>
+      </p:ext>
+    </p:extLst>
+  </p:cSld>
+  <p:clrMapOvr>
+    <a:masterClrMapping/>
+  </p:clrMapOvr>
+</p:sld>
+</file>
+
+<file path=ppt/slides/slide12.xml><?xml version="1.0" encoding="utf-8"?>
+<p:sld xmlns:a="http://schemas.openxmlformats.org/drawingml/2006/main" xmlns:r="http://schemas.openxmlformats.org/officeDocument/2006/relationships" xmlns:p="http://schemas.openxmlformats.org/presentationml/2006/main">
+  <p:cSld>
+    <p:spTree>
+      <p:nvGrpSpPr>
+        <p:cNvPr id="1" name=""/>
+        <p:cNvGrpSpPr/>
+        <p:nvPr/>
+      </p:nvGrpSpPr>
+      <p:grpSpPr>
+        <a:xfrm>
+          <a:off x="0" y="0"/>
+          <a:ext cx="0" cy="0"/>
+          <a:chOff x="0" y="0"/>
+          <a:chExt cx="0" cy="0"/>
+        </a:xfrm>
+      </p:grpSpPr>
+      <p:sp>
+        <p:nvSpPr>
+          <p:cNvPr id="2" name="Title 1"/>
+          <p:cNvSpPr>
+            <a:spLocks noGrp="1"/>
+          </p:cNvSpPr>
+          <p:nvPr>
+            <p:ph type="title"/>
+          </p:nvPr>
+        </p:nvSpPr>
+        <p:spPr/>
+        <p:txBody>
+          <a:bodyPr/>
+          <a:lstStyle/>
+          <a:p>
+            <a:r>
+              <a:rPr lang="en-GB" dirty="0" smtClean="0"/>
+              <a:t>query operators - element</a:t>
+            </a:r>
+            <a:endParaRPr lang="en-GB" dirty="0"/>
+          </a:p>
+        </p:txBody>
+      </p:sp>
+      <p:graphicFrame>
+        <p:nvGraphicFramePr>
+          <p:cNvPr id="4" name="Content Placeholder 3"/>
+          <p:cNvGraphicFramePr>
+            <a:graphicFrameLocks noGrp="1"/>
+          </p:cNvGraphicFramePr>
+          <p:nvPr>
+            <p:ph idx="1"/>
+            <p:extLst>
+              <p:ext uri="{D42A27DB-BD31-4B8C-83A1-F6EECF244321}">
+                <p14:modId xmlns:p14="http://schemas.microsoft.com/office/powerpoint/2010/main" val="616390647"/>
+              </p:ext>
+            </p:extLst>
+          </p:nvPr>
+        </p:nvGraphicFramePr>
+        <p:xfrm>
+          <a:off x="913135" y="1140726"/>
+          <a:ext cx="8534401" cy="1615440"/>
+        </p:xfrm>
+        <a:graphic>
+          <a:graphicData uri="http://schemas.openxmlformats.org/drawingml/2006/table">
+            <a:tbl>
+              <a:tblPr>
+                <a:tableStyleId>{D113A9D2-9D6B-4929-AA2D-F23B5EE8CBE7}</a:tableStyleId>
+              </a:tblPr>
+              <a:tblGrid>
+                <a:gridCol w="1004681"/>
+                <a:gridCol w="3764860"/>
+                <a:gridCol w="3764860"/>
+              </a:tblGrid>
+              <a:tr h="0">
+                <a:tc>
+                  <a:txBody>
+                    <a:bodyPr/>
+                    <a:lstStyle/>
+                    <a:p>
+                      <a:r>
+                        <a:rPr lang="en-US" b="1" dirty="0"/>
+                        <a:t>Name</a:t>
+                      </a:r>
+                    </a:p>
+                  </a:txBody>
+                  <a:tcPr anchor="ctr"/>
+                </a:tc>
+                <a:tc>
+                  <a:txBody>
+                    <a:bodyPr/>
+                    <a:lstStyle/>
+                    <a:p>
+                      <a:r>
+                        <a:rPr lang="en-US" b="1" dirty="0"/>
+                        <a:t>Description</a:t>
+                      </a:r>
+                    </a:p>
+                  </a:txBody>
+                  <a:tcPr anchor="ctr"/>
+                </a:tc>
+                <a:tc>
+                  <a:txBody>
+                    <a:bodyPr/>
+                    <a:lstStyle/>
+                    <a:p>
+                      <a:r>
+                        <a:rPr lang="en-US" b="1" dirty="0" smtClean="0"/>
+                        <a:t>Syntax</a:t>
+                      </a:r>
+                      <a:endParaRPr lang="en-US" b="1" dirty="0"/>
+                    </a:p>
+                  </a:txBody>
+                  <a:tcPr anchor="ctr"/>
+                </a:tc>
+              </a:tr>
+              <a:tr h="0">
+                <a:tc>
+                  <a:txBody>
+                    <a:bodyPr/>
+                    <a:lstStyle/>
+                    <a:p>
+                      <a:r>
+                        <a:rPr lang="en-US" sz="1400" dirty="0" smtClean="0"/>
+                        <a:t>$exists</a:t>
+                      </a:r>
+                      <a:endParaRPr lang="en-US" sz="1400" dirty="0"/>
+                    </a:p>
+                  </a:txBody>
+                  <a:tcPr anchor="ctr"/>
+                </a:tc>
+                <a:tc>
+                  <a:txBody>
+                    <a:bodyPr/>
+                    <a:lstStyle/>
+                    <a:p>
+                      <a:r>
+                        <a:rPr lang="en-US" sz="1400" dirty="0"/>
+                        <a:t>Matches documents that have the specified </a:t>
+                      </a:r>
+                      <a:r>
+                        <a:rPr lang="en-US" sz="1400" dirty="0" smtClean="0"/>
+                        <a:t>field, if true or that don’t have it</a:t>
+                      </a:r>
+                      <a:r>
+                        <a:rPr lang="en-US" sz="1400" baseline="0" dirty="0" smtClean="0"/>
+                        <a:t> if false</a:t>
+                      </a:r>
+                      <a:r>
+                        <a:rPr lang="en-US" sz="1400" dirty="0" smtClean="0"/>
+                        <a:t>.</a:t>
+                      </a:r>
+                      <a:endParaRPr lang="en-US" sz="1400" dirty="0"/>
+                    </a:p>
+                  </a:txBody>
+                  <a:tcPr anchor="ctr"/>
+                </a:tc>
+                <a:tc>
+                  <a:txBody>
+                    <a:bodyPr/>
+                    <a:lstStyle/>
+                    <a:p>
+                      <a:pPr marL="0" marR="0" indent="0" algn="l" defTabSz="457200" rtl="0" eaLnBrk="1" fontAlgn="auto" latinLnBrk="0" hangingPunct="1">
+                        <a:lnSpc>
+                          <a:spcPct val="100000"/>
+                        </a:lnSpc>
+                        <a:spcBef>
+                          <a:spcPts val="0"/>
+                        </a:spcBef>
+                        <a:spcAft>
+                          <a:spcPts val="0"/>
+                        </a:spcAft>
+                        <a:buClrTx/>
+                        <a:buSzTx/>
+                        <a:buFontTx/>
+                        <a:buNone/>
+                        <a:tabLst/>
+                        <a:defRPr/>
+                      </a:pPr>
+                      <a:r>
+                        <a:rPr lang="en-US" sz="1400" dirty="0" smtClean="0"/>
+                        <a:t>“key”: {“$exists”: true / false}</a:t>
+                      </a:r>
+                    </a:p>
+                  </a:txBody>
+                  <a:tcPr anchor="ctr"/>
+                </a:tc>
+              </a:tr>
+              <a:tr h="0">
+                <a:tc>
+                  <a:txBody>
+                    <a:bodyPr/>
+                    <a:lstStyle/>
+                    <a:p>
+                      <a:r>
+                        <a:rPr lang="en-US" sz="1400" dirty="0" smtClean="0"/>
+                        <a:t>$type</a:t>
+                      </a:r>
+                      <a:endParaRPr lang="en-US" sz="1400" dirty="0"/>
+                    </a:p>
+                  </a:txBody>
+                  <a:tcPr anchor="ctr"/>
+                </a:tc>
+                <a:tc>
+                  <a:txBody>
+                    <a:bodyPr/>
+                    <a:lstStyle/>
+                    <a:p>
+                      <a:r>
+                        <a:rPr lang="en-US" sz="1400" dirty="0"/>
+                        <a:t>Selects documents if a field is of the specified type.</a:t>
+                      </a:r>
+                    </a:p>
+                  </a:txBody>
+                  <a:tcPr anchor="ctr"/>
+                </a:tc>
+                <a:tc>
+                  <a:txBody>
+                    <a:bodyPr/>
+                    <a:lstStyle/>
+                    <a:p>
+                      <a:r>
+                        <a:rPr lang="en-US" sz="1400" dirty="0" smtClean="0"/>
+                        <a:t>“key”: {“$type”: </a:t>
+                      </a:r>
+                      <a:r>
+                        <a:rPr lang="en-US" sz="1400" i="1" dirty="0" err="1" smtClean="0"/>
+                        <a:t>TypeNumber</a:t>
+                      </a:r>
+                      <a:r>
+                        <a:rPr lang="en-US" sz="1400" dirty="0" smtClean="0"/>
+                        <a:t> / </a:t>
+                      </a:r>
+                      <a:r>
+                        <a:rPr lang="en-US" sz="1400" i="1" dirty="0" err="1" smtClean="0"/>
+                        <a:t>TypeAlias</a:t>
+                      </a:r>
+                      <a:r>
+                        <a:rPr lang="en-US" sz="1400" dirty="0" smtClean="0"/>
+                        <a:t>}</a:t>
+                      </a:r>
+                      <a:endParaRPr lang="en-US" sz="1400" dirty="0"/>
+                    </a:p>
+                  </a:txBody>
+                  <a:tcPr anchor="ctr"/>
+                </a:tc>
+              </a:tr>
+            </a:tbl>
+          </a:graphicData>
+        </a:graphic>
+      </p:graphicFrame>
+    </p:spTree>
+    <p:extLst>
+      <p:ext uri="{BB962C8B-B14F-4D97-AF65-F5344CB8AC3E}">
+        <p14:creationId xmlns:p14="http://schemas.microsoft.com/office/powerpoint/2010/main" val="939220445"/>
+      </p:ext>
+    </p:extLst>
+  </p:cSld>
+  <p:clrMapOvr>
+    <a:masterClrMapping/>
+  </p:clrMapOvr>
+</p:sld>
+</file>
+
+<file path=ppt/slides/slide13.xml><?xml version="1.0" encoding="utf-8"?>
+<p:sld xmlns:a="http://schemas.openxmlformats.org/drawingml/2006/main" xmlns:r="http://schemas.openxmlformats.org/officeDocument/2006/relationships" xmlns:p="http://schemas.openxmlformats.org/presentationml/2006/main">
+  <p:cSld>
+    <p:spTree>
+      <p:nvGrpSpPr>
+        <p:cNvPr id="1" name=""/>
+        <p:cNvGrpSpPr/>
+        <p:nvPr/>
+      </p:nvGrpSpPr>
+      <p:grpSpPr>
+        <a:xfrm>
+          <a:off x="0" y="0"/>
+          <a:ext cx="0" cy="0"/>
+          <a:chOff x="0" y="0"/>
+          <a:chExt cx="0" cy="0"/>
+        </a:xfrm>
+      </p:grpSpPr>
+      <p:sp>
+        <p:nvSpPr>
+          <p:cNvPr id="2" name="Title 1"/>
+          <p:cNvSpPr>
+            <a:spLocks noGrp="1"/>
+          </p:cNvSpPr>
+          <p:nvPr>
+            <p:ph type="title"/>
+          </p:nvPr>
+        </p:nvSpPr>
+        <p:spPr/>
+        <p:txBody>
+          <a:bodyPr/>
+          <a:lstStyle/>
+          <a:p>
+            <a:r>
+              <a:rPr lang="en-GB" dirty="0" smtClean="0"/>
+              <a:t>BSON Types</a:t>
+            </a:r>
+            <a:endParaRPr lang="en-GB" dirty="0"/>
+          </a:p>
+        </p:txBody>
+      </p:sp>
+      <p:graphicFrame>
+        <p:nvGraphicFramePr>
+          <p:cNvPr id="4" name="Content Placeholder 3"/>
+          <p:cNvGraphicFramePr>
+            <a:graphicFrameLocks noGrp="1"/>
+          </p:cNvGraphicFramePr>
+          <p:nvPr>
+            <p:ph idx="1"/>
+            <p:extLst>
+              <p:ext uri="{D42A27DB-BD31-4B8C-83A1-F6EECF244321}">
+                <p14:modId xmlns:p14="http://schemas.microsoft.com/office/powerpoint/2010/main" val="380870501"/>
+              </p:ext>
+            </p:extLst>
+          </p:nvPr>
+        </p:nvGraphicFramePr>
+        <p:xfrm>
+          <a:off x="911343" y="422910"/>
+          <a:ext cx="6093614" cy="4406746"/>
+        </p:xfrm>
+        <a:graphic>
+          <a:graphicData uri="http://schemas.openxmlformats.org/drawingml/2006/table">
+            <a:tbl>
+              <a:tblPr>
+                <a:tableStyleId>{D113A9D2-9D6B-4929-AA2D-F23B5EE8CBE7}</a:tableStyleId>
+              </a:tblPr>
+              <a:tblGrid>
+                <a:gridCol w="1353438"/>
+                <a:gridCol w="1353438"/>
+                <a:gridCol w="1797424"/>
+                <a:gridCol w="1589314"/>
+              </a:tblGrid>
+              <a:tr h="230213">
+                <a:tc>
+                  <a:txBody>
+                    <a:bodyPr/>
+                    <a:lstStyle/>
+                    <a:p>
+                      <a:r>
+                        <a:rPr lang="en-US" sz="1800" b="1" dirty="0"/>
+                        <a:t>Type</a:t>
+                      </a:r>
+                    </a:p>
+                  </a:txBody>
+                  <a:tcPr marL="40164" marR="40164" marT="20082" marB="20082" anchor="ctr"/>
+                </a:tc>
+                <a:tc>
+                  <a:txBody>
+                    <a:bodyPr/>
+                    <a:lstStyle/>
+                    <a:p>
+                      <a:r>
+                        <a:rPr lang="en-US" sz="1800" b="1" dirty="0"/>
+                        <a:t>Number</a:t>
+                      </a:r>
+                    </a:p>
+                  </a:txBody>
+                  <a:tcPr marL="40164" marR="40164" marT="20082" marB="20082" anchor="ctr"/>
+                </a:tc>
+                <a:tc>
+                  <a:txBody>
+                    <a:bodyPr/>
+                    <a:lstStyle/>
+                    <a:p>
+                      <a:r>
+                        <a:rPr lang="en-US" sz="1800" b="1" dirty="0"/>
+                        <a:t>Alias</a:t>
+                      </a:r>
+                    </a:p>
+                  </a:txBody>
+                  <a:tcPr marL="40164" marR="40164" marT="20082" marB="20082" anchor="ctr"/>
+                </a:tc>
+                <a:tc>
+                  <a:txBody>
+                    <a:bodyPr/>
+                    <a:lstStyle/>
+                    <a:p>
+                      <a:r>
+                        <a:rPr lang="en-US" sz="1800" b="1" dirty="0"/>
+                        <a:t>Notes</a:t>
+                      </a:r>
+                    </a:p>
+                  </a:txBody>
+                  <a:tcPr marL="40164" marR="40164" marT="20082" marB="20082" anchor="ctr"/>
+                </a:tc>
+              </a:tr>
+              <a:tr h="160655">
+                <a:tc>
+                  <a:txBody>
+                    <a:bodyPr/>
+                    <a:lstStyle/>
+                    <a:p>
+                      <a:r>
+                        <a:rPr lang="en-US" sz="1000"/>
+                        <a:t>Double</a:t>
+                      </a:r>
+                    </a:p>
+                  </a:txBody>
+                  <a:tcPr marL="40164" marR="40164" marT="20082" marB="20082" anchor="ctr"/>
+                </a:tc>
+                <a:tc>
+                  <a:txBody>
+                    <a:bodyPr/>
+                    <a:lstStyle/>
+                    <a:p>
+                      <a:r>
+                        <a:rPr lang="en-US" sz="1000"/>
+                        <a:t>1</a:t>
+                      </a:r>
+                    </a:p>
+                  </a:txBody>
+                  <a:tcPr marL="40164" marR="40164" marT="20082" marB="20082" anchor="ctr"/>
+                </a:tc>
+                <a:tc>
+                  <a:txBody>
+                    <a:bodyPr/>
+                    <a:lstStyle/>
+                    <a:p>
+                      <a:r>
+                        <a:rPr lang="en-US" sz="1000" dirty="0"/>
+                        <a:t>“double”</a:t>
+                      </a:r>
+                    </a:p>
+                  </a:txBody>
+                  <a:tcPr marL="40164" marR="40164" marT="20082" marB="20082" anchor="ctr"/>
+                </a:tc>
+                <a:tc>
+                  <a:txBody>
+                    <a:bodyPr/>
+                    <a:lstStyle/>
+                    <a:p>
+                      <a:r>
+                        <a:rPr lang="sk-SK" sz="1000" dirty="0"/>
+                        <a:t> </a:t>
+                      </a:r>
+                    </a:p>
+                  </a:txBody>
+                  <a:tcPr marL="40164" marR="40164" marT="20082" marB="20082" anchor="ctr"/>
+                </a:tc>
+              </a:tr>
+              <a:tr h="160655">
+                <a:tc>
+                  <a:txBody>
+                    <a:bodyPr/>
+                    <a:lstStyle/>
+                    <a:p>
+                      <a:r>
+                        <a:rPr lang="en-US" sz="1000"/>
+                        <a:t>String</a:t>
+                      </a:r>
+                    </a:p>
+                  </a:txBody>
+                  <a:tcPr marL="40164" marR="40164" marT="20082" marB="20082" anchor="ctr"/>
+                </a:tc>
+                <a:tc>
+                  <a:txBody>
+                    <a:bodyPr/>
+                    <a:lstStyle/>
+                    <a:p>
+                      <a:r>
+                        <a:rPr lang="is-IS" sz="1000"/>
+                        <a:t>2</a:t>
+                      </a:r>
+                    </a:p>
+                  </a:txBody>
+                  <a:tcPr marL="40164" marR="40164" marT="20082" marB="20082" anchor="ctr"/>
+                </a:tc>
+                <a:tc>
+                  <a:txBody>
+                    <a:bodyPr/>
+                    <a:lstStyle/>
+                    <a:p>
+                      <a:r>
+                        <a:rPr lang="en-US" sz="1000"/>
+                        <a:t>“string”</a:t>
+                      </a:r>
+                    </a:p>
+                  </a:txBody>
+                  <a:tcPr marL="40164" marR="40164" marT="20082" marB="20082" anchor="ctr"/>
+                </a:tc>
+                <a:tc>
+                  <a:txBody>
+                    <a:bodyPr/>
+                    <a:lstStyle/>
+                    <a:p>
+                      <a:r>
+                        <a:rPr lang="sk-SK" sz="1000"/>
+                        <a:t> </a:t>
+                      </a:r>
+                    </a:p>
+                  </a:txBody>
+                  <a:tcPr marL="40164" marR="40164" marT="20082" marB="20082" anchor="ctr"/>
+                </a:tc>
+              </a:tr>
+              <a:tr h="160655">
+                <a:tc>
+                  <a:txBody>
+                    <a:bodyPr/>
+                    <a:lstStyle/>
+                    <a:p>
+                      <a:r>
+                        <a:rPr lang="en-US" sz="1000"/>
+                        <a:t>Object</a:t>
+                      </a:r>
+                    </a:p>
+                  </a:txBody>
+                  <a:tcPr marL="40164" marR="40164" marT="20082" marB="20082" anchor="ctr"/>
+                </a:tc>
+                <a:tc>
+                  <a:txBody>
+                    <a:bodyPr/>
+                    <a:lstStyle/>
+                    <a:p>
+                      <a:r>
+                        <a:rPr lang="en-US" sz="1000"/>
+                        <a:t>3</a:t>
+                      </a:r>
+                    </a:p>
+                  </a:txBody>
+                  <a:tcPr marL="40164" marR="40164" marT="20082" marB="20082" anchor="ctr"/>
+                </a:tc>
+                <a:tc>
+                  <a:txBody>
+                    <a:bodyPr/>
+                    <a:lstStyle/>
+                    <a:p>
+                      <a:r>
+                        <a:rPr lang="en-US" sz="1000"/>
+                        <a:t>“object”</a:t>
+                      </a:r>
+                    </a:p>
+                  </a:txBody>
+                  <a:tcPr marL="40164" marR="40164" marT="20082" marB="20082" anchor="ctr"/>
+                </a:tc>
+                <a:tc>
+                  <a:txBody>
+                    <a:bodyPr/>
+                    <a:lstStyle/>
+                    <a:p>
+                      <a:r>
+                        <a:rPr lang="sk-SK" sz="1000"/>
+                        <a:t> </a:t>
+                      </a:r>
+                    </a:p>
+                  </a:txBody>
+                  <a:tcPr marL="40164" marR="40164" marT="20082" marB="20082" anchor="ctr"/>
+                </a:tc>
+              </a:tr>
+              <a:tr h="160655">
+                <a:tc>
+                  <a:txBody>
+                    <a:bodyPr/>
+                    <a:lstStyle/>
+                    <a:p>
+                      <a:r>
+                        <a:rPr lang="en-US" sz="1000"/>
+                        <a:t>Array</a:t>
+                      </a:r>
+                    </a:p>
+                  </a:txBody>
+                  <a:tcPr marL="40164" marR="40164" marT="20082" marB="20082" anchor="ctr"/>
+                </a:tc>
+                <a:tc>
+                  <a:txBody>
+                    <a:bodyPr/>
+                    <a:lstStyle/>
+                    <a:p>
+                      <a:r>
+                        <a:rPr lang="en-US" sz="1000"/>
+                        <a:t>4</a:t>
+                      </a:r>
+                    </a:p>
+                  </a:txBody>
+                  <a:tcPr marL="40164" marR="40164" marT="20082" marB="20082" anchor="ctr"/>
+                </a:tc>
+                <a:tc>
+                  <a:txBody>
+                    <a:bodyPr/>
+                    <a:lstStyle/>
+                    <a:p>
+                      <a:r>
+                        <a:rPr lang="en-US" sz="1000"/>
+                        <a:t>“array”</a:t>
+                      </a:r>
+                    </a:p>
+                  </a:txBody>
+                  <a:tcPr marL="40164" marR="40164" marT="20082" marB="20082" anchor="ctr"/>
+                </a:tc>
+                <a:tc>
+                  <a:txBody>
+                    <a:bodyPr/>
+                    <a:lstStyle/>
+                    <a:p>
+                      <a:r>
+                        <a:rPr lang="sk-SK" sz="1000"/>
+                        <a:t> </a:t>
+                      </a:r>
+                    </a:p>
+                  </a:txBody>
+                  <a:tcPr marL="40164" marR="40164" marT="20082" marB="20082" anchor="ctr"/>
+                </a:tc>
+              </a:tr>
+              <a:tr h="160655">
+                <a:tc>
+                  <a:txBody>
+                    <a:bodyPr/>
+                    <a:lstStyle/>
+                    <a:p>
+                      <a:r>
+                        <a:rPr lang="en-US" sz="1000"/>
+                        <a:t>Binary data</a:t>
+                      </a:r>
+                    </a:p>
+                  </a:txBody>
+                  <a:tcPr marL="40164" marR="40164" marT="20082" marB="20082" anchor="ctr"/>
+                </a:tc>
+                <a:tc>
+                  <a:txBody>
+                    <a:bodyPr/>
+                    <a:lstStyle/>
+                    <a:p>
+                      <a:r>
+                        <a:rPr lang="en-US" sz="1000"/>
+                        <a:t>5</a:t>
+                      </a:r>
+                    </a:p>
+                  </a:txBody>
+                  <a:tcPr marL="40164" marR="40164" marT="20082" marB="20082" anchor="ctr"/>
+                </a:tc>
+                <a:tc>
+                  <a:txBody>
+                    <a:bodyPr/>
+                    <a:lstStyle/>
+                    <a:p>
+                      <a:r>
+                        <a:rPr lang="en-US" sz="1000"/>
+                        <a:t>“binData”</a:t>
+                      </a:r>
+                    </a:p>
+                  </a:txBody>
+                  <a:tcPr marL="40164" marR="40164" marT="20082" marB="20082" anchor="ctr"/>
+                </a:tc>
+                <a:tc>
+                  <a:txBody>
+                    <a:bodyPr/>
+                    <a:lstStyle/>
+                    <a:p>
+                      <a:r>
+                        <a:rPr lang="sk-SK" sz="1000"/>
+                        <a:t> </a:t>
+                      </a:r>
+                    </a:p>
+                  </a:txBody>
+                  <a:tcPr marL="40164" marR="40164" marT="20082" marB="20082" anchor="ctr"/>
+                </a:tc>
+              </a:tr>
+              <a:tr h="160655">
+                <a:tc>
+                  <a:txBody>
+                    <a:bodyPr/>
+                    <a:lstStyle/>
+                    <a:p>
+                      <a:r>
+                        <a:rPr lang="en-US" sz="1000"/>
+                        <a:t>Undefined</a:t>
+                      </a:r>
+                    </a:p>
+                  </a:txBody>
+                  <a:tcPr marL="40164" marR="40164" marT="20082" marB="20082" anchor="ctr"/>
+                </a:tc>
+                <a:tc>
+                  <a:txBody>
+                    <a:bodyPr/>
+                    <a:lstStyle/>
+                    <a:p>
+                      <a:r>
+                        <a:rPr lang="en-US" sz="1000"/>
+                        <a:t>6</a:t>
+                      </a:r>
+                    </a:p>
+                  </a:txBody>
+                  <a:tcPr marL="40164" marR="40164" marT="20082" marB="20082" anchor="ctr"/>
+                </a:tc>
+                <a:tc>
+                  <a:txBody>
+                    <a:bodyPr/>
+                    <a:lstStyle/>
+                    <a:p>
+                      <a:r>
+                        <a:rPr lang="en-US" sz="1000"/>
+                        <a:t>“undefined”</a:t>
+                      </a:r>
+                    </a:p>
+                  </a:txBody>
+                  <a:tcPr marL="40164" marR="40164" marT="20082" marB="20082" anchor="ctr"/>
+                </a:tc>
+                <a:tc>
+                  <a:txBody>
+                    <a:bodyPr/>
+                    <a:lstStyle/>
+                    <a:p>
+                      <a:r>
+                        <a:rPr lang="en-US" sz="1000"/>
+                        <a:t>Deprecated.</a:t>
+                      </a:r>
+                    </a:p>
+                  </a:txBody>
+                  <a:tcPr marL="40164" marR="40164" marT="20082" marB="20082" anchor="ctr"/>
+                </a:tc>
+              </a:tr>
+              <a:tr h="160655">
+                <a:tc>
+                  <a:txBody>
+                    <a:bodyPr/>
+                    <a:lstStyle/>
+                    <a:p>
+                      <a:r>
+                        <a:rPr lang="en-US" sz="1000"/>
+                        <a:t>ObjectId</a:t>
+                      </a:r>
+                    </a:p>
+                  </a:txBody>
+                  <a:tcPr marL="40164" marR="40164" marT="20082" marB="20082" anchor="ctr"/>
+                </a:tc>
+                <a:tc>
+                  <a:txBody>
+                    <a:bodyPr/>
+                    <a:lstStyle/>
+                    <a:p>
+                      <a:r>
+                        <a:rPr lang="en-US" sz="1000"/>
+                        <a:t>7</a:t>
+                      </a:r>
+                    </a:p>
+                  </a:txBody>
+                  <a:tcPr marL="40164" marR="40164" marT="20082" marB="20082" anchor="ctr"/>
+                </a:tc>
+                <a:tc>
+                  <a:txBody>
+                    <a:bodyPr/>
+                    <a:lstStyle/>
+                    <a:p>
+                      <a:r>
+                        <a:rPr lang="en-US" sz="1000"/>
+                        <a:t>“objectId”</a:t>
+                      </a:r>
+                    </a:p>
+                  </a:txBody>
+                  <a:tcPr marL="40164" marR="40164" marT="20082" marB="20082" anchor="ctr"/>
+                </a:tc>
+                <a:tc>
+                  <a:txBody>
+                    <a:bodyPr/>
+                    <a:lstStyle/>
+                    <a:p>
+                      <a:r>
+                        <a:rPr lang="sk-SK" sz="1000"/>
+                        <a:t> </a:t>
+                      </a:r>
+                    </a:p>
+                  </a:txBody>
+                  <a:tcPr marL="40164" marR="40164" marT="20082" marB="20082" anchor="ctr"/>
+                </a:tc>
+              </a:tr>
+              <a:tr h="160655">
+                <a:tc>
+                  <a:txBody>
+                    <a:bodyPr/>
+                    <a:lstStyle/>
+                    <a:p>
+                      <a:r>
+                        <a:rPr lang="en-US" sz="1000"/>
+                        <a:t>Boolean</a:t>
+                      </a:r>
+                    </a:p>
+                  </a:txBody>
+                  <a:tcPr marL="40164" marR="40164" marT="20082" marB="20082" anchor="ctr"/>
+                </a:tc>
+                <a:tc>
+                  <a:txBody>
+                    <a:bodyPr/>
+                    <a:lstStyle/>
+                    <a:p>
+                      <a:r>
+                        <a:rPr lang="en-US" sz="1000"/>
+                        <a:t>8</a:t>
+                      </a:r>
+                    </a:p>
+                  </a:txBody>
+                  <a:tcPr marL="40164" marR="40164" marT="20082" marB="20082" anchor="ctr"/>
+                </a:tc>
+                <a:tc>
+                  <a:txBody>
+                    <a:bodyPr/>
+                    <a:lstStyle/>
+                    <a:p>
+                      <a:r>
+                        <a:rPr lang="en-US" sz="1000"/>
+                        <a:t>“bool”</a:t>
+                      </a:r>
+                    </a:p>
+                  </a:txBody>
+                  <a:tcPr marL="40164" marR="40164" marT="20082" marB="20082" anchor="ctr"/>
+                </a:tc>
+                <a:tc>
+                  <a:txBody>
+                    <a:bodyPr/>
+                    <a:lstStyle/>
+                    <a:p>
+                      <a:r>
+                        <a:rPr lang="sk-SK" sz="1000"/>
+                        <a:t> </a:t>
+                      </a:r>
+                    </a:p>
+                  </a:txBody>
+                  <a:tcPr marL="40164" marR="40164" marT="20082" marB="20082" anchor="ctr"/>
+                </a:tc>
+              </a:tr>
+              <a:tr h="160655">
+                <a:tc>
+                  <a:txBody>
+                    <a:bodyPr/>
+                    <a:lstStyle/>
+                    <a:p>
+                      <a:r>
+                        <a:rPr lang="en-US" sz="1000"/>
+                        <a:t>Date</a:t>
+                      </a:r>
+                    </a:p>
+                  </a:txBody>
+                  <a:tcPr marL="40164" marR="40164" marT="20082" marB="20082" anchor="ctr"/>
+                </a:tc>
+                <a:tc>
+                  <a:txBody>
+                    <a:bodyPr/>
+                    <a:lstStyle/>
+                    <a:p>
+                      <a:r>
+                        <a:rPr lang="en-US" sz="1000"/>
+                        <a:t>9</a:t>
+                      </a:r>
+                    </a:p>
+                  </a:txBody>
+                  <a:tcPr marL="40164" marR="40164" marT="20082" marB="20082" anchor="ctr"/>
+                </a:tc>
+                <a:tc>
+                  <a:txBody>
+                    <a:bodyPr/>
+                    <a:lstStyle/>
+                    <a:p>
+                      <a:r>
+                        <a:rPr lang="en-US" sz="1000"/>
+                        <a:t>“date”</a:t>
+                      </a:r>
+                    </a:p>
+                  </a:txBody>
+                  <a:tcPr marL="40164" marR="40164" marT="20082" marB="20082" anchor="ctr"/>
+                </a:tc>
+                <a:tc>
+                  <a:txBody>
+                    <a:bodyPr/>
+                    <a:lstStyle/>
+                    <a:p>
+                      <a:r>
+                        <a:rPr lang="sk-SK" sz="1000"/>
+                        <a:t> </a:t>
+                      </a:r>
+                    </a:p>
+                  </a:txBody>
+                  <a:tcPr marL="40164" marR="40164" marT="20082" marB="20082" anchor="ctr"/>
+                </a:tc>
+              </a:tr>
+              <a:tr h="160655">
+                <a:tc>
+                  <a:txBody>
+                    <a:bodyPr/>
+                    <a:lstStyle/>
+                    <a:p>
+                      <a:r>
+                        <a:rPr lang="en-US" sz="1000"/>
+                        <a:t>Null</a:t>
+                      </a:r>
+                    </a:p>
+                  </a:txBody>
+                  <a:tcPr marL="40164" marR="40164" marT="20082" marB="20082" anchor="ctr"/>
+                </a:tc>
+                <a:tc>
+                  <a:txBody>
+                    <a:bodyPr/>
+                    <a:lstStyle/>
+                    <a:p>
+                      <a:r>
+                        <a:rPr lang="en-US" sz="1000"/>
+                        <a:t>10</a:t>
+                      </a:r>
+                    </a:p>
+                  </a:txBody>
+                  <a:tcPr marL="40164" marR="40164" marT="20082" marB="20082" anchor="ctr"/>
+                </a:tc>
+                <a:tc>
+                  <a:txBody>
+                    <a:bodyPr/>
+                    <a:lstStyle/>
+                    <a:p>
+                      <a:r>
+                        <a:rPr lang="en-US" sz="1000"/>
+                        <a:t>“null”</a:t>
+                      </a:r>
+                    </a:p>
+                  </a:txBody>
+                  <a:tcPr marL="40164" marR="40164" marT="20082" marB="20082" anchor="ctr"/>
+                </a:tc>
+                <a:tc>
+                  <a:txBody>
+                    <a:bodyPr/>
+                    <a:lstStyle/>
+                    <a:p>
+                      <a:r>
+                        <a:rPr lang="sk-SK" sz="1000"/>
+                        <a:t> </a:t>
+                      </a:r>
+                    </a:p>
+                  </a:txBody>
+                  <a:tcPr marL="40164" marR="40164" marT="20082" marB="20082" anchor="ctr"/>
+                </a:tc>
+              </a:tr>
+              <a:tr h="281146">
+                <a:tc>
+                  <a:txBody>
+                    <a:bodyPr/>
+                    <a:lstStyle/>
+                    <a:p>
+                      <a:r>
+                        <a:rPr lang="en-US" sz="1000"/>
+                        <a:t>Regular Expression</a:t>
+                      </a:r>
+                    </a:p>
+                  </a:txBody>
+                  <a:tcPr marL="40164" marR="40164" marT="20082" marB="20082" anchor="ctr"/>
+                </a:tc>
+                <a:tc>
+                  <a:txBody>
+                    <a:bodyPr/>
+                    <a:lstStyle/>
+                    <a:p>
+                      <a:r>
+                        <a:rPr lang="cs-CZ" sz="1000"/>
+                        <a:t>11</a:t>
+                      </a:r>
+                    </a:p>
+                  </a:txBody>
+                  <a:tcPr marL="40164" marR="40164" marT="20082" marB="20082" anchor="ctr"/>
+                </a:tc>
+                <a:tc>
+                  <a:txBody>
+                    <a:bodyPr/>
+                    <a:lstStyle/>
+                    <a:p>
+                      <a:r>
+                        <a:rPr lang="en-US" sz="1000"/>
+                        <a:t>“regex”</a:t>
+                      </a:r>
+                    </a:p>
+                  </a:txBody>
+                  <a:tcPr marL="40164" marR="40164" marT="20082" marB="20082" anchor="ctr"/>
+                </a:tc>
+                <a:tc>
+                  <a:txBody>
+                    <a:bodyPr/>
+                    <a:lstStyle/>
+                    <a:p>
+                      <a:r>
+                        <a:rPr lang="sk-SK" sz="1000"/>
+                        <a:t> </a:t>
+                      </a:r>
+                    </a:p>
+                  </a:txBody>
+                  <a:tcPr marL="40164" marR="40164" marT="20082" marB="20082" anchor="ctr"/>
+                </a:tc>
+              </a:tr>
+              <a:tr h="160655">
+                <a:tc>
+                  <a:txBody>
+                    <a:bodyPr/>
+                    <a:lstStyle/>
+                    <a:p>
+                      <a:r>
+                        <a:rPr lang="en-US" sz="1000"/>
+                        <a:t>DBPointer</a:t>
+                      </a:r>
+                    </a:p>
+                  </a:txBody>
+                  <a:tcPr marL="40164" marR="40164" marT="20082" marB="20082" anchor="ctr"/>
+                </a:tc>
+                <a:tc>
+                  <a:txBody>
+                    <a:bodyPr/>
+                    <a:lstStyle/>
+                    <a:p>
+                      <a:r>
+                        <a:rPr lang="is-IS" sz="1000"/>
+                        <a:t>12</a:t>
+                      </a:r>
+                    </a:p>
+                  </a:txBody>
+                  <a:tcPr marL="40164" marR="40164" marT="20082" marB="20082" anchor="ctr"/>
+                </a:tc>
+                <a:tc>
+                  <a:txBody>
+                    <a:bodyPr/>
+                    <a:lstStyle/>
+                    <a:p>
+                      <a:r>
+                        <a:rPr lang="en-US" sz="1000"/>
+                        <a:t>“dbPointer”</a:t>
+                      </a:r>
+                    </a:p>
+                  </a:txBody>
+                  <a:tcPr marL="40164" marR="40164" marT="20082" marB="20082" anchor="ctr"/>
+                </a:tc>
+                <a:tc>
+                  <a:txBody>
+                    <a:bodyPr/>
+                    <a:lstStyle/>
+                    <a:p>
+                      <a:r>
+                        <a:rPr lang="sk-SK" sz="1000"/>
+                        <a:t> </a:t>
+                      </a:r>
+                    </a:p>
+                  </a:txBody>
+                  <a:tcPr marL="40164" marR="40164" marT="20082" marB="20082" anchor="ctr"/>
+                </a:tc>
+              </a:tr>
+              <a:tr h="160655">
+                <a:tc>
+                  <a:txBody>
+                    <a:bodyPr/>
+                    <a:lstStyle/>
+                    <a:p>
+                      <a:r>
+                        <a:rPr lang="en-US" sz="1000"/>
+                        <a:t>JavaScript</a:t>
+                      </a:r>
+                    </a:p>
+                  </a:txBody>
+                  <a:tcPr marL="40164" marR="40164" marT="20082" marB="20082" anchor="ctr"/>
+                </a:tc>
+                <a:tc>
+                  <a:txBody>
+                    <a:bodyPr/>
+                    <a:lstStyle/>
+                    <a:p>
+                      <a:r>
+                        <a:rPr lang="is-IS" sz="1000"/>
+                        <a:t>13</a:t>
+                      </a:r>
+                    </a:p>
+                  </a:txBody>
+                  <a:tcPr marL="40164" marR="40164" marT="20082" marB="20082" anchor="ctr"/>
+                </a:tc>
+                <a:tc>
+                  <a:txBody>
+                    <a:bodyPr/>
+                    <a:lstStyle/>
+                    <a:p>
+                      <a:r>
+                        <a:rPr lang="en-US" sz="1000"/>
+                        <a:t>“javascript”</a:t>
+                      </a:r>
+                    </a:p>
+                  </a:txBody>
+                  <a:tcPr marL="40164" marR="40164" marT="20082" marB="20082" anchor="ctr"/>
+                </a:tc>
+                <a:tc>
+                  <a:txBody>
+                    <a:bodyPr/>
+                    <a:lstStyle/>
+                    <a:p>
+                      <a:r>
+                        <a:rPr lang="sk-SK" sz="1000"/>
+                        <a:t> </a:t>
+                      </a:r>
+                    </a:p>
+                  </a:txBody>
+                  <a:tcPr marL="40164" marR="40164" marT="20082" marB="20082" anchor="ctr"/>
+                </a:tc>
+              </a:tr>
+              <a:tr h="160655">
+                <a:tc>
+                  <a:txBody>
+                    <a:bodyPr/>
+                    <a:lstStyle/>
+                    <a:p>
+                      <a:r>
+                        <a:rPr lang="en-US" sz="1000"/>
+                        <a:t>Symbol</a:t>
+                      </a:r>
+                    </a:p>
+                  </a:txBody>
+                  <a:tcPr marL="40164" marR="40164" marT="20082" marB="20082" anchor="ctr"/>
+                </a:tc>
+                <a:tc>
+                  <a:txBody>
+                    <a:bodyPr/>
+                    <a:lstStyle/>
+                    <a:p>
+                      <a:r>
+                        <a:rPr lang="en-US" sz="1000"/>
+                        <a:t>14</a:t>
+                      </a:r>
+                    </a:p>
+                  </a:txBody>
+                  <a:tcPr marL="40164" marR="40164" marT="20082" marB="20082" anchor="ctr"/>
+                </a:tc>
+                <a:tc>
+                  <a:txBody>
+                    <a:bodyPr/>
+                    <a:lstStyle/>
+                    <a:p>
+                      <a:r>
+                        <a:rPr lang="en-US" sz="1000"/>
+                        <a:t>“symbol”</a:t>
+                      </a:r>
+                    </a:p>
+                  </a:txBody>
+                  <a:tcPr marL="40164" marR="40164" marT="20082" marB="20082" anchor="ctr"/>
+                </a:tc>
+                <a:tc>
+                  <a:txBody>
+                    <a:bodyPr/>
+                    <a:lstStyle/>
+                    <a:p>
+                      <a:r>
+                        <a:rPr lang="sk-SK" sz="1000"/>
+                        <a:t> </a:t>
+                      </a:r>
+                    </a:p>
+                  </a:txBody>
+                  <a:tcPr marL="40164" marR="40164" marT="20082" marB="20082" anchor="ctr"/>
+                </a:tc>
+              </a:tr>
+              <a:tr h="281146">
+                <a:tc>
+                  <a:txBody>
+                    <a:bodyPr/>
+                    <a:lstStyle/>
+                    <a:p>
+                      <a:r>
+                        <a:rPr lang="en-US" sz="1000"/>
+                        <a:t>JavaScript (with scope)</a:t>
+                      </a:r>
+                    </a:p>
+                  </a:txBody>
+                  <a:tcPr marL="40164" marR="40164" marT="20082" marB="20082" anchor="ctr"/>
+                </a:tc>
+                <a:tc>
+                  <a:txBody>
+                    <a:bodyPr/>
+                    <a:lstStyle/>
+                    <a:p>
+                      <a:r>
+                        <a:rPr lang="en-US" sz="1000"/>
+                        <a:t>15</a:t>
+                      </a:r>
+                    </a:p>
+                  </a:txBody>
+                  <a:tcPr marL="40164" marR="40164" marT="20082" marB="20082" anchor="ctr"/>
+                </a:tc>
+                <a:tc>
+                  <a:txBody>
+                    <a:bodyPr/>
+                    <a:lstStyle/>
+                    <a:p>
+                      <a:r>
+                        <a:rPr lang="en-US" sz="1000"/>
+                        <a:t>“javascriptWithScope”</a:t>
+                      </a:r>
+                    </a:p>
+                  </a:txBody>
+                  <a:tcPr marL="40164" marR="40164" marT="20082" marB="20082" anchor="ctr"/>
+                </a:tc>
+                <a:tc>
+                  <a:txBody>
+                    <a:bodyPr/>
+                    <a:lstStyle/>
+                    <a:p>
+                      <a:r>
+                        <a:rPr lang="sk-SK" sz="1000"/>
+                        <a:t> </a:t>
+                      </a:r>
+                    </a:p>
+                  </a:txBody>
+                  <a:tcPr marL="40164" marR="40164" marT="20082" marB="20082" anchor="ctr"/>
+                </a:tc>
+              </a:tr>
+              <a:tr h="160655">
+                <a:tc>
+                  <a:txBody>
+                    <a:bodyPr/>
+                    <a:lstStyle/>
+                    <a:p>
+                      <a:r>
+                        <a:rPr lang="en-US" sz="1000"/>
+                        <a:t>32-bit integer</a:t>
+                      </a:r>
+                    </a:p>
+                  </a:txBody>
+                  <a:tcPr marL="40164" marR="40164" marT="20082" marB="20082" anchor="ctr"/>
+                </a:tc>
+                <a:tc>
+                  <a:txBody>
+                    <a:bodyPr/>
+                    <a:lstStyle/>
+                    <a:p>
+                      <a:r>
+                        <a:rPr lang="en-US" sz="1000"/>
+                        <a:t>16</a:t>
+                      </a:r>
+                    </a:p>
+                  </a:txBody>
+                  <a:tcPr marL="40164" marR="40164" marT="20082" marB="20082" anchor="ctr"/>
+                </a:tc>
+                <a:tc>
+                  <a:txBody>
+                    <a:bodyPr/>
+                    <a:lstStyle/>
+                    <a:p>
+                      <a:r>
+                        <a:rPr lang="pt-BR" sz="1000"/>
+                        <a:t>“int”</a:t>
+                      </a:r>
+                    </a:p>
+                  </a:txBody>
+                  <a:tcPr marL="40164" marR="40164" marT="20082" marB="20082" anchor="ctr"/>
+                </a:tc>
+                <a:tc>
+                  <a:txBody>
+                    <a:bodyPr/>
+                    <a:lstStyle/>
+                    <a:p>
+                      <a:r>
+                        <a:rPr lang="sk-SK" sz="1000"/>
+                        <a:t> </a:t>
+                      </a:r>
+                    </a:p>
+                  </a:txBody>
+                  <a:tcPr marL="40164" marR="40164" marT="20082" marB="20082" anchor="ctr"/>
+                </a:tc>
+              </a:tr>
+              <a:tr h="160655">
+                <a:tc>
+                  <a:txBody>
+                    <a:bodyPr/>
+                    <a:lstStyle/>
+                    <a:p>
+                      <a:r>
+                        <a:rPr lang="en-US" sz="1000"/>
+                        <a:t>Timestamp</a:t>
+                      </a:r>
+                    </a:p>
+                  </a:txBody>
+                  <a:tcPr marL="40164" marR="40164" marT="20082" marB="20082" anchor="ctr"/>
+                </a:tc>
+                <a:tc>
+                  <a:txBody>
+                    <a:bodyPr/>
+                    <a:lstStyle/>
+                    <a:p>
+                      <a:r>
+                        <a:rPr lang="en-US" sz="1000"/>
+                        <a:t>17</a:t>
+                      </a:r>
+                    </a:p>
+                  </a:txBody>
+                  <a:tcPr marL="40164" marR="40164" marT="20082" marB="20082" anchor="ctr"/>
+                </a:tc>
+                <a:tc>
+                  <a:txBody>
+                    <a:bodyPr/>
+                    <a:lstStyle/>
+                    <a:p>
+                      <a:r>
+                        <a:rPr lang="en-US" sz="1000"/>
+                        <a:t>“timestamp”</a:t>
+                      </a:r>
+                    </a:p>
+                  </a:txBody>
+                  <a:tcPr marL="40164" marR="40164" marT="20082" marB="20082" anchor="ctr"/>
+                </a:tc>
+                <a:tc>
+                  <a:txBody>
+                    <a:bodyPr/>
+                    <a:lstStyle/>
+                    <a:p>
+                      <a:r>
+                        <a:rPr lang="sk-SK" sz="1000"/>
+                        <a:t> </a:t>
+                      </a:r>
+                    </a:p>
+                  </a:txBody>
+                  <a:tcPr marL="40164" marR="40164" marT="20082" marB="20082" anchor="ctr"/>
+                </a:tc>
+              </a:tr>
+              <a:tr h="160655">
+                <a:tc>
+                  <a:txBody>
+                    <a:bodyPr/>
+                    <a:lstStyle/>
+                    <a:p>
+                      <a:r>
+                        <a:rPr lang="en-US" sz="1000"/>
+                        <a:t>64-bit integer</a:t>
+                      </a:r>
+                    </a:p>
+                  </a:txBody>
+                  <a:tcPr marL="40164" marR="40164" marT="20082" marB="20082" anchor="ctr"/>
+                </a:tc>
+                <a:tc>
+                  <a:txBody>
+                    <a:bodyPr/>
+                    <a:lstStyle/>
+                    <a:p>
+                      <a:r>
+                        <a:rPr lang="fi-FI" sz="1000"/>
+                        <a:t>18</a:t>
+                      </a:r>
+                    </a:p>
+                  </a:txBody>
+                  <a:tcPr marL="40164" marR="40164" marT="20082" marB="20082" anchor="ctr"/>
+                </a:tc>
+                <a:tc>
+                  <a:txBody>
+                    <a:bodyPr/>
+                    <a:lstStyle/>
+                    <a:p>
+                      <a:r>
+                        <a:rPr lang="en-US" sz="1000"/>
+                        <a:t>“long”</a:t>
+                      </a:r>
+                    </a:p>
+                  </a:txBody>
+                  <a:tcPr marL="40164" marR="40164" marT="20082" marB="20082" anchor="ctr"/>
+                </a:tc>
+                <a:tc>
+                  <a:txBody>
+                    <a:bodyPr/>
+                    <a:lstStyle/>
+                    <a:p>
+                      <a:r>
+                        <a:rPr lang="sk-SK" sz="1000"/>
+                        <a:t> </a:t>
+                      </a:r>
+                    </a:p>
+                  </a:txBody>
+                  <a:tcPr marL="40164" marR="40164" marT="20082" marB="20082" anchor="ctr"/>
+                </a:tc>
+              </a:tr>
+              <a:tr h="160655">
+                <a:tc>
+                  <a:txBody>
+                    <a:bodyPr/>
+                    <a:lstStyle/>
+                    <a:p>
+                      <a:r>
+                        <a:rPr lang="en-US" sz="1000"/>
+                        <a:t>Min key</a:t>
+                      </a:r>
+                    </a:p>
+                  </a:txBody>
+                  <a:tcPr marL="40164" marR="40164" marT="20082" marB="20082" anchor="ctr"/>
+                </a:tc>
+                <a:tc>
+                  <a:txBody>
+                    <a:bodyPr/>
+                    <a:lstStyle/>
+                    <a:p>
+                      <a:r>
+                        <a:rPr lang="ru-RU" sz="1000"/>
+                        <a:t>-1</a:t>
+                      </a:r>
+                    </a:p>
+                  </a:txBody>
+                  <a:tcPr marL="40164" marR="40164" marT="20082" marB="20082" anchor="ctr"/>
+                </a:tc>
+                <a:tc>
+                  <a:txBody>
+                    <a:bodyPr/>
+                    <a:lstStyle/>
+                    <a:p>
+                      <a:r>
+                        <a:rPr lang="en-US" sz="1000"/>
+                        <a:t>“minKey”</a:t>
+                      </a:r>
+                    </a:p>
+                  </a:txBody>
+                  <a:tcPr marL="40164" marR="40164" marT="20082" marB="20082" anchor="ctr"/>
+                </a:tc>
+                <a:tc>
+                  <a:txBody>
+                    <a:bodyPr/>
+                    <a:lstStyle/>
+                    <a:p>
+                      <a:r>
+                        <a:rPr lang="sk-SK" sz="1000"/>
+                        <a:t> </a:t>
+                      </a:r>
+                    </a:p>
+                  </a:txBody>
+                  <a:tcPr marL="40164" marR="40164" marT="20082" marB="20082" anchor="ctr"/>
+                </a:tc>
+              </a:tr>
+              <a:tr h="160655">
+                <a:tc>
+                  <a:txBody>
+                    <a:bodyPr/>
+                    <a:lstStyle/>
+                    <a:p>
+                      <a:r>
+                        <a:rPr lang="en-US" sz="1000"/>
+                        <a:t>Max key</a:t>
+                      </a:r>
+                    </a:p>
+                  </a:txBody>
+                  <a:tcPr marL="40164" marR="40164" marT="20082" marB="20082" anchor="ctr"/>
+                </a:tc>
+                <a:tc>
+                  <a:txBody>
+                    <a:bodyPr/>
+                    <a:lstStyle/>
+                    <a:p>
+                      <a:r>
+                        <a:rPr lang="is-IS" sz="1000"/>
+                        <a:t>127</a:t>
+                      </a:r>
+                    </a:p>
+                  </a:txBody>
+                  <a:tcPr marL="40164" marR="40164" marT="20082" marB="20082" anchor="ctr"/>
+                </a:tc>
+                <a:tc>
+                  <a:txBody>
+                    <a:bodyPr/>
+                    <a:lstStyle/>
+                    <a:p>
+                      <a:r>
+                        <a:rPr lang="en-US" sz="1000"/>
+                        <a:t>“maxKey”</a:t>
+                      </a:r>
+                    </a:p>
+                  </a:txBody>
+                  <a:tcPr marL="40164" marR="40164" marT="20082" marB="20082" anchor="ctr"/>
+                </a:tc>
+                <a:tc>
+                  <a:txBody>
+                    <a:bodyPr/>
+                    <a:lstStyle/>
+                    <a:p>
+                      <a:endParaRPr lang="en-GB" sz="1000" dirty="0"/>
+                    </a:p>
+                  </a:txBody>
+                  <a:tcPr marL="40164" marR="40164" marT="20082" marB="20082"/>
+                </a:tc>
+              </a:tr>
+            </a:tbl>
+          </a:graphicData>
+        </a:graphic>
+      </p:graphicFrame>
+    </p:spTree>
+    <p:extLst>
+      <p:ext uri="{BB962C8B-B14F-4D97-AF65-F5344CB8AC3E}">
+        <p14:creationId xmlns:p14="http://schemas.microsoft.com/office/powerpoint/2010/main" val="394393051"/>
+      </p:ext>
+    </p:extLst>
+  </p:cSld>
+  <p:clrMapOvr>
+    <a:masterClrMapping/>
+  </p:clrMapOvr>
+</p:sld>
+</file>
+
+<file path=ppt/slides/slide14.xml><?xml version="1.0" encoding="utf-8"?>
+<p:sld xmlns:a="http://schemas.openxmlformats.org/drawingml/2006/main" xmlns:r="http://schemas.openxmlformats.org/officeDocument/2006/relationships" xmlns:p="http://schemas.openxmlformats.org/presentationml/2006/main">
+  <p:cSld>
+    <p:spTree>
+      <p:nvGrpSpPr>
+        <p:cNvPr id="1" name=""/>
+        <p:cNvGrpSpPr/>
+        <p:nvPr/>
+      </p:nvGrpSpPr>
+      <p:grpSpPr>
+        <a:xfrm>
+          <a:off x="0" y="0"/>
+          <a:ext cx="0" cy="0"/>
+          <a:chOff x="0" y="0"/>
+          <a:chExt cx="0" cy="0"/>
+        </a:xfrm>
+      </p:grpSpPr>
+      <p:sp>
+        <p:nvSpPr>
+          <p:cNvPr id="2" name="Title 1"/>
+          <p:cNvSpPr>
+            <a:spLocks noGrp="1"/>
+          </p:cNvSpPr>
+          <p:nvPr>
+            <p:ph type="title"/>
+          </p:nvPr>
+        </p:nvSpPr>
+        <p:spPr/>
+        <p:txBody>
+          <a:bodyPr/>
+          <a:lstStyle/>
+          <a:p>
+            <a:r>
+              <a:rPr lang="en-GB" dirty="0" smtClean="0"/>
+              <a:t>Exercises</a:t>
+            </a:r>
+            <a:endParaRPr lang="en-GB" dirty="0"/>
+          </a:p>
+        </p:txBody>
+      </p:sp>
+      <p:sp>
+        <p:nvSpPr>
+          <p:cNvPr id="3" name="Content Placeholder 2"/>
+          <p:cNvSpPr>
+            <a:spLocks noGrp="1"/>
+          </p:cNvSpPr>
+          <p:nvPr>
+            <p:ph idx="1"/>
+          </p:nvPr>
+        </p:nvSpPr>
+        <p:spPr/>
+        <p:txBody>
+          <a:bodyPr/>
+          <a:lstStyle/>
+          <a:p>
+            <a:r>
+              <a:rPr lang="en-GB" dirty="0" smtClean="0"/>
+              <a:t>Using the </a:t>
+            </a:r>
+            <a:r>
+              <a:rPr lang="en-GB" dirty="0" err="1" smtClean="0"/>
+              <a:t>school.students</a:t>
+            </a:r>
+            <a:r>
+              <a:rPr lang="en-GB" dirty="0" smtClean="0"/>
+              <a:t> collection:</a:t>
+            </a:r>
+          </a:p>
+          <a:p>
+            <a:pPr lvl="1"/>
+            <a:r>
+              <a:rPr lang="en-GB" dirty="0" smtClean="0"/>
+              <a:t>Find and print the names and scores of the students with homework scores between 0 and 30</a:t>
+            </a:r>
+          </a:p>
+          <a:p>
+            <a:pPr lvl="1"/>
+            <a:r>
+              <a:rPr lang="en-GB" dirty="0" smtClean="0"/>
+              <a:t>Find and print the names of the students whose name begins with “M”</a:t>
+            </a:r>
+          </a:p>
+          <a:p>
+            <a:pPr lvl="1"/>
+            <a:r>
+              <a:rPr lang="en-GB" dirty="0" smtClean="0"/>
+              <a:t>Find and print the </a:t>
+            </a:r>
+            <a:r>
+              <a:rPr lang="en-GB" dirty="0" smtClean="0"/>
+              <a:t>_id </a:t>
+            </a:r>
+            <a:r>
+              <a:rPr lang="en-GB" dirty="0" smtClean="0"/>
+              <a:t>of the students who don’t have </a:t>
+            </a:r>
+            <a:r>
+              <a:rPr lang="en-GB" dirty="0" smtClean="0"/>
+              <a:t>a name (hint: there are 2 alternatives, either the name doesn’t exist or it’s null) </a:t>
+            </a:r>
+            <a:endParaRPr lang="en-GB" dirty="0"/>
+          </a:p>
+        </p:txBody>
+      </p:sp>
+    </p:spTree>
+    <p:extLst>
+      <p:ext uri="{BB962C8B-B14F-4D97-AF65-F5344CB8AC3E}">
+        <p14:creationId xmlns:p14="http://schemas.microsoft.com/office/powerpoint/2010/main" val="1393091457"/>
       </p:ext>
     </p:extLst>
   </p:cSld>
@@ -5465,7 +11250,11 @@
           <a:p>
             <a:r>
               <a:rPr lang="en-US" dirty="0" smtClean="0"/>
-              <a:t>Databases supported</a:t>
+              <a:t>MONGO DB in a </a:t>
+            </a:r>
+            <a:r>
+              <a:rPr lang="en-US" dirty="0" err="1" smtClean="0"/>
+              <a:t>nutschell</a:t>
             </a:r>
             <a:endParaRPr lang="en-US" dirty="0"/>
           </a:p>
@@ -5481,369 +11270,76 @@
             <p:ph idx="1"/>
           </p:nvPr>
         </p:nvSpPr>
-        <p:spPr>
-          <a:xfrm>
-            <a:off x="684212" y="685800"/>
-            <a:ext cx="9944204" cy="3615267"/>
-          </a:xfrm>
-        </p:spPr>
+        <p:spPr/>
         <p:txBody>
-          <a:bodyPr numCol="3">
-            <a:normAutofit fontScale="92500" lnSpcReduction="10000"/>
-          </a:bodyPr>
+          <a:bodyPr/>
           <a:lstStyle/>
           <a:p>
             <a:r>
               <a:rPr lang="en-US" dirty="0" smtClean="0"/>
-              <a:t>Python supports </a:t>
-            </a:r>
+              <a:t>Document-oriented non-SQL database</a:t>
+            </a:r>
+          </a:p>
+          <a:p>
+            <a:r>
+              <a:rPr lang="en-US" dirty="0" err="1" smtClean="0"/>
+              <a:t>HuMONGOus</a:t>
+            </a:r>
+            <a:endParaRPr lang="en-US" dirty="0" smtClean="0"/>
+          </a:p>
+          <a:p>
+            <a:r>
+              <a:rPr lang="en-US" dirty="0" smtClean="0"/>
+              <a:t>Favors the use of BSON documents over relational tables </a:t>
+            </a:r>
+          </a:p>
+          <a:p>
+            <a:r>
+              <a:rPr lang="en-US" dirty="0" smtClean="0"/>
+              <a:t>Trade-offs from relational DB’s:</a:t>
+            </a:r>
+          </a:p>
+          <a:p>
+            <a:pPr lvl="1"/>
+            <a:r>
+              <a:rPr lang="en-US" dirty="0" smtClean="0"/>
+              <a:t>Data not normalized</a:t>
+            </a:r>
+          </a:p>
+          <a:p>
+            <a:pPr lvl="1"/>
             <a:r>
               <a:rPr lang="en-US" dirty="0"/>
-              <a:t>built-in sqlite3 (</a:t>
-            </a:r>
-            <a:r>
-              <a:rPr lang="en-US" dirty="0">
-                <a:hlinkClick r:id="rId2"/>
-              </a:rPr>
-              <a:t>https://www.sqlite.org</a:t>
-            </a:r>
-            <a:r>
-              <a:rPr lang="en-US" dirty="0" smtClean="0">
-                <a:hlinkClick r:id="rId2"/>
-              </a:rPr>
-              <a:t>/)</a:t>
-            </a:r>
-            <a:endParaRPr lang="en-US" dirty="0" smtClean="0"/>
-          </a:p>
-          <a:p>
+              <a:t>No transactions</a:t>
+            </a:r>
+          </a:p>
+          <a:p>
+            <a:pPr lvl="1"/>
             <a:r>
               <a:rPr lang="en-US" dirty="0" smtClean="0"/>
-              <a:t>The following libraries are available:</a:t>
-            </a:r>
-          </a:p>
-          <a:p>
-            <a:pPr lvl="1"/>
-            <a:r>
-              <a:rPr lang="en-US" dirty="0" smtClean="0">
-                <a:hlinkClick r:id="rId3"/>
-              </a:rPr>
-              <a:t>ODBC</a:t>
-            </a:r>
-            <a:r>
-              <a:rPr lang="en-US" dirty="0" smtClean="0"/>
-              <a:t> and </a:t>
-            </a:r>
-            <a:r>
-              <a:rPr lang="en-US" dirty="0" smtClean="0">
-                <a:hlinkClick r:id="rId4"/>
-              </a:rPr>
-              <a:t>ADO</a:t>
-            </a:r>
-            <a:r>
-              <a:rPr lang="en-US" dirty="0" smtClean="0"/>
-              <a:t> generic connectivity</a:t>
-            </a:r>
-          </a:p>
-          <a:p>
-            <a:pPr lvl="1"/>
-            <a:r>
-              <a:rPr lang="en-US" dirty="0" smtClean="0">
-                <a:hlinkClick r:id="rId5"/>
-              </a:rPr>
-              <a:t>DB2</a:t>
-            </a:r>
-            <a:endParaRPr lang="en-US" dirty="0" smtClean="0"/>
-          </a:p>
-          <a:p>
-            <a:pPr lvl="1"/>
-            <a:r>
-              <a:rPr lang="en-US" dirty="0" smtClean="0">
-                <a:hlinkClick r:id="rId6"/>
-              </a:rPr>
-              <a:t>Firebird </a:t>
-            </a:r>
-            <a:r>
-              <a:rPr lang="en-US" dirty="0" smtClean="0"/>
-              <a:t>and </a:t>
-            </a:r>
-            <a:r>
-              <a:rPr lang="en-US" dirty="0" err="1" smtClean="0"/>
-              <a:t>Interbase</a:t>
-            </a:r>
-            <a:endParaRPr lang="en-US" dirty="0" smtClean="0"/>
-          </a:p>
-          <a:p>
-            <a:pPr lvl="1"/>
-            <a:r>
-              <a:rPr lang="en-US" dirty="0" smtClean="0">
-                <a:hlinkClick r:id="rId7"/>
-              </a:rPr>
-              <a:t>Informix</a:t>
-            </a:r>
-            <a:endParaRPr lang="en-US" dirty="0" smtClean="0"/>
-          </a:p>
-          <a:p>
-            <a:pPr lvl="1"/>
-            <a:r>
-              <a:rPr lang="en-US" dirty="0" smtClean="0">
-                <a:hlinkClick r:id="rId8"/>
-              </a:rPr>
-              <a:t>Ingres</a:t>
-            </a:r>
-            <a:endParaRPr lang="en-US" dirty="0" smtClean="0"/>
-          </a:p>
-          <a:p>
-            <a:pPr lvl="1"/>
-            <a:r>
-              <a:rPr lang="en-US" dirty="0" smtClean="0">
-                <a:hlinkClick r:id="rId9"/>
-              </a:rPr>
-              <a:t>MySQL</a:t>
-            </a:r>
-            <a:endParaRPr lang="en-US" dirty="0" smtClean="0"/>
-          </a:p>
-          <a:p>
-            <a:pPr lvl="1"/>
-            <a:r>
-              <a:rPr lang="en-US" dirty="0" smtClean="0">
-                <a:hlinkClick r:id="rId10"/>
-              </a:rPr>
-              <a:t>Oracle</a:t>
-            </a:r>
-            <a:endParaRPr lang="en-US" dirty="0" smtClean="0"/>
-          </a:p>
-          <a:p>
-            <a:pPr lvl="1"/>
-            <a:r>
-              <a:rPr lang="en-US" dirty="0" smtClean="0">
-                <a:hlinkClick r:id="rId11"/>
-              </a:rPr>
-              <a:t>PostgreSQL</a:t>
-            </a:r>
-            <a:endParaRPr lang="en-US" dirty="0" smtClean="0"/>
-          </a:p>
-          <a:p>
-            <a:pPr lvl="1"/>
-            <a:r>
-              <a:rPr lang="en-US" dirty="0" smtClean="0">
-                <a:hlinkClick r:id="rId12"/>
-              </a:rPr>
-              <a:t>SAP DB </a:t>
-            </a:r>
-            <a:r>
-              <a:rPr lang="en-US" dirty="0" smtClean="0"/>
-              <a:t>(</a:t>
-            </a:r>
-            <a:r>
-              <a:rPr lang="en-US" dirty="0" err="1" smtClean="0"/>
-              <a:t>MaxDB</a:t>
-            </a:r>
-            <a:r>
-              <a:rPr lang="en-US" dirty="0" smtClean="0"/>
-              <a:t>)</a:t>
-            </a:r>
-          </a:p>
-          <a:p>
-            <a:pPr lvl="1"/>
-            <a:r>
-              <a:rPr lang="en-US" dirty="0" smtClean="0">
-                <a:hlinkClick r:id="rId13"/>
-              </a:rPr>
-              <a:t>Microsoft SQL Server</a:t>
-            </a:r>
-            <a:endParaRPr lang="en-US" dirty="0" smtClean="0"/>
-          </a:p>
-          <a:p>
-            <a:pPr lvl="1"/>
-            <a:r>
-              <a:rPr lang="en-US" dirty="0" smtClean="0">
-                <a:hlinkClick r:id="rId14"/>
-              </a:rPr>
-              <a:t>Microsoft Access</a:t>
-            </a:r>
-            <a:endParaRPr lang="en-US" dirty="0" smtClean="0"/>
-          </a:p>
-          <a:p>
-            <a:pPr lvl="1"/>
-            <a:r>
-              <a:rPr lang="en-US" dirty="0" smtClean="0">
-                <a:hlinkClick r:id="rId15"/>
-              </a:rPr>
-              <a:t>Sybase</a:t>
-            </a:r>
-            <a:endParaRPr lang="en-US" dirty="0" smtClean="0"/>
-          </a:p>
-          <a:p>
-            <a:pPr lvl="1"/>
-            <a:r>
-              <a:rPr lang="en-US" dirty="0" smtClean="0"/>
-              <a:t>Teradata</a:t>
-            </a:r>
-          </a:p>
-          <a:p>
-            <a:pPr lvl="1"/>
-            <a:r>
-              <a:rPr lang="en-US" dirty="0" smtClean="0"/>
-              <a:t>IBM </a:t>
-            </a:r>
-            <a:r>
-              <a:rPr lang="en-US" dirty="0" err="1" smtClean="0"/>
-              <a:t>Netezza</a:t>
-            </a:r>
-            <a:endParaRPr lang="en-US" dirty="0" smtClean="0"/>
-          </a:p>
-          <a:p>
-            <a:pPr lvl="1"/>
-            <a:r>
-              <a:rPr lang="en-US" dirty="0" err="1" smtClean="0">
-                <a:hlinkClick r:id="rId16"/>
-              </a:rPr>
-              <a:t>ThinkSQL</a:t>
-            </a:r>
-            <a:endParaRPr lang="en-US" dirty="0" smtClean="0"/>
-          </a:p>
-          <a:p>
-            <a:pPr lvl="1"/>
-            <a:r>
-              <a:rPr lang="en-US" dirty="0" err="1" smtClean="0">
-                <a:hlinkClick r:id="rId17"/>
-              </a:rPr>
-              <a:t>Asql</a:t>
-            </a:r>
-            <a:endParaRPr lang="en-US" dirty="0" smtClean="0"/>
-          </a:p>
-          <a:p>
-            <a:pPr lvl="1"/>
-            <a:r>
-              <a:rPr lang="en-US" dirty="0" err="1" smtClean="0">
-                <a:hlinkClick r:id="rId18"/>
-              </a:rPr>
-              <a:t>Metakit</a:t>
-            </a:r>
-            <a:endParaRPr lang="en-US" dirty="0" smtClean="0"/>
-          </a:p>
-          <a:p>
-            <a:pPr lvl="1"/>
-            <a:r>
-              <a:rPr lang="en-US" dirty="0" smtClean="0">
-                <a:hlinkClick r:id="rId19"/>
-              </a:rPr>
-              <a:t>ZODB</a:t>
-            </a:r>
-            <a:endParaRPr lang="en-US" dirty="0" smtClean="0"/>
-          </a:p>
-          <a:p>
-            <a:pPr lvl="1"/>
-            <a:r>
-              <a:rPr lang="en-US" dirty="0" err="1" smtClean="0">
-                <a:hlinkClick r:id="rId20"/>
-              </a:rPr>
-              <a:t>BerkeleyDB</a:t>
-            </a:r>
-            <a:endParaRPr lang="en-US" dirty="0" smtClean="0"/>
-          </a:p>
-          <a:p>
-            <a:pPr lvl="1"/>
-            <a:r>
-              <a:rPr lang="en-US" dirty="0" err="1" smtClean="0">
-                <a:hlinkClick r:id="rId21"/>
-              </a:rPr>
-              <a:t>KirbyBase</a:t>
-            </a:r>
-            <a:endParaRPr lang="en-US" dirty="0" smtClean="0"/>
-          </a:p>
-          <a:p>
-            <a:pPr lvl="1"/>
-            <a:r>
-              <a:rPr lang="en-US" dirty="0" err="1" smtClean="0">
-                <a:hlinkClick r:id="rId22"/>
-              </a:rPr>
-              <a:t>Dorus</a:t>
-            </a:r>
-            <a:endParaRPr lang="en-US" dirty="0" smtClean="0"/>
-          </a:p>
-          <a:p>
-            <a:pPr lvl="1"/>
-            <a:r>
-              <a:rPr lang="en-US" dirty="0" err="1" smtClean="0">
-                <a:hlinkClick r:id="rId23"/>
-              </a:rPr>
-              <a:t>Buzhug</a:t>
-            </a:r>
-            <a:endParaRPr lang="en-US" dirty="0" smtClean="0"/>
-          </a:p>
-          <a:p>
-            <a:pPr lvl="1"/>
-            <a:r>
-              <a:rPr lang="en-US" dirty="0" err="1" smtClean="0">
-                <a:hlinkClick r:id="rId24"/>
-              </a:rPr>
-              <a:t>SnakeSQL</a:t>
+              <a:t>No FK constraints</a:t>
             </a:r>
             <a:endParaRPr lang="en-US" dirty="0"/>
-          </a:p>
-        </p:txBody>
-      </p:sp>
-      <p:sp>
-        <p:nvSpPr>
-          <p:cNvPr id="4" name="TextBox 3"/>
-          <p:cNvSpPr txBox="1"/>
-          <p:nvPr/>
-        </p:nvSpPr>
-        <p:spPr>
-          <a:xfrm>
-            <a:off x="7700103" y="6507678"/>
-            <a:ext cx="4373313" cy="246221"/>
-          </a:xfrm>
-          <a:prstGeom prst="rect">
-            <a:avLst/>
-          </a:prstGeom>
-          <a:noFill/>
-        </p:spPr>
-        <p:txBody>
-          <a:bodyPr wrap="none" rtlCol="0">
-            <a:spAutoFit/>
-          </a:bodyPr>
-          <a:lstStyle/>
-          <a:p>
-            <a:r>
-              <a:rPr lang="en-US" sz="1000" dirty="0" smtClean="0"/>
-              <a:t>More information: https://</a:t>
-            </a:r>
-            <a:r>
-              <a:rPr lang="en-US" sz="1000" dirty="0" err="1" smtClean="0"/>
-              <a:t>wiki.python.org</a:t>
-            </a:r>
-            <a:r>
-              <a:rPr lang="en-US" sz="1000" dirty="0" smtClean="0"/>
-              <a:t>/</a:t>
-            </a:r>
-            <a:r>
-              <a:rPr lang="en-US" sz="1000" dirty="0" err="1" smtClean="0"/>
-              <a:t>moin</a:t>
-            </a:r>
-            <a:r>
-              <a:rPr lang="en-US" sz="1000" dirty="0" smtClean="0"/>
-              <a:t>/</a:t>
-            </a:r>
-            <a:r>
-              <a:rPr lang="en-US" sz="1000" dirty="0" err="1" smtClean="0"/>
-              <a:t>DatabaseInterfaces</a:t>
-            </a:r>
-            <a:endParaRPr lang="en-US" sz="1000" dirty="0"/>
           </a:p>
         </p:txBody>
       </p:sp>
     </p:spTree>
     <p:extLst>
       <p:ext uri="{BB962C8B-B14F-4D97-AF65-F5344CB8AC3E}">
-        <p14:creationId xmlns:p14="http://schemas.microsoft.com/office/powerpoint/2010/main" val="59516797"/>
+        <p14:creationId xmlns:p14="http://schemas.microsoft.com/office/powerpoint/2010/main" val="2061064947"/>
       </p:ext>
     </p:extLst>
   </p:cSld>
   <p:clrMapOvr>
     <a:masterClrMapping/>
   </p:clrMapOvr>
+  <p:timing>
+    <p:tnLst>
+      <p:par>
+        <p:cTn id="1" dur="indefinite" restart="never" nodeType="tmRoot"/>
+      </p:par>
+    </p:tnLst>
+  </p:timing>
 </p:sld>
 </file>
 
@@ -5880,150 +11376,38 @@
           <a:lstStyle/>
           <a:p>
             <a:r>
-              <a:rPr lang="en-US" dirty="0" smtClean="0"/>
-              <a:t>SQLite3</a:t>
-            </a:r>
-            <a:endParaRPr lang="en-US" dirty="0"/>
+              <a:rPr lang="en-GB" dirty="0" smtClean="0"/>
+              <a:t>Storage hierarchy</a:t>
+            </a:r>
+            <a:endParaRPr lang="en-GB" dirty="0"/>
           </a:p>
         </p:txBody>
       </p:sp>
-      <p:sp>
-        <p:nvSpPr>
+      <p:graphicFrame>
+        <p:nvGraphicFramePr>
           <p:cNvPr id="4" name="Content Placeholder 3"/>
-          <p:cNvSpPr>
-            <a:spLocks noGrp="1"/>
-          </p:cNvSpPr>
+          <p:cNvGraphicFramePr>
+            <a:graphicFrameLocks noGrp="1"/>
+          </p:cNvGraphicFramePr>
           <p:nvPr>
             <p:ph sz="half" idx="1"/>
+            <p:extLst>
+              <p:ext uri="{D42A27DB-BD31-4B8C-83A1-F6EECF244321}">
+                <p14:modId xmlns:p14="http://schemas.microsoft.com/office/powerpoint/2010/main" val="943168877"/>
+              </p:ext>
+            </p:extLst>
           </p:nvPr>
-        </p:nvSpPr>
-        <p:spPr/>
-        <p:txBody>
-          <a:bodyPr>
-            <a:normAutofit lnSpcReduction="10000"/>
-          </a:bodyPr>
-          <a:lstStyle/>
-          <a:p>
-            <a:pPr marL="0" indent="0">
-              <a:buNone/>
-            </a:pPr>
-            <a:r>
-              <a:rPr lang="en-US" b="1" dirty="0"/>
-              <a:t>import </a:t>
-            </a:r>
-            <a:r>
-              <a:rPr lang="en-US" dirty="0"/>
-              <a:t>sqlite3</a:t>
-            </a:r>
-            <a:br>
-              <a:rPr lang="en-US" dirty="0"/>
-            </a:br>
-            <a:r>
-              <a:rPr lang="en-US" dirty="0"/>
-              <a:t/>
-            </a:r>
-            <a:br>
-              <a:rPr lang="en-US" dirty="0"/>
-            </a:br>
-            <a:r>
-              <a:rPr lang="en-US" dirty="0"/>
-              <a:t>conn = sqlite3.connect(</a:t>
-            </a:r>
-            <a:r>
-              <a:rPr lang="en-US" dirty="0"/>
-              <a:t>"dbfile.sqlite3"</a:t>
-            </a:r>
-            <a:r>
-              <a:rPr lang="en-US" dirty="0"/>
-              <a:t>)</a:t>
-            </a:r>
-            <a:br>
-              <a:rPr lang="en-US" dirty="0"/>
-            </a:br>
-            <a:r>
-              <a:rPr lang="en-US" dirty="0"/>
-              <a:t>cursor = </a:t>
-            </a:r>
-            <a:r>
-              <a:rPr lang="en-US" dirty="0" err="1"/>
-              <a:t>conn.cursor</a:t>
-            </a:r>
-            <a:r>
-              <a:rPr lang="en-US" dirty="0"/>
-              <a:t>()</a:t>
-            </a:r>
-            <a:br>
-              <a:rPr lang="en-US" dirty="0"/>
-            </a:br>
-            <a:r>
-              <a:rPr lang="en-US" dirty="0"/>
-              <a:t/>
-            </a:r>
-            <a:br>
-              <a:rPr lang="en-US" dirty="0"/>
-            </a:br>
-            <a:r>
-              <a:rPr lang="en-US" dirty="0" err="1"/>
-              <a:t>sqlstmt</a:t>
-            </a:r>
-            <a:r>
-              <a:rPr lang="en-US" dirty="0"/>
-              <a:t> = </a:t>
-            </a:r>
-            <a:r>
-              <a:rPr lang="en-US" dirty="0"/>
-              <a:t>"Some SQL Statement"</a:t>
-            </a:r>
-            <a:br>
-              <a:rPr lang="en-US" dirty="0"/>
-            </a:br>
-            <a:r>
-              <a:rPr lang="en-US" dirty="0" err="1"/>
-              <a:t>cursor.execute</a:t>
-            </a:r>
-            <a:r>
-              <a:rPr lang="en-US" dirty="0"/>
-              <a:t>(</a:t>
-            </a:r>
-            <a:r>
-              <a:rPr lang="en-US" dirty="0" err="1"/>
-              <a:t>sqlstmt</a:t>
-            </a:r>
-            <a:r>
-              <a:rPr lang="en-US" dirty="0" smtClean="0"/>
-              <a:t>)</a:t>
-            </a:r>
-          </a:p>
-          <a:p>
-            <a:pPr marL="0" indent="0">
-              <a:buNone/>
-            </a:pPr>
-            <a:r>
-              <a:rPr lang="en-US" dirty="0" err="1" smtClean="0"/>
-              <a:t>conn.commit</a:t>
-            </a:r>
-            <a:r>
-              <a:rPr lang="en-US" dirty="0" smtClean="0"/>
-              <a:t>()</a:t>
-            </a:r>
-            <a:r>
-              <a:rPr lang="en-US" dirty="0"/>
-              <a:t/>
-            </a:r>
-            <a:br>
-              <a:rPr lang="en-US" dirty="0"/>
-            </a:br>
-            <a:r>
-              <a:rPr lang="en-US" dirty="0" err="1"/>
-              <a:t>conn.close</a:t>
-            </a:r>
-            <a:r>
-              <a:rPr lang="en-US" dirty="0"/>
-              <a:t>()</a:t>
-            </a:r>
-          </a:p>
-        </p:txBody>
-      </p:sp>
+        </p:nvGraphicFramePr>
+        <p:xfrm>
+          <a:off x="684213" y="685800"/>
+          <a:ext cx="4937125" cy="3614738"/>
+        </p:xfrm>
+        <a:graphic>
+          <a:graphicData uri="http://schemas.openxmlformats.org/drawingml/2006/diagram">
+            <dgm:relIds xmlns:dgm="http://schemas.openxmlformats.org/drawingml/2006/diagram" xmlns:r="http://schemas.openxmlformats.org/officeDocument/2006/relationships" r:dm="rId2" r:lo="rId3" r:qs="rId4" r:cs="rId5"/>
+          </a:graphicData>
+        </a:graphic>
+      </p:graphicFrame>
       <p:sp>
         <p:nvSpPr>
           <p:cNvPr id="5" name="Content Placeholder 4"/>
@@ -6034,65 +11418,64 @@
             <p:ph sz="half" idx="2"/>
           </p:nvPr>
         </p:nvSpPr>
-        <p:spPr>
-          <a:xfrm>
-            <a:off x="5808133" y="1235033"/>
-            <a:ext cx="4934479" cy="3066033"/>
-          </a:xfrm>
-        </p:spPr>
+        <p:spPr/>
         <p:txBody>
-          <a:bodyPr anchor="t">
-            <a:normAutofit lnSpcReduction="10000"/>
-          </a:bodyPr>
+          <a:bodyPr/>
           <a:lstStyle/>
           <a:p>
             <a:r>
-              <a:rPr lang="en-US" dirty="0" smtClean="0"/>
-              <a:t>Import the sqlite3 module</a:t>
-            </a:r>
-          </a:p>
-          <a:p>
-            <a:r>
-              <a:rPr lang="en-US" dirty="0" smtClean="0"/>
-              <a:t>Open a connection to a database file.</a:t>
-            </a:r>
-          </a:p>
-          <a:p>
-            <a:r>
-              <a:rPr lang="en-US" dirty="0" smtClean="0"/>
-              <a:t>Create a cursor to handle the execution of statements.</a:t>
-            </a:r>
-          </a:p>
-          <a:p>
-            <a:r>
-              <a:rPr lang="en-US" dirty="0" smtClean="0"/>
-              <a:t>Execute required SQL code</a:t>
-            </a:r>
-          </a:p>
-          <a:p>
-            <a:r>
-              <a:rPr lang="en-US" dirty="0" smtClean="0"/>
-              <a:t>Commit changes to the database</a:t>
-            </a:r>
-          </a:p>
-          <a:p>
-            <a:r>
-              <a:rPr lang="en-US" dirty="0" smtClean="0"/>
-              <a:t>Close the connection</a:t>
-            </a:r>
+              <a:rPr lang="en-GB" dirty="0" smtClean="0"/>
+              <a:t>the “use” command selects the database to use</a:t>
+            </a:r>
+          </a:p>
+          <a:p>
+            <a:r>
+              <a:rPr lang="en-GB" dirty="0" smtClean="0"/>
+              <a:t>database is referenced using “</a:t>
+            </a:r>
+            <a:r>
+              <a:rPr lang="en-GB" dirty="0" err="1" smtClean="0"/>
+              <a:t>db</a:t>
+            </a:r>
+            <a:r>
+              <a:rPr lang="en-GB" dirty="0" smtClean="0"/>
+              <a:t>”</a:t>
+            </a:r>
+          </a:p>
+          <a:p>
+            <a:r>
+              <a:rPr lang="en-GB" dirty="0" smtClean="0"/>
+              <a:t>collection is referenced using “</a:t>
+            </a:r>
+            <a:r>
+              <a:rPr lang="en-GB" dirty="0" err="1" smtClean="0"/>
+              <a:t>db.collection</a:t>
+            </a:r>
+            <a:r>
+              <a:rPr lang="en-GB" dirty="0" smtClean="0"/>
+              <a:t>”</a:t>
+            </a:r>
+            <a:endParaRPr lang="en-GB" dirty="0"/>
           </a:p>
         </p:txBody>
       </p:sp>
     </p:spTree>
     <p:extLst>
       <p:ext uri="{BB962C8B-B14F-4D97-AF65-F5344CB8AC3E}">
-        <p14:creationId xmlns:p14="http://schemas.microsoft.com/office/powerpoint/2010/main" val="1785888191"/>
+        <p14:creationId xmlns:p14="http://schemas.microsoft.com/office/powerpoint/2010/main" val="297685643"/>
       </p:ext>
     </p:extLst>
   </p:cSld>
   <p:clrMapOvr>
     <a:masterClrMapping/>
   </p:clrMapOvr>
+  <p:timing>
+    <p:tnLst>
+      <p:par>
+        <p:cTn id="1" dur="indefinite" restart="never" nodeType="tmRoot"/>
+      </p:par>
+    </p:tnLst>
+  </p:timing>
 </p:sld>
 </file>
 
@@ -6115,7 +11498,7 @@
       </p:grpSpPr>
       <p:sp>
         <p:nvSpPr>
-          <p:cNvPr id="11" name="Title 10"/>
+          <p:cNvPr id="2" name="Title 1"/>
           <p:cNvSpPr>
             <a:spLocks noGrp="1"/>
           </p:cNvSpPr>
@@ -6130,7 +11513,15 @@
           <a:p>
             <a:r>
               <a:rPr lang="en-US" dirty="0" smtClean="0"/>
-              <a:t>SQLite object creation</a:t>
+              <a:t>A </a:t>
+            </a:r>
+            <a:r>
+              <a:rPr lang="en-US" dirty="0" err="1" smtClean="0"/>
+              <a:t>mongodb</a:t>
+            </a:r>
+            <a:r>
+              <a:rPr lang="en-US" dirty="0" smtClean="0"/>
+              <a:t> document</a:t>
             </a:r>
             <a:endParaRPr lang="en-US" dirty="0"/>
           </a:p>
@@ -6138,7 +11529,639 @@
       </p:sp>
       <p:sp>
         <p:nvSpPr>
-          <p:cNvPr id="6" name="Text Placeholder 5"/>
+          <p:cNvPr id="4" name="Content Placeholder 3"/>
+          <p:cNvSpPr>
+            <a:spLocks noGrp="1"/>
+          </p:cNvSpPr>
+          <p:nvPr>
+            <p:ph idx="1"/>
+          </p:nvPr>
+        </p:nvSpPr>
+        <p:spPr/>
+        <p:txBody>
+          <a:bodyPr>
+            <a:normAutofit fontScale="70000" lnSpcReduction="20000"/>
+          </a:bodyPr>
+          <a:lstStyle/>
+          <a:p>
+            <a:pPr marL="0" indent="0">
+              <a:buNone/>
+            </a:pPr>
+            <a:r>
+              <a:rPr lang="en-US" dirty="0" smtClean="0"/>
+              <a:t>{</a:t>
+            </a:r>
+          </a:p>
+          <a:p>
+            <a:pPr marL="0" indent="0">
+              <a:buNone/>
+            </a:pPr>
+            <a:r>
+              <a:rPr lang="en-US" dirty="0"/>
+              <a:t>"_id" : </a:t>
+            </a:r>
+            <a:r>
+              <a:rPr lang="en-US" dirty="0" err="1"/>
+              <a:t>ObjectId</a:t>
+            </a:r>
+            <a:r>
+              <a:rPr lang="en-US" dirty="0"/>
+              <a:t>("5498da1bf83a61f58ef6c6d5")</a:t>
+            </a:r>
+            <a:endParaRPr lang="en-US" dirty="0" smtClean="0"/>
+          </a:p>
+          <a:p>
+            <a:pPr marL="0" indent="0">
+              <a:buNone/>
+            </a:pPr>
+            <a:r>
+              <a:rPr lang="en-US" dirty="0" smtClean="0"/>
+              <a:t>“name”: “Nicolas”,</a:t>
+            </a:r>
+          </a:p>
+          <a:p>
+            <a:pPr marL="0" indent="0">
+              <a:buNone/>
+            </a:pPr>
+            <a:r>
+              <a:rPr lang="en-US" dirty="0" smtClean="0"/>
+              <a:t>“age”: 26,</a:t>
+            </a:r>
+          </a:p>
+          <a:p>
+            <a:pPr marL="0" indent="0">
+              <a:buNone/>
+            </a:pPr>
+            <a:r>
+              <a:rPr lang="en-US" dirty="0" smtClean="0"/>
+              <a:t>“</a:t>
+            </a:r>
+            <a:r>
+              <a:rPr lang="en-US" dirty="0" err="1" smtClean="0"/>
+              <a:t>date_created</a:t>
+            </a:r>
+            <a:r>
+              <a:rPr lang="en-US" dirty="0" smtClean="0"/>
+              <a:t>”: </a:t>
+            </a:r>
+            <a:r>
+              <a:rPr lang="de-DE" dirty="0" err="1"/>
+              <a:t>ISODate</a:t>
+            </a:r>
+            <a:r>
+              <a:rPr lang="de-DE" dirty="0"/>
+              <a:t>("2014-02-10T10:50:42.389Z</a:t>
+            </a:r>
+            <a:r>
+              <a:rPr lang="de-DE" dirty="0" smtClean="0"/>
+              <a:t>"),</a:t>
+            </a:r>
+          </a:p>
+          <a:p>
+            <a:pPr marL="0" indent="0">
+              <a:buNone/>
+            </a:pPr>
+            <a:r>
+              <a:rPr lang="de-DE" dirty="0" smtClean="0"/>
+              <a:t>”</a:t>
+            </a:r>
+            <a:r>
+              <a:rPr lang="de-DE" dirty="0" err="1" smtClean="0"/>
+              <a:t>hobbies</a:t>
+            </a:r>
+            <a:r>
+              <a:rPr lang="de-DE" dirty="0" smtClean="0"/>
+              <a:t>“: [“</a:t>
+            </a:r>
+            <a:r>
+              <a:rPr lang="de-DE" dirty="0" err="1" smtClean="0"/>
+              <a:t>running</a:t>
+            </a:r>
+            <a:r>
+              <a:rPr lang="de-DE" dirty="0" smtClean="0"/>
+              <a:t>“, “</a:t>
+            </a:r>
+            <a:r>
+              <a:rPr lang="de-DE" dirty="0" err="1" smtClean="0"/>
+              <a:t>swimming</a:t>
+            </a:r>
+            <a:r>
+              <a:rPr lang="de-DE" dirty="0" smtClean="0"/>
+              <a:t>“, “</a:t>
+            </a:r>
+            <a:r>
+              <a:rPr lang="de-DE" dirty="0" err="1" smtClean="0"/>
+              <a:t>horror</a:t>
+            </a:r>
+            <a:r>
+              <a:rPr lang="de-DE" dirty="0" smtClean="0"/>
+              <a:t> </a:t>
+            </a:r>
+            <a:r>
+              <a:rPr lang="de-DE" dirty="0" err="1" smtClean="0"/>
+              <a:t>films</a:t>
+            </a:r>
+            <a:r>
+              <a:rPr lang="de-DE" dirty="0" smtClean="0"/>
+              <a:t>“],</a:t>
+            </a:r>
+          </a:p>
+          <a:p>
+            <a:pPr marL="0" indent="0">
+              <a:buNone/>
+            </a:pPr>
+            <a:r>
+              <a:rPr lang="de-DE" dirty="0" smtClean="0"/>
+              <a:t>“</a:t>
+            </a:r>
+            <a:r>
+              <a:rPr lang="de-DE" dirty="0" err="1" smtClean="0"/>
+              <a:t>family</a:t>
+            </a:r>
+            <a:r>
+              <a:rPr lang="de-DE" dirty="0" smtClean="0"/>
+              <a:t>“: [</a:t>
+            </a:r>
+          </a:p>
+          <a:p>
+            <a:pPr marL="0" indent="0">
+              <a:buNone/>
+            </a:pPr>
+            <a:r>
+              <a:rPr lang="de-DE" dirty="0"/>
+              <a:t> </a:t>
+            </a:r>
+            <a:r>
+              <a:rPr lang="de-DE" dirty="0" smtClean="0"/>
+              <a:t>     {“</a:t>
+            </a:r>
+            <a:r>
+              <a:rPr lang="de-DE" dirty="0" err="1" smtClean="0"/>
+              <a:t>name</a:t>
+            </a:r>
+            <a:r>
+              <a:rPr lang="de-DE" dirty="0" smtClean="0"/>
+              <a:t>“: “Robert“,  “</a:t>
+            </a:r>
+            <a:r>
+              <a:rPr lang="de-DE" dirty="0" err="1" smtClean="0"/>
+              <a:t>relationship</a:t>
+            </a:r>
+            <a:r>
+              <a:rPr lang="de-DE" dirty="0" smtClean="0"/>
+              <a:t>“: “</a:t>
+            </a:r>
+            <a:r>
+              <a:rPr lang="de-DE" dirty="0" err="1" smtClean="0"/>
+              <a:t>father</a:t>
+            </a:r>
+            <a:r>
+              <a:rPr lang="de-DE" dirty="0" smtClean="0"/>
+              <a:t>“},</a:t>
+            </a:r>
+          </a:p>
+          <a:p>
+            <a:pPr marL="0" indent="0">
+              <a:buNone/>
+            </a:pPr>
+            <a:r>
+              <a:rPr lang="de-DE" dirty="0"/>
+              <a:t> </a:t>
+            </a:r>
+            <a:r>
+              <a:rPr lang="de-DE" dirty="0" smtClean="0"/>
+              <a:t>     </a:t>
+            </a:r>
+            <a:r>
+              <a:rPr lang="de-DE" dirty="0"/>
+              <a:t>{“</a:t>
+            </a:r>
+            <a:r>
+              <a:rPr lang="de-DE" dirty="0" err="1"/>
+              <a:t>name</a:t>
+            </a:r>
+            <a:r>
+              <a:rPr lang="de-DE" dirty="0"/>
+              <a:t>“: </a:t>
+            </a:r>
+            <a:r>
+              <a:rPr lang="de-DE" dirty="0" smtClean="0"/>
+              <a:t>“Marie“,  </a:t>
+            </a:r>
+            <a:r>
+              <a:rPr lang="de-DE" dirty="0"/>
+              <a:t>“</a:t>
+            </a:r>
+            <a:r>
+              <a:rPr lang="de-DE" dirty="0" err="1"/>
+              <a:t>relationship</a:t>
+            </a:r>
+            <a:r>
+              <a:rPr lang="de-DE" dirty="0"/>
+              <a:t>“: </a:t>
+            </a:r>
+            <a:r>
+              <a:rPr lang="de-DE" dirty="0" smtClean="0"/>
+              <a:t>“</a:t>
+            </a:r>
+            <a:r>
+              <a:rPr lang="de-DE" dirty="0" err="1" smtClean="0"/>
+              <a:t>mother</a:t>
+            </a:r>
+            <a:r>
+              <a:rPr lang="de-DE" dirty="0" smtClean="0"/>
+              <a:t>“},</a:t>
+            </a:r>
+          </a:p>
+          <a:p>
+            <a:pPr marL="0" indent="0">
+              <a:buNone/>
+            </a:pPr>
+            <a:r>
+              <a:rPr lang="de-DE" dirty="0"/>
+              <a:t> </a:t>
+            </a:r>
+            <a:r>
+              <a:rPr lang="de-DE" dirty="0" smtClean="0"/>
+              <a:t>     </a:t>
+            </a:r>
+            <a:r>
+              <a:rPr lang="de-DE" dirty="0"/>
+              <a:t>{“</a:t>
+            </a:r>
+            <a:r>
+              <a:rPr lang="de-DE" dirty="0" err="1"/>
+              <a:t>name</a:t>
+            </a:r>
+            <a:r>
+              <a:rPr lang="de-DE" dirty="0"/>
+              <a:t>“: </a:t>
+            </a:r>
+            <a:r>
+              <a:rPr lang="de-DE" dirty="0" smtClean="0"/>
+              <a:t>“Charlie“,  </a:t>
+            </a:r>
+            <a:r>
+              <a:rPr lang="de-DE" dirty="0"/>
+              <a:t>“</a:t>
+            </a:r>
+            <a:r>
+              <a:rPr lang="de-DE" dirty="0" err="1"/>
+              <a:t>relationship</a:t>
+            </a:r>
+            <a:r>
+              <a:rPr lang="de-DE" dirty="0"/>
+              <a:t>“: </a:t>
+            </a:r>
+            <a:r>
+              <a:rPr lang="de-DE" dirty="0" smtClean="0"/>
+              <a:t>“</a:t>
+            </a:r>
+            <a:r>
+              <a:rPr lang="de-DE" dirty="0" err="1" smtClean="0"/>
+              <a:t>brother</a:t>
+            </a:r>
+            <a:r>
+              <a:rPr lang="de-DE" dirty="0" smtClean="0"/>
+              <a:t>“},</a:t>
+            </a:r>
+          </a:p>
+          <a:p>
+            <a:pPr marL="0" indent="0">
+              <a:buNone/>
+            </a:pPr>
+            <a:r>
+              <a:rPr lang="de-DE" dirty="0"/>
+              <a:t> </a:t>
+            </a:r>
+            <a:r>
+              <a:rPr lang="de-DE" dirty="0" smtClean="0"/>
+              <a:t>  ]</a:t>
+            </a:r>
+          </a:p>
+          <a:p>
+            <a:pPr marL="0" indent="0">
+              <a:buNone/>
+            </a:pPr>
+            <a:r>
+              <a:rPr lang="de-DE" dirty="0"/>
+              <a:t>}</a:t>
+            </a:r>
+            <a:endParaRPr lang="en-US" dirty="0"/>
+          </a:p>
+        </p:txBody>
+      </p:sp>
+    </p:spTree>
+    <p:extLst>
+      <p:ext uri="{BB962C8B-B14F-4D97-AF65-F5344CB8AC3E}">
+        <p14:creationId xmlns:p14="http://schemas.microsoft.com/office/powerpoint/2010/main" val="1514127966"/>
+      </p:ext>
+    </p:extLst>
+  </p:cSld>
+  <p:clrMapOvr>
+    <a:masterClrMapping/>
+  </p:clrMapOvr>
+  <p:timing>
+    <p:tnLst>
+      <p:par>
+        <p:cTn id="1" dur="indefinite" restart="never" nodeType="tmRoot"/>
+      </p:par>
+    </p:tnLst>
+  </p:timing>
+</p:sld>
+</file>
+
+<file path=ppt/slides/slide5.xml><?xml version="1.0" encoding="utf-8"?>
+<p:sld xmlns:a="http://schemas.openxmlformats.org/drawingml/2006/main" xmlns:r="http://schemas.openxmlformats.org/officeDocument/2006/relationships" xmlns:p="http://schemas.openxmlformats.org/presentationml/2006/main">
+  <p:cSld>
+    <p:spTree>
+      <p:nvGrpSpPr>
+        <p:cNvPr id="1" name=""/>
+        <p:cNvGrpSpPr/>
+        <p:nvPr/>
+      </p:nvGrpSpPr>
+      <p:grpSpPr>
+        <a:xfrm>
+          <a:off x="0" y="0"/>
+          <a:ext cx="0" cy="0"/>
+          <a:chOff x="0" y="0"/>
+          <a:chExt cx="0" cy="0"/>
+        </a:xfrm>
+      </p:grpSpPr>
+      <p:sp>
+        <p:nvSpPr>
+          <p:cNvPr id="2" name="Title 1"/>
+          <p:cNvSpPr>
+            <a:spLocks noGrp="1"/>
+          </p:cNvSpPr>
+          <p:nvPr>
+            <p:ph type="title"/>
+          </p:nvPr>
+        </p:nvSpPr>
+        <p:spPr/>
+        <p:txBody>
+          <a:bodyPr/>
+          <a:lstStyle/>
+          <a:p>
+            <a:r>
+              <a:rPr lang="en-GB" dirty="0" smtClean="0"/>
+              <a:t>importing data into </a:t>
+            </a:r>
+            <a:r>
+              <a:rPr lang="en-GB" dirty="0" err="1" smtClean="0"/>
+              <a:t>mongodb</a:t>
+            </a:r>
+            <a:endParaRPr lang="en-GB" dirty="0"/>
+          </a:p>
+        </p:txBody>
+      </p:sp>
+      <p:sp>
+        <p:nvSpPr>
+          <p:cNvPr id="3" name="Content Placeholder 2"/>
+          <p:cNvSpPr>
+            <a:spLocks noGrp="1"/>
+          </p:cNvSpPr>
+          <p:nvPr>
+            <p:ph idx="1"/>
+          </p:nvPr>
+        </p:nvSpPr>
+        <p:spPr/>
+        <p:txBody>
+          <a:bodyPr/>
+          <a:lstStyle/>
+          <a:p>
+            <a:r>
+              <a:rPr lang="en-GB" b="1" dirty="0" err="1" smtClean="0"/>
+              <a:t>mongorestore</a:t>
+            </a:r>
+            <a:r>
+              <a:rPr lang="en-GB" dirty="0" smtClean="0"/>
+              <a:t>: Restore a backup of a MongoDB database into the server</a:t>
+            </a:r>
+          </a:p>
+          <a:p>
+            <a:pPr marL="0" indent="0">
+              <a:buNone/>
+            </a:pPr>
+            <a:r>
+              <a:rPr lang="en-GB" i="1" dirty="0" err="1" smtClean="0"/>
+              <a:t>mongorestore</a:t>
+            </a:r>
+            <a:r>
+              <a:rPr lang="en-GB" dirty="0" smtClean="0"/>
+              <a:t> [--drop] </a:t>
+            </a:r>
+            <a:r>
+              <a:rPr lang="en-GB" dirty="0" err="1" smtClean="0"/>
+              <a:t>dump_dir</a:t>
+            </a:r>
+            <a:endParaRPr lang="en-GB" dirty="0" smtClean="0"/>
+          </a:p>
+          <a:p>
+            <a:r>
+              <a:rPr lang="en-GB" b="1" dirty="0" err="1" smtClean="0"/>
+              <a:t>mongoimport</a:t>
+            </a:r>
+            <a:r>
+              <a:rPr lang="en-GB" dirty="0" smtClean="0"/>
+              <a:t>: Imports a source JSON file into an specific database and collection</a:t>
+            </a:r>
+          </a:p>
+          <a:p>
+            <a:pPr marL="0" indent="0">
+              <a:buNone/>
+            </a:pPr>
+            <a:r>
+              <a:rPr lang="en-GB" i="1" dirty="0" err="1" smtClean="0"/>
+              <a:t>mongoimport</a:t>
+            </a:r>
+            <a:r>
+              <a:rPr lang="en-GB" dirty="0" smtClean="0"/>
+              <a:t> [--drop] –d database –c collection </a:t>
+            </a:r>
+            <a:r>
+              <a:rPr lang="en-GB" dirty="0" err="1" smtClean="0"/>
+              <a:t>file.json</a:t>
+            </a:r>
+            <a:endParaRPr lang="en-GB" dirty="0"/>
+          </a:p>
+        </p:txBody>
+      </p:sp>
+    </p:spTree>
+    <p:extLst>
+      <p:ext uri="{BB962C8B-B14F-4D97-AF65-F5344CB8AC3E}">
+        <p14:creationId xmlns:p14="http://schemas.microsoft.com/office/powerpoint/2010/main" val="710555113"/>
+      </p:ext>
+    </p:extLst>
+  </p:cSld>
+  <p:clrMapOvr>
+    <a:masterClrMapping/>
+  </p:clrMapOvr>
+  <p:timing>
+    <p:tnLst>
+      <p:par>
+        <p:cTn id="1" dur="indefinite" restart="never" nodeType="tmRoot"/>
+      </p:par>
+    </p:tnLst>
+  </p:timing>
+</p:sld>
+</file>
+
+<file path=ppt/slides/slide6.xml><?xml version="1.0" encoding="utf-8"?>
+<p:sld xmlns:a="http://schemas.openxmlformats.org/drawingml/2006/main" xmlns:r="http://schemas.openxmlformats.org/officeDocument/2006/relationships" xmlns:p="http://schemas.openxmlformats.org/presentationml/2006/main">
+  <p:cSld>
+    <p:spTree>
+      <p:nvGrpSpPr>
+        <p:cNvPr id="1" name=""/>
+        <p:cNvGrpSpPr/>
+        <p:nvPr/>
+      </p:nvGrpSpPr>
+      <p:grpSpPr>
+        <a:xfrm>
+          <a:off x="0" y="0"/>
+          <a:ext cx="0" cy="0"/>
+          <a:chOff x="0" y="0"/>
+          <a:chExt cx="0" cy="0"/>
+        </a:xfrm>
+      </p:grpSpPr>
+      <p:sp>
+        <p:nvSpPr>
+          <p:cNvPr id="2" name="Title 1"/>
+          <p:cNvSpPr>
+            <a:spLocks noGrp="1"/>
+          </p:cNvSpPr>
+          <p:nvPr>
+            <p:ph type="title"/>
+          </p:nvPr>
+        </p:nvSpPr>
+        <p:spPr/>
+        <p:txBody>
+          <a:bodyPr/>
+          <a:lstStyle/>
+          <a:p>
+            <a:r>
+              <a:rPr lang="en-US" dirty="0" smtClean="0"/>
+              <a:t>crud operations</a:t>
+            </a:r>
+            <a:endParaRPr lang="en-US" dirty="0"/>
+          </a:p>
+        </p:txBody>
+      </p:sp>
+      <p:sp>
+        <p:nvSpPr>
+          <p:cNvPr id="3" name="Content Placeholder 2"/>
+          <p:cNvSpPr>
+            <a:spLocks noGrp="1"/>
+          </p:cNvSpPr>
+          <p:nvPr>
+            <p:ph idx="1"/>
+          </p:nvPr>
+        </p:nvSpPr>
+        <p:spPr/>
+        <p:txBody>
+          <a:bodyPr/>
+          <a:lstStyle/>
+          <a:p>
+            <a:r>
+              <a:rPr lang="en-US" b="1" dirty="0" smtClean="0"/>
+              <a:t>C</a:t>
+            </a:r>
+            <a:r>
+              <a:rPr lang="en-US" dirty="0" smtClean="0"/>
+              <a:t>reate</a:t>
+            </a:r>
+          </a:p>
+          <a:p>
+            <a:r>
+              <a:rPr lang="en-US" b="1" dirty="0"/>
+              <a:t>R</a:t>
+            </a:r>
+            <a:r>
+              <a:rPr lang="en-US" dirty="0" smtClean="0"/>
+              <a:t>ead</a:t>
+            </a:r>
+          </a:p>
+          <a:p>
+            <a:r>
+              <a:rPr lang="en-US" b="1" dirty="0"/>
+              <a:t>U</a:t>
+            </a:r>
+            <a:r>
+              <a:rPr lang="en-US" dirty="0" smtClean="0"/>
+              <a:t>pdate</a:t>
+            </a:r>
+          </a:p>
+          <a:p>
+            <a:r>
+              <a:rPr lang="en-US" b="1" dirty="0" smtClean="0"/>
+              <a:t>D</a:t>
+            </a:r>
+            <a:r>
+              <a:rPr lang="en-US" dirty="0" smtClean="0"/>
+              <a:t>elete</a:t>
+            </a:r>
+          </a:p>
+          <a:p>
+            <a:endParaRPr lang="en-US" dirty="0"/>
+          </a:p>
+        </p:txBody>
+      </p:sp>
+    </p:spTree>
+    <p:extLst>
+      <p:ext uri="{BB962C8B-B14F-4D97-AF65-F5344CB8AC3E}">
+        <p14:creationId xmlns:p14="http://schemas.microsoft.com/office/powerpoint/2010/main" val="197699635"/>
+      </p:ext>
+    </p:extLst>
+  </p:cSld>
+  <p:clrMapOvr>
+    <a:masterClrMapping/>
+  </p:clrMapOvr>
+</p:sld>
+</file>
+
+<file path=ppt/slides/slide7.xml><?xml version="1.0" encoding="utf-8"?>
+<p:sld xmlns:a="http://schemas.openxmlformats.org/drawingml/2006/main" xmlns:r="http://schemas.openxmlformats.org/officeDocument/2006/relationships" xmlns:p="http://schemas.openxmlformats.org/presentationml/2006/main">
+  <p:cSld>
+    <p:spTree>
+      <p:nvGrpSpPr>
+        <p:cNvPr id="1" name=""/>
+        <p:cNvGrpSpPr/>
+        <p:nvPr/>
+      </p:nvGrpSpPr>
+      <p:grpSpPr>
+        <a:xfrm>
+          <a:off x="0" y="0"/>
+          <a:ext cx="0" cy="0"/>
+          <a:chOff x="0" y="0"/>
+          <a:chExt cx="0" cy="0"/>
+        </a:xfrm>
+      </p:grpSpPr>
+      <p:sp>
+        <p:nvSpPr>
+          <p:cNvPr id="2" name="Title 1"/>
+          <p:cNvSpPr>
+            <a:spLocks noGrp="1"/>
+          </p:cNvSpPr>
+          <p:nvPr>
+            <p:ph type="title"/>
+          </p:nvPr>
+        </p:nvSpPr>
+        <p:spPr/>
+        <p:txBody>
+          <a:bodyPr/>
+          <a:lstStyle/>
+          <a:p>
+            <a:r>
+              <a:rPr lang="en-GB" dirty="0" smtClean="0"/>
+              <a:t>reading data</a:t>
+            </a:r>
+            <a:endParaRPr lang="en-GB" dirty="0"/>
+          </a:p>
+        </p:txBody>
+      </p:sp>
+      <p:sp>
+        <p:nvSpPr>
+          <p:cNvPr id="5" name="Text Placeholder 4"/>
           <p:cNvSpPr>
             <a:spLocks noGrp="1"/>
           </p:cNvSpPr>
@@ -6151,18 +12174,17 @@
           <a:bodyPr/>
           <a:lstStyle/>
           <a:p>
-            <a:pPr algn="ctr"/>
-            <a:r>
-              <a:rPr lang="en-US" dirty="0" smtClean="0"/>
-              <a:t>Problem</a:t>
-            </a:r>
-            <a:endParaRPr lang="en-US" dirty="0"/>
+            <a:r>
+              <a:rPr lang="en-GB" dirty="0" smtClean="0"/>
+              <a:t>MongoDB Operation</a:t>
+            </a:r>
+            <a:endParaRPr lang="en-GB" dirty="0"/>
           </a:p>
         </p:txBody>
       </p:sp>
       <p:sp>
         <p:nvSpPr>
-          <p:cNvPr id="7" name="Content Placeholder 6"/>
+          <p:cNvPr id="3" name="Content Placeholder 2"/>
           <p:cNvSpPr>
             <a:spLocks noGrp="1"/>
           </p:cNvSpPr>
@@ -6176,16 +12198,38 @@
           <a:lstStyle/>
           <a:p>
             <a:r>
-              <a:rPr lang="en-US" dirty="0" smtClean="0"/>
-              <a:t>Create a python script to implement the following ER model</a:t>
-            </a:r>
-            <a:endParaRPr lang="en-US" dirty="0"/>
+              <a:rPr lang="en-GB" b="1" dirty="0" err="1" smtClean="0"/>
+              <a:t>db.collection.find</a:t>
+            </a:r>
+            <a:r>
+              <a:rPr lang="en-GB" b="1" dirty="0" smtClean="0"/>
+              <a:t>()</a:t>
+            </a:r>
+            <a:r>
+              <a:rPr lang="en-GB" dirty="0" smtClean="0"/>
+              <a:t>: Retrieve all documents in a collection that correspond to a given filter.</a:t>
+            </a:r>
+          </a:p>
+          <a:p>
+            <a:r>
+              <a:rPr lang="en-GB" b="1" dirty="0" err="1" smtClean="0"/>
+              <a:t>db.collection.findOne</a:t>
+            </a:r>
+            <a:r>
+              <a:rPr lang="en-GB" b="1" dirty="0" smtClean="0"/>
+              <a:t>()</a:t>
+            </a:r>
+            <a:r>
+              <a:rPr lang="en-GB" dirty="0" smtClean="0"/>
+              <a:t>: Retrieve  a single document in a collection corresponding to a given filter.</a:t>
+            </a:r>
+            <a:endParaRPr lang="en-GB" dirty="0"/>
           </a:p>
         </p:txBody>
       </p:sp>
       <p:sp>
         <p:nvSpPr>
-          <p:cNvPr id="8" name="Text Placeholder 7"/>
+          <p:cNvPr id="6" name="Text Placeholder 5"/>
           <p:cNvSpPr>
             <a:spLocks noGrp="1"/>
           </p:cNvSpPr>
@@ -6198,18 +12242,21 @@
           <a:bodyPr/>
           <a:lstStyle/>
           <a:p>
-            <a:pPr algn="ctr"/>
-            <a:r>
-              <a:rPr lang="en-US" dirty="0" smtClean="0"/>
-              <a:t>Solution</a:t>
-            </a:r>
-            <a:endParaRPr lang="en-US" dirty="0"/>
+            <a:r>
+              <a:rPr lang="en-GB" dirty="0" err="1" smtClean="0"/>
+              <a:t>Pymongo</a:t>
+            </a:r>
+            <a:r>
+              <a:rPr lang="en-GB" dirty="0" smtClean="0"/>
+              <a:t> Methods</a:t>
+            </a:r>
+            <a:endParaRPr lang="en-GB" dirty="0"/>
           </a:p>
         </p:txBody>
       </p:sp>
       <p:sp>
         <p:nvSpPr>
-          <p:cNvPr id="12" name="Content Placeholder 11"/>
+          <p:cNvPr id="7" name="Content Placeholder 6"/>
           <p:cNvSpPr>
             <a:spLocks noGrp="1"/>
           </p:cNvSpPr>
@@ -6217,19 +12264,515 @@
             <p:ph sz="quarter" idx="4"/>
           </p:nvPr>
         </p:nvSpPr>
+        <p:spPr/>
+        <p:txBody>
+          <a:bodyPr/>
+          <a:lstStyle/>
+          <a:p>
+            <a:r>
+              <a:rPr lang="en-GB" dirty="0" err="1" smtClean="0"/>
+              <a:t>db.collection.find</a:t>
+            </a:r>
+            <a:r>
+              <a:rPr lang="en-GB" dirty="0" smtClean="0"/>
+              <a:t>()</a:t>
+            </a:r>
+          </a:p>
+          <a:p>
+            <a:endParaRPr lang="en-GB" dirty="0"/>
+          </a:p>
+          <a:p>
+            <a:endParaRPr lang="en-GB" dirty="0" smtClean="0"/>
+          </a:p>
+          <a:p>
+            <a:r>
+              <a:rPr lang="en-GB" dirty="0" err="1" smtClean="0"/>
+              <a:t>db.collection.find_one</a:t>
+            </a:r>
+            <a:r>
+              <a:rPr lang="en-GB" dirty="0" smtClean="0"/>
+              <a:t>()</a:t>
+            </a:r>
+          </a:p>
+        </p:txBody>
+      </p:sp>
+    </p:spTree>
+    <p:extLst>
+      <p:ext uri="{BB962C8B-B14F-4D97-AF65-F5344CB8AC3E}">
+        <p14:creationId xmlns:p14="http://schemas.microsoft.com/office/powerpoint/2010/main" val="572918075"/>
+      </p:ext>
+    </p:extLst>
+  </p:cSld>
+  <p:clrMapOvr>
+    <a:masterClrMapping/>
+  </p:clrMapOvr>
+</p:sld>
+</file>
+
+<file path=ppt/slides/slide8.xml><?xml version="1.0" encoding="utf-8"?>
+<p:sld xmlns:a="http://schemas.openxmlformats.org/drawingml/2006/main" xmlns:r="http://schemas.openxmlformats.org/officeDocument/2006/relationships" xmlns:p="http://schemas.openxmlformats.org/presentationml/2006/main">
+  <p:cSld>
+    <p:spTree>
+      <p:nvGrpSpPr>
+        <p:cNvPr id="1" name=""/>
+        <p:cNvGrpSpPr/>
+        <p:nvPr/>
+      </p:nvGrpSpPr>
+      <p:grpSpPr>
+        <a:xfrm>
+          <a:off x="0" y="0"/>
+          <a:ext cx="0" cy="0"/>
+          <a:chOff x="0" y="0"/>
+          <a:chExt cx="0" cy="0"/>
+        </a:xfrm>
+      </p:grpSpPr>
+      <p:sp>
+        <p:nvSpPr>
+          <p:cNvPr id="7" name="Title 6"/>
+          <p:cNvSpPr>
+            <a:spLocks noGrp="1"/>
+          </p:cNvSpPr>
+          <p:nvPr>
+            <p:ph type="title"/>
+          </p:nvPr>
+        </p:nvSpPr>
+        <p:spPr/>
+        <p:txBody>
+          <a:bodyPr/>
+          <a:lstStyle/>
+          <a:p>
+            <a:r>
+              <a:rPr lang="en-GB" dirty="0" smtClean="0"/>
+              <a:t>the find() operation</a:t>
+            </a:r>
+            <a:endParaRPr lang="en-GB" dirty="0"/>
+          </a:p>
+        </p:txBody>
+      </p:sp>
+      <p:sp>
+        <p:nvSpPr>
+          <p:cNvPr id="8" name="Content Placeholder 7"/>
+          <p:cNvSpPr>
+            <a:spLocks noGrp="1"/>
+          </p:cNvSpPr>
+          <p:nvPr>
+            <p:ph sz="half" idx="1"/>
+          </p:nvPr>
+        </p:nvSpPr>
+        <p:spPr/>
+        <p:txBody>
+          <a:bodyPr>
+            <a:normAutofit fontScale="77500" lnSpcReduction="20000"/>
+          </a:bodyPr>
+          <a:lstStyle/>
+          <a:p>
+            <a:pPr marL="0" indent="0">
+              <a:buNone/>
+            </a:pPr>
+            <a:r>
+              <a:rPr lang="en-GB" dirty="0" smtClean="0"/>
+              <a:t>Syntax:</a:t>
+            </a:r>
+          </a:p>
+          <a:p>
+            <a:pPr marL="0" indent="0">
+              <a:buNone/>
+            </a:pPr>
+            <a:r>
+              <a:rPr lang="en-GB" dirty="0" err="1" smtClean="0"/>
+              <a:t>db.collection.find</a:t>
+            </a:r>
+            <a:r>
+              <a:rPr lang="en-GB" dirty="0" smtClean="0"/>
+              <a:t>(&lt;</a:t>
+            </a:r>
+            <a:r>
+              <a:rPr lang="en-GB" dirty="0" err="1" smtClean="0"/>
+              <a:t>queryFilter</a:t>
+            </a:r>
+            <a:r>
+              <a:rPr lang="en-GB" dirty="0" smtClean="0"/>
+              <a:t>&gt;, &lt;projections&gt;)</a:t>
+            </a:r>
+          </a:p>
+          <a:p>
+            <a:pPr marL="0" indent="0">
+              <a:buNone/>
+            </a:pPr>
+            <a:endParaRPr lang="en-GB" dirty="0"/>
+          </a:p>
+          <a:p>
+            <a:pPr marL="0" indent="0">
+              <a:buNone/>
+            </a:pPr>
+            <a:r>
+              <a:rPr lang="en-GB" dirty="0" smtClean="0"/>
+              <a:t>Notes:</a:t>
+            </a:r>
+          </a:p>
+          <a:p>
+            <a:r>
+              <a:rPr lang="en-GB" dirty="0" smtClean="0"/>
+              <a:t>The query filter and the projections are BSON documents.</a:t>
+            </a:r>
+          </a:p>
+          <a:p>
+            <a:r>
+              <a:rPr lang="en-GB" dirty="0" smtClean="0"/>
+              <a:t>By default, all conditions specified in the filter have to be met. </a:t>
+            </a:r>
+            <a:endParaRPr lang="en-GB" dirty="0"/>
+          </a:p>
+          <a:p>
+            <a:r>
+              <a:rPr lang="en-GB" dirty="0" smtClean="0"/>
+              <a:t>Embedded documents can be referenced using dot notation.</a:t>
+            </a:r>
+          </a:p>
+          <a:p>
+            <a:r>
+              <a:rPr lang="en-GB" dirty="0" smtClean="0"/>
+              <a:t>If not specified otherwise the PK is always projected</a:t>
+            </a:r>
+          </a:p>
+          <a:p>
+            <a:pPr marL="0" indent="0">
+              <a:buNone/>
+            </a:pPr>
+            <a:endParaRPr lang="en-GB" dirty="0"/>
+          </a:p>
+        </p:txBody>
+      </p:sp>
+      <p:sp>
+        <p:nvSpPr>
+          <p:cNvPr id="9" name="Content Placeholder 8"/>
+          <p:cNvSpPr>
+            <a:spLocks noGrp="1"/>
+          </p:cNvSpPr>
+          <p:nvPr>
+            <p:ph sz="half" idx="2"/>
+          </p:nvPr>
+        </p:nvSpPr>
+        <p:spPr/>
+        <p:txBody>
+          <a:bodyPr>
+            <a:normAutofit fontScale="77500" lnSpcReduction="20000"/>
+          </a:bodyPr>
+          <a:lstStyle/>
+          <a:p>
+            <a:pPr marL="0" indent="0">
+              <a:buNone/>
+            </a:pPr>
+            <a:r>
+              <a:rPr lang="en-GB" dirty="0" smtClean="0"/>
+              <a:t>Examples:</a:t>
+            </a:r>
+          </a:p>
+          <a:p>
+            <a:pPr marL="0" indent="0">
+              <a:buNone/>
+            </a:pPr>
+            <a:endParaRPr lang="en-GB" dirty="0"/>
+          </a:p>
+          <a:p>
+            <a:r>
+              <a:rPr lang="en-GB" dirty="0" smtClean="0"/>
+              <a:t>Return the scores of a student named “</a:t>
+            </a:r>
+            <a:r>
+              <a:rPr lang="en-GB" dirty="0"/>
+              <a:t>Marcus </a:t>
+            </a:r>
+            <a:r>
+              <a:rPr lang="en-GB" dirty="0" err="1"/>
+              <a:t>Blohm</a:t>
+            </a:r>
+            <a:r>
+              <a:rPr lang="en-GB" dirty="0" smtClean="0"/>
+              <a:t>”</a:t>
+            </a:r>
+          </a:p>
+          <a:p>
+            <a:pPr marL="0" indent="0">
+              <a:buNone/>
+            </a:pPr>
+            <a:r>
+              <a:rPr lang="en-GB" dirty="0" err="1" smtClean="0"/>
+              <a:t>db.students.find</a:t>
+            </a:r>
+            <a:r>
+              <a:rPr lang="en-GB" dirty="0" smtClean="0"/>
+              <a:t>({“name”: “</a:t>
+            </a:r>
+            <a:r>
+              <a:rPr lang="en-GB" dirty="0"/>
+              <a:t>Marcus </a:t>
+            </a:r>
+            <a:r>
+              <a:rPr lang="en-GB" dirty="0" err="1"/>
+              <a:t>Blohm</a:t>
+            </a:r>
+            <a:r>
+              <a:rPr lang="en-GB" dirty="0" smtClean="0"/>
+              <a:t>”}, {“scores”: 1})</a:t>
+            </a:r>
+          </a:p>
+          <a:p>
+            <a:pPr marL="0" indent="0">
+              <a:buNone/>
+            </a:pPr>
+            <a:endParaRPr lang="en-GB" dirty="0" smtClean="0"/>
+          </a:p>
+          <a:p>
+            <a:r>
+              <a:rPr lang="en-GB" dirty="0" smtClean="0"/>
+              <a:t>Return the students with scores less than 3.5</a:t>
+            </a:r>
+          </a:p>
+          <a:p>
+            <a:pPr marL="0" indent="0">
+              <a:buNone/>
+            </a:pPr>
+            <a:r>
+              <a:rPr lang="en-GB" dirty="0" err="1" smtClean="0"/>
+              <a:t>db.students.find</a:t>
+            </a:r>
+            <a:r>
+              <a:rPr lang="en-GB" dirty="0" smtClean="0"/>
+              <a:t>({“</a:t>
+            </a:r>
+            <a:r>
+              <a:rPr lang="en-GB" dirty="0" err="1" smtClean="0"/>
+              <a:t>scores.score</a:t>
+            </a:r>
+            <a:r>
+              <a:rPr lang="en-GB" dirty="0" smtClean="0"/>
+              <a:t>”: {“$</a:t>
+            </a:r>
+            <a:r>
+              <a:rPr lang="en-GB" dirty="0" err="1" smtClean="0"/>
+              <a:t>lt</a:t>
+            </a:r>
+            <a:r>
+              <a:rPr lang="en-GB" dirty="0" smtClean="0"/>
+              <a:t>”: 3.5}})</a:t>
+            </a:r>
+            <a:endParaRPr lang="en-GB" dirty="0"/>
+          </a:p>
+        </p:txBody>
+      </p:sp>
+    </p:spTree>
+    <p:extLst>
+      <p:ext uri="{BB962C8B-B14F-4D97-AF65-F5344CB8AC3E}">
+        <p14:creationId xmlns:p14="http://schemas.microsoft.com/office/powerpoint/2010/main" val="167529382"/>
+      </p:ext>
+    </p:extLst>
+  </p:cSld>
+  <p:clrMapOvr>
+    <a:masterClrMapping/>
+  </p:clrMapOvr>
+</p:sld>
+</file>
+
+<file path=ppt/slides/slide9.xml><?xml version="1.0" encoding="utf-8"?>
+<p:sld xmlns:a="http://schemas.openxmlformats.org/drawingml/2006/main" xmlns:r="http://schemas.openxmlformats.org/officeDocument/2006/relationships" xmlns:p="http://schemas.openxmlformats.org/presentationml/2006/main">
+  <p:cSld>
+    <p:spTree>
+      <p:nvGrpSpPr>
+        <p:cNvPr id="1" name=""/>
+        <p:cNvGrpSpPr/>
+        <p:nvPr/>
+      </p:nvGrpSpPr>
+      <p:grpSpPr>
+        <a:xfrm>
+          <a:off x="0" y="0"/>
+          <a:ext cx="0" cy="0"/>
+          <a:chOff x="0" y="0"/>
+          <a:chExt cx="0" cy="0"/>
+        </a:xfrm>
+      </p:grpSpPr>
+      <p:sp>
+        <p:nvSpPr>
+          <p:cNvPr id="7" name="Title 6"/>
+          <p:cNvSpPr>
+            <a:spLocks noGrp="1"/>
+          </p:cNvSpPr>
+          <p:nvPr>
+            <p:ph type="title"/>
+          </p:nvPr>
+        </p:nvSpPr>
+        <p:spPr/>
+        <p:txBody>
+          <a:bodyPr/>
+          <a:lstStyle/>
+          <a:p>
+            <a:r>
+              <a:rPr lang="en-GB" dirty="0" smtClean="0"/>
+              <a:t>the find() operation</a:t>
+            </a:r>
+            <a:endParaRPr lang="en-GB" dirty="0"/>
+          </a:p>
+        </p:txBody>
+      </p:sp>
+      <p:sp>
+        <p:nvSpPr>
+          <p:cNvPr id="8" name="Content Placeholder 7"/>
+          <p:cNvSpPr>
+            <a:spLocks noGrp="1"/>
+          </p:cNvSpPr>
+          <p:nvPr>
+            <p:ph sz="half" idx="1"/>
+          </p:nvPr>
+        </p:nvSpPr>
         <p:spPr>
           <a:xfrm>
-            <a:off x="5806545" y="1262062"/>
-            <a:ext cx="4929188" cy="3225270"/>
+            <a:off x="684212" y="545494"/>
+            <a:ext cx="4937655" cy="3615267"/>
           </a:xfrm>
         </p:spPr>
         <p:txBody>
           <a:bodyPr>
-            <a:normAutofit fontScale="40000" lnSpcReduction="20000"/>
+            <a:noAutofit/>
           </a:bodyPr>
           <a:lstStyle/>
           <a:p>
             <a:pPr marL="0" indent="0">
+              <a:buNone/>
+            </a:pPr>
+            <a:r>
+              <a:rPr lang="en-GB" sz="1400" dirty="0" smtClean="0"/>
+              <a:t>Syntax:</a:t>
+            </a:r>
+          </a:p>
+          <a:p>
+            <a:pPr marL="0" indent="0">
+              <a:buNone/>
+            </a:pPr>
+            <a:r>
+              <a:rPr lang="en-GB" sz="1400" dirty="0" err="1" smtClean="0"/>
+              <a:t>db.collection.find</a:t>
+            </a:r>
+            <a:r>
+              <a:rPr lang="en-GB" sz="1400" dirty="0" smtClean="0"/>
+              <a:t>(&lt;</a:t>
+            </a:r>
+            <a:r>
+              <a:rPr lang="en-GB" sz="1400" dirty="0" err="1" smtClean="0"/>
+              <a:t>queryFilter</a:t>
+            </a:r>
+            <a:r>
+              <a:rPr lang="en-GB" sz="1400" dirty="0" smtClean="0"/>
+              <a:t>&gt;, &lt;projections&gt;)</a:t>
+            </a:r>
+          </a:p>
+          <a:p>
+            <a:pPr marL="0" indent="0">
+              <a:buNone/>
+            </a:pPr>
+            <a:endParaRPr lang="en-GB" sz="1400" dirty="0"/>
+          </a:p>
+          <a:p>
+            <a:pPr marL="0" indent="0">
+              <a:buNone/>
+            </a:pPr>
+            <a:r>
+              <a:rPr lang="en-GB" sz="1400" dirty="0" smtClean="0"/>
+              <a:t>Notes:</a:t>
+            </a:r>
+          </a:p>
+          <a:p>
+            <a:r>
+              <a:rPr lang="en-GB" sz="1400" dirty="0" smtClean="0"/>
+              <a:t>The query filter and the projections  are dictionaries.</a:t>
+            </a:r>
+          </a:p>
+          <a:p>
+            <a:r>
+              <a:rPr lang="en-GB" sz="1400" dirty="0" smtClean="0"/>
+              <a:t>By default, all conditions specified in the filter have to be met. </a:t>
+            </a:r>
+            <a:endParaRPr lang="en-GB" sz="1400" dirty="0"/>
+          </a:p>
+          <a:p>
+            <a:r>
+              <a:rPr lang="en-GB" sz="1400" dirty="0" smtClean="0"/>
+              <a:t>Embedded documents can be referenced using dot notation.</a:t>
+            </a:r>
+          </a:p>
+          <a:p>
+            <a:r>
+              <a:rPr lang="en-GB" sz="1400" dirty="0" smtClean="0"/>
+              <a:t>If not specified otherwise the PK is always projected</a:t>
+            </a:r>
+          </a:p>
+          <a:p>
+            <a:pPr marL="0" indent="0">
+              <a:buNone/>
+            </a:pPr>
+            <a:endParaRPr lang="en-GB" sz="1400" dirty="0"/>
+          </a:p>
+        </p:txBody>
+      </p:sp>
+      <p:sp>
+        <p:nvSpPr>
+          <p:cNvPr id="9" name="Content Placeholder 8"/>
+          <p:cNvSpPr>
+            <a:spLocks noGrp="1"/>
+          </p:cNvSpPr>
+          <p:nvPr>
+            <p:ph sz="half" idx="2"/>
+          </p:nvPr>
+        </p:nvSpPr>
+        <p:spPr>
+          <a:xfrm>
+            <a:off x="6352419" y="348343"/>
+            <a:ext cx="5839581" cy="4558147"/>
+          </a:xfrm>
+        </p:spPr>
+        <p:txBody>
+          <a:bodyPr>
+            <a:normAutofit fontScale="55000" lnSpcReduction="20000"/>
+          </a:bodyPr>
+          <a:lstStyle/>
+          <a:p>
+            <a:pPr marL="0" indent="0">
+              <a:buNone/>
+            </a:pPr>
+            <a:r>
+              <a:rPr lang="en-GB" dirty="0" smtClean="0"/>
+              <a:t>Examples:</a:t>
+            </a:r>
+          </a:p>
+          <a:p>
+            <a:pPr marL="0" indent="0">
+              <a:buNone/>
+            </a:pPr>
+            <a:endParaRPr lang="en-GB" dirty="0"/>
+          </a:p>
+          <a:p>
+            <a:r>
+              <a:rPr lang="en-GB" dirty="0" smtClean="0"/>
+              <a:t>Find and print the scores of a student named </a:t>
+            </a:r>
+            <a:r>
+              <a:rPr lang="en-GB" dirty="0"/>
+              <a:t>“Marcus </a:t>
+            </a:r>
+            <a:r>
+              <a:rPr lang="en-GB" dirty="0" err="1"/>
+              <a:t>Blohm</a:t>
+            </a:r>
+            <a:r>
+              <a:rPr lang="en-GB" dirty="0"/>
+              <a:t>”</a:t>
+            </a:r>
+            <a:endParaRPr lang="en-GB" dirty="0" smtClean="0"/>
+          </a:p>
+          <a:p>
+            <a:pPr marL="0" indent="0">
+              <a:lnSpc>
+                <a:spcPct val="120000"/>
+              </a:lnSpc>
               <a:spcBef>
                 <a:spcPts val="0"/>
               </a:spcBef>
@@ -6239,703 +12782,338 @@
               <a:buNone/>
             </a:pPr>
             <a:r>
-              <a:rPr lang="en-US" b="1" dirty="0"/>
+              <a:rPr lang="en-GB" b="1" dirty="0"/>
               <a:t>import </a:t>
             </a:r>
             <a:r>
-              <a:rPr lang="en-US" dirty="0"/>
-              <a:t>sqlite3</a:t>
+              <a:rPr lang="en-GB" dirty="0" err="1"/>
+              <a:t>pymongo</a:t>
+            </a:r>
+            <a:r>
+              <a:rPr lang="en-GB" dirty="0"/>
+              <a:t/>
             </a:r>
             <a:br>
-              <a:rPr lang="en-US" dirty="0"/>
+              <a:rPr lang="en-GB" dirty="0"/>
             </a:br>
             <a:r>
-              <a:rPr lang="en-US" dirty="0"/>
+              <a:rPr lang="en-GB" dirty="0"/>
               <a:t/>
             </a:r>
             <a:br>
-              <a:rPr lang="en-US" dirty="0"/>
+              <a:rPr lang="en-GB" dirty="0"/>
             </a:br>
             <a:r>
-              <a:rPr lang="en-US" dirty="0"/>
-              <a:t>conn = sqlite3.connect(</a:t>
-            </a:r>
-            <a:r>
-              <a:rPr lang="en-US" dirty="0"/>
-              <a:t>"phonebook.sqlite3"</a:t>
-            </a:r>
-            <a:r>
-              <a:rPr lang="en-US" dirty="0"/>
-              <a:t>)</a:t>
+              <a:rPr lang="en-GB" dirty="0"/>
+              <a:t>conn = </a:t>
+            </a:r>
+            <a:r>
+              <a:rPr lang="en-GB" dirty="0" err="1"/>
+              <a:t>pymongo.MongoClient</a:t>
+            </a:r>
+            <a:r>
+              <a:rPr lang="en-GB" dirty="0"/>
+              <a:t>("localhost")</a:t>
             </a:r>
             <a:br>
-              <a:rPr lang="en-US" dirty="0"/>
+              <a:rPr lang="en-GB" dirty="0"/>
             </a:br>
             <a:r>
-              <a:rPr lang="en-US" dirty="0"/>
+              <a:rPr lang="en-GB" dirty="0" err="1"/>
+              <a:t>db</a:t>
+            </a:r>
+            <a:r>
+              <a:rPr lang="en-GB" dirty="0"/>
+              <a:t> = </a:t>
+            </a:r>
+            <a:r>
+              <a:rPr lang="en-GB" dirty="0" err="1"/>
+              <a:t>conn.school</a:t>
+            </a:r>
+            <a:r>
+              <a:rPr lang="en-GB" dirty="0"/>
+              <a:t/>
+            </a:r>
+            <a:br>
+              <a:rPr lang="en-GB" dirty="0"/>
+            </a:br>
+            <a:r>
+              <a:rPr lang="en-GB" dirty="0"/>
+              <a:t>students = </a:t>
+            </a:r>
+            <a:r>
+              <a:rPr lang="en-GB" dirty="0" err="1"/>
+              <a:t>db.students</a:t>
+            </a:r>
+            <a:r>
+              <a:rPr lang="en-GB" dirty="0"/>
+              <a:t/>
+            </a:r>
+            <a:br>
+              <a:rPr lang="en-GB" dirty="0"/>
+            </a:br>
+            <a:r>
+              <a:rPr lang="en-GB" dirty="0" smtClean="0"/>
+              <a:t>cursor </a:t>
+            </a:r>
+            <a:r>
+              <a:rPr lang="en-GB" dirty="0"/>
+              <a:t>= </a:t>
+            </a:r>
+            <a:r>
+              <a:rPr lang="en-GB" dirty="0" err="1"/>
+              <a:t>students.find</a:t>
+            </a:r>
+            <a:r>
+              <a:rPr lang="en-GB" dirty="0"/>
+              <a:t>({"name": "Marcus </a:t>
+            </a:r>
+            <a:r>
+              <a:rPr lang="en-GB" dirty="0" err="1"/>
+              <a:t>Blohm</a:t>
+            </a:r>
+            <a:r>
+              <a:rPr lang="en-GB" dirty="0"/>
+              <a:t>"}, {"name": 1, "</a:t>
+            </a:r>
+            <a:r>
+              <a:rPr lang="en-GB" dirty="0" err="1"/>
+              <a:t>scores.score</a:t>
+            </a:r>
+            <a:r>
+              <a:rPr lang="en-GB" dirty="0"/>
+              <a:t>": 1})</a:t>
+            </a:r>
+            <a:br>
+              <a:rPr lang="en-GB" dirty="0"/>
+            </a:br>
+            <a:r>
+              <a:rPr lang="en-GB" dirty="0"/>
+              <a:t> </a:t>
+            </a:r>
+            <a:br>
+              <a:rPr lang="en-GB" dirty="0"/>
+            </a:br>
+            <a:r>
+              <a:rPr lang="en-GB" b="1" dirty="0"/>
+              <a:t>for </a:t>
+            </a:r>
+            <a:r>
+              <a:rPr lang="en-GB" dirty="0"/>
+              <a:t>doc </a:t>
+            </a:r>
+            <a:r>
+              <a:rPr lang="en-GB" b="1" dirty="0"/>
+              <a:t>in </a:t>
+            </a:r>
+            <a:r>
+              <a:rPr lang="en-GB" dirty="0"/>
+              <a:t>cursor:</a:t>
+            </a:r>
+            <a:br>
+              <a:rPr lang="en-GB" dirty="0"/>
+            </a:br>
+            <a:r>
+              <a:rPr lang="en-GB" dirty="0"/>
+              <a:t>    </a:t>
+            </a:r>
+            <a:r>
+              <a:rPr lang="en-GB" b="1" dirty="0"/>
+              <a:t>print </a:t>
+            </a:r>
+            <a:r>
+              <a:rPr lang="en-GB" dirty="0" smtClean="0"/>
+              <a:t>doc</a:t>
+            </a:r>
+          </a:p>
+          <a:p>
+            <a:pPr marL="0" indent="0">
+              <a:lnSpc>
+                <a:spcPct val="120000"/>
+              </a:lnSpc>
+              <a:spcBef>
+                <a:spcPts val="0"/>
+              </a:spcBef>
+              <a:spcAft>
+                <a:spcPts val="0"/>
+              </a:spcAft>
+              <a:buNone/>
+            </a:pPr>
+            <a:endParaRPr lang="en-GB" dirty="0" smtClean="0"/>
+          </a:p>
+          <a:p>
+            <a:r>
+              <a:rPr lang="en-GB" dirty="0" smtClean="0"/>
+              <a:t>Find and print the students with scores less than 3.5</a:t>
+            </a:r>
+          </a:p>
+          <a:p>
+            <a:pPr marL="0" indent="0">
+              <a:buNone/>
+            </a:pPr>
+            <a:r>
+              <a:rPr lang="en-GB" b="1" dirty="0"/>
+              <a:t>import </a:t>
+            </a:r>
+            <a:r>
+              <a:rPr lang="en-GB" dirty="0" err="1"/>
+              <a:t>pymongo</a:t>
+            </a:r>
+            <a:r>
+              <a:rPr lang="en-GB" dirty="0"/>
+              <a:t/>
+            </a:r>
+            <a:br>
+              <a:rPr lang="en-GB" dirty="0"/>
+            </a:br>
+            <a:r>
+              <a:rPr lang="en-GB" dirty="0"/>
+              <a:t/>
+            </a:r>
+            <a:br>
+              <a:rPr lang="en-GB" dirty="0"/>
+            </a:br>
+            <a:r>
+              <a:rPr lang="en-GB" dirty="0"/>
+              <a:t>conn = </a:t>
+            </a:r>
+            <a:r>
+              <a:rPr lang="en-GB" dirty="0" err="1"/>
+              <a:t>pymongo.MongoClient</a:t>
+            </a:r>
+            <a:r>
+              <a:rPr lang="en-GB" dirty="0"/>
+              <a:t>("localhost")</a:t>
+            </a:r>
+            <a:br>
+              <a:rPr lang="en-GB" dirty="0"/>
+            </a:br>
+            <a:r>
+              <a:rPr lang="en-GB" dirty="0" err="1"/>
+              <a:t>db</a:t>
+            </a:r>
+            <a:r>
+              <a:rPr lang="en-GB" dirty="0"/>
+              <a:t> = </a:t>
+            </a:r>
+            <a:r>
+              <a:rPr lang="en-GB" dirty="0" err="1"/>
+              <a:t>conn.school</a:t>
+            </a:r>
+            <a:r>
+              <a:rPr lang="en-GB" dirty="0"/>
+              <a:t/>
+            </a:r>
+            <a:br>
+              <a:rPr lang="en-GB" dirty="0"/>
+            </a:br>
+            <a:r>
+              <a:rPr lang="en-GB" dirty="0"/>
+              <a:t>students = </a:t>
+            </a:r>
+            <a:r>
+              <a:rPr lang="en-GB" dirty="0" err="1"/>
+              <a:t>db.students</a:t>
+            </a:r>
+            <a:r>
+              <a:rPr lang="en-GB" dirty="0"/>
+              <a:t/>
+            </a:r>
+            <a:br>
+              <a:rPr lang="en-GB" dirty="0"/>
+            </a:br>
+            <a:r>
+              <a:rPr lang="en-GB" dirty="0"/>
               <a:t>cursor = </a:t>
             </a:r>
             <a:r>
-              <a:rPr lang="en-US" dirty="0" err="1"/>
-              <a:t>conn.cursor</a:t>
-            </a:r>
-            <a:r>
-              <a:rPr lang="en-US" dirty="0"/>
-              <a:t>()</a:t>
+              <a:rPr lang="en-GB" dirty="0" err="1"/>
+              <a:t>students.find</a:t>
+            </a:r>
+            <a:r>
+              <a:rPr lang="en-GB" dirty="0"/>
+              <a:t>({"</a:t>
+            </a:r>
+            <a:r>
+              <a:rPr lang="en-GB" dirty="0" err="1"/>
+              <a:t>scores.score</a:t>
+            </a:r>
+            <a:r>
+              <a:rPr lang="en-GB" dirty="0"/>
+              <a:t>": {"$</a:t>
+            </a:r>
+            <a:r>
+              <a:rPr lang="en-GB" dirty="0" err="1"/>
+              <a:t>lt</a:t>
+            </a:r>
+            <a:r>
+              <a:rPr lang="en-GB" dirty="0"/>
+              <a:t>": 3.5</a:t>
+            </a:r>
+            <a:r>
+              <a:rPr lang="en-GB" dirty="0" smtClean="0"/>
+              <a:t>}}, </a:t>
+            </a:r>
+            <a:r>
+              <a:rPr lang="en-GB" dirty="0"/>
+              <a:t>{"name": </a:t>
+            </a:r>
+            <a:r>
+              <a:rPr lang="en-GB" dirty="0" smtClean="0"/>
+              <a:t>1)</a:t>
+            </a:r>
+            <a:r>
+              <a:rPr lang="en-GB" dirty="0"/>
+              <a:t/>
             </a:r>
             <a:br>
-              <a:rPr lang="en-US" dirty="0"/>
+              <a:rPr lang="en-GB" dirty="0"/>
             </a:br>
             <a:r>
-              <a:rPr lang="en-US" dirty="0"/>
+              <a:rPr lang="en-GB" dirty="0"/>
               <a:t/>
             </a:r>
             <a:br>
-              <a:rPr lang="en-US" dirty="0"/>
+              <a:rPr lang="en-GB" dirty="0"/>
             </a:br>
             <a:r>
-              <a:rPr lang="en-US" dirty="0" err="1"/>
-              <a:t>cursor.execute</a:t>
-            </a:r>
-            <a:r>
-              <a:rPr lang="en-US" dirty="0"/>
-              <a:t>(</a:t>
-            </a:r>
-            <a:r>
-              <a:rPr lang="en-US" dirty="0"/>
-              <a:t>"DROP TABLE IF EXISTS persons"</a:t>
-            </a:r>
-            <a:r>
-              <a:rPr lang="en-US" dirty="0"/>
-              <a:t>)</a:t>
+              <a:rPr lang="en-GB" b="1" dirty="0"/>
+              <a:t>for </a:t>
+            </a:r>
+            <a:r>
+              <a:rPr lang="en-GB" dirty="0"/>
+              <a:t>doc </a:t>
+            </a:r>
+            <a:r>
+              <a:rPr lang="en-GB" b="1" dirty="0"/>
+              <a:t>in </a:t>
+            </a:r>
+            <a:r>
+              <a:rPr lang="en-GB" dirty="0"/>
+              <a:t>cursor:</a:t>
             </a:r>
             <a:br>
-              <a:rPr lang="en-US" dirty="0"/>
+              <a:rPr lang="en-GB" dirty="0"/>
             </a:br>
             <a:r>
-              <a:rPr lang="en-US" dirty="0" err="1"/>
-              <a:t>cursor.execute</a:t>
-            </a:r>
-            <a:r>
-              <a:rPr lang="en-US" dirty="0"/>
-              <a:t>(</a:t>
-            </a:r>
-            <a:r>
-              <a:rPr lang="en-US" dirty="0"/>
-              <a:t>"DROP TABLE IF EXISTS </a:t>
-            </a:r>
-            <a:r>
-              <a:rPr lang="en-US" dirty="0" err="1"/>
-              <a:t>phone_records</a:t>
-            </a:r>
-            <a:r>
-              <a:rPr lang="en-US" dirty="0"/>
-              <a:t>"</a:t>
-            </a:r>
-            <a:r>
-              <a:rPr lang="en-US" dirty="0"/>
-              <a:t>)</a:t>
-            </a:r>
-            <a:br>
-              <a:rPr lang="en-US" dirty="0"/>
-            </a:br>
-            <a:r>
-              <a:rPr lang="en-US" dirty="0" err="1"/>
-              <a:t>cursor.execute</a:t>
-            </a:r>
-            <a:r>
-              <a:rPr lang="en-US" dirty="0"/>
-              <a:t>(</a:t>
-            </a:r>
-            <a:r>
-              <a:rPr lang="en-US" dirty="0"/>
-              <a:t>"DROP TABLE IF EXISTS </a:t>
-            </a:r>
-            <a:r>
-              <a:rPr lang="en-US" dirty="0" err="1"/>
-              <a:t>phone_types</a:t>
-            </a:r>
-            <a:r>
-              <a:rPr lang="en-US" dirty="0"/>
-              <a:t>"</a:t>
-            </a:r>
-            <a:r>
-              <a:rPr lang="en-US" dirty="0"/>
-              <a:t>)</a:t>
-            </a:r>
-            <a:br>
-              <a:rPr lang="en-US" dirty="0"/>
-            </a:br>
-            <a:r>
-              <a:rPr lang="en-US" dirty="0"/>
-              <a:t/>
-            </a:r>
-            <a:br>
-              <a:rPr lang="en-US" dirty="0"/>
-            </a:br>
-            <a:r>
-              <a:rPr lang="en-US" dirty="0" err="1"/>
-              <a:t>cursor.execute</a:t>
-            </a:r>
-            <a:r>
-              <a:rPr lang="en-US" dirty="0"/>
-              <a:t>(</a:t>
-            </a:r>
-            <a:r>
-              <a:rPr lang="en-US" dirty="0"/>
-              <a:t>"CREATE TABLE IF NOT EXISTS persons ( " </a:t>
-            </a:r>
-            <a:r>
-              <a:rPr lang="en-US" dirty="0"/>
-              <a:t>+</a:t>
-            </a:r>
-            <a:br>
-              <a:rPr lang="en-US" dirty="0"/>
-            </a:br>
-            <a:r>
-              <a:rPr lang="en-US" dirty="0"/>
-              <a:t>               </a:t>
-            </a:r>
-            <a:r>
-              <a:rPr lang="en-US" dirty="0"/>
-              <a:t>"   </a:t>
-            </a:r>
-            <a:r>
-              <a:rPr lang="en-US" dirty="0" err="1"/>
-              <a:t>person_id</a:t>
-            </a:r>
-            <a:r>
-              <a:rPr lang="en-US" dirty="0"/>
-              <a:t>  INT NOT NULL, " </a:t>
-            </a:r>
-            <a:r>
-              <a:rPr lang="en-US" dirty="0"/>
-              <a:t>+</a:t>
-            </a:r>
-            <a:br>
-              <a:rPr lang="en-US" dirty="0"/>
-            </a:br>
-            <a:r>
-              <a:rPr lang="en-US" dirty="0"/>
-              <a:t>               </a:t>
-            </a:r>
-            <a:r>
-              <a:rPr lang="en-US" dirty="0"/>
-              <a:t>"   </a:t>
-            </a:r>
-            <a:r>
-              <a:rPr lang="en-US" dirty="0" err="1"/>
-              <a:t>first_name</a:t>
-            </a:r>
-            <a:r>
-              <a:rPr lang="en-US" dirty="0"/>
-              <a:t> TEXT NOT NULL, " </a:t>
-            </a:r>
-            <a:r>
-              <a:rPr lang="en-US" dirty="0"/>
-              <a:t>+</a:t>
-            </a:r>
-            <a:br>
-              <a:rPr lang="en-US" dirty="0"/>
-            </a:br>
-            <a:r>
-              <a:rPr lang="en-US" dirty="0"/>
-              <a:t>               </a:t>
-            </a:r>
-            <a:r>
-              <a:rPr lang="en-US" dirty="0"/>
-              <a:t>"   </a:t>
-            </a:r>
-            <a:r>
-              <a:rPr lang="en-US" dirty="0" err="1"/>
-              <a:t>last_name</a:t>
-            </a:r>
-            <a:r>
-              <a:rPr lang="en-US" dirty="0"/>
-              <a:t>  TEXT NOT NULL, " </a:t>
-            </a:r>
-            <a:r>
-              <a:rPr lang="en-US" dirty="0"/>
-              <a:t>+</a:t>
-            </a:r>
-            <a:br>
-              <a:rPr lang="en-US" dirty="0"/>
-            </a:br>
-            <a:r>
-              <a:rPr lang="en-US" dirty="0"/>
-              <a:t>               </a:t>
-            </a:r>
-            <a:r>
-              <a:rPr lang="en-US" dirty="0"/>
-              <a:t>"   PRIMARY KEY (</a:t>
-            </a:r>
-            <a:r>
-              <a:rPr lang="en-US" dirty="0" err="1"/>
-              <a:t>person_id</a:t>
-            </a:r>
-            <a:r>
-              <a:rPr lang="en-US" dirty="0"/>
-              <a:t>) )"</a:t>
-            </a:r>
-            <a:r>
-              <a:rPr lang="en-US" dirty="0"/>
-              <a:t>)</a:t>
-            </a:r>
-            <a:br>
-              <a:rPr lang="en-US" dirty="0"/>
-            </a:br>
-            <a:r>
-              <a:rPr lang="en-US" dirty="0"/>
-              <a:t/>
-            </a:r>
-            <a:br>
-              <a:rPr lang="en-US" dirty="0"/>
-            </a:br>
-            <a:r>
-              <a:rPr lang="en-US" dirty="0" err="1"/>
-              <a:t>cursor.execute</a:t>
-            </a:r>
-            <a:r>
-              <a:rPr lang="en-US" dirty="0"/>
-              <a:t>(</a:t>
-            </a:r>
-            <a:r>
-              <a:rPr lang="en-US" dirty="0"/>
-              <a:t>"CREATE TABLE IF NOT EXISTS </a:t>
-            </a:r>
-            <a:r>
-              <a:rPr lang="en-US" dirty="0" err="1"/>
-              <a:t>phone_types</a:t>
-            </a:r>
-            <a:r>
-              <a:rPr lang="en-US" dirty="0"/>
-              <a:t> ( " </a:t>
-            </a:r>
-            <a:r>
-              <a:rPr lang="en-US" dirty="0"/>
-              <a:t>+</a:t>
-            </a:r>
-            <a:br>
-              <a:rPr lang="en-US" dirty="0"/>
-            </a:br>
-            <a:r>
-              <a:rPr lang="en-US" dirty="0"/>
-              <a:t>               </a:t>
-            </a:r>
-            <a:r>
-              <a:rPr lang="en-US" dirty="0"/>
-              <a:t>"    </a:t>
-            </a:r>
-            <a:r>
-              <a:rPr lang="en-US" dirty="0" err="1"/>
-              <a:t>type_id</a:t>
-            </a:r>
-            <a:r>
-              <a:rPr lang="en-US" dirty="0"/>
-              <a:t> INT NOT NULL, " </a:t>
-            </a:r>
-            <a:r>
-              <a:rPr lang="en-US" dirty="0"/>
-              <a:t>+</a:t>
-            </a:r>
-            <a:br>
-              <a:rPr lang="en-US" dirty="0"/>
-            </a:br>
-            <a:r>
-              <a:rPr lang="en-US" dirty="0"/>
-              <a:t>               </a:t>
-            </a:r>
-            <a:r>
-              <a:rPr lang="en-US" dirty="0"/>
-              <a:t>"    </a:t>
-            </a:r>
-            <a:r>
-              <a:rPr lang="en-US" dirty="0" err="1"/>
-              <a:t>type_name</a:t>
-            </a:r>
-            <a:r>
-              <a:rPr lang="en-US" dirty="0"/>
-              <a:t> TEXT NOT NULL, "</a:t>
-            </a:r>
-            <a:r>
-              <a:rPr lang="en-US" dirty="0"/>
-              <a:t>+</a:t>
-            </a:r>
-            <a:br>
-              <a:rPr lang="en-US" dirty="0"/>
-            </a:br>
-            <a:r>
-              <a:rPr lang="en-US" dirty="0"/>
-              <a:t>               </a:t>
-            </a:r>
-            <a:r>
-              <a:rPr lang="en-US" dirty="0"/>
-              <a:t>"    PRIMARY KEY (</a:t>
-            </a:r>
-            <a:r>
-              <a:rPr lang="en-US" dirty="0" err="1"/>
-              <a:t>type_id</a:t>
-            </a:r>
-            <a:r>
-              <a:rPr lang="en-US" dirty="0"/>
-              <a:t>) )"</a:t>
-            </a:r>
-            <a:r>
-              <a:rPr lang="en-US" dirty="0"/>
-              <a:t>)</a:t>
-            </a:r>
-            <a:br>
-              <a:rPr lang="en-US" dirty="0"/>
-            </a:br>
-            <a:r>
-              <a:rPr lang="en-US" dirty="0"/>
-              <a:t/>
-            </a:r>
-            <a:br>
-              <a:rPr lang="en-US" dirty="0"/>
-            </a:br>
-            <a:r>
-              <a:rPr lang="en-US" dirty="0" err="1"/>
-              <a:t>cursor.execute</a:t>
-            </a:r>
-            <a:r>
-              <a:rPr lang="en-US" dirty="0"/>
-              <a:t>(</a:t>
-            </a:r>
-            <a:r>
-              <a:rPr lang="en-US" dirty="0"/>
-              <a:t>"CREATE TABLE IF NOT EXISTS </a:t>
-            </a:r>
-            <a:r>
-              <a:rPr lang="en-US" dirty="0" err="1"/>
-              <a:t>phone_records</a:t>
-            </a:r>
-            <a:r>
-              <a:rPr lang="en-US" dirty="0"/>
-              <a:t> ( " </a:t>
-            </a:r>
-            <a:r>
-              <a:rPr lang="en-US" dirty="0"/>
-              <a:t>+</a:t>
-            </a:r>
-            <a:br>
-              <a:rPr lang="en-US" dirty="0"/>
-            </a:br>
-            <a:r>
-              <a:rPr lang="en-US" dirty="0"/>
-              <a:t>               </a:t>
-            </a:r>
-            <a:r>
-              <a:rPr lang="en-US" dirty="0"/>
-              <a:t>"    </a:t>
-            </a:r>
-            <a:r>
-              <a:rPr lang="en-US" dirty="0" err="1"/>
-              <a:t>person_id</a:t>
-            </a:r>
-            <a:r>
-              <a:rPr lang="en-US" dirty="0"/>
-              <a:t> INT NOT NULL, " </a:t>
-            </a:r>
-            <a:r>
-              <a:rPr lang="en-US" dirty="0"/>
-              <a:t>+</a:t>
-            </a:r>
-            <a:br>
-              <a:rPr lang="en-US" dirty="0"/>
-            </a:br>
-            <a:r>
-              <a:rPr lang="en-US" dirty="0"/>
-              <a:t>               </a:t>
-            </a:r>
-            <a:r>
-              <a:rPr lang="en-US" dirty="0"/>
-              <a:t>"    </a:t>
-            </a:r>
-            <a:r>
-              <a:rPr lang="en-US" dirty="0" err="1"/>
-              <a:t>type_id</a:t>
-            </a:r>
-            <a:r>
-              <a:rPr lang="en-US" dirty="0"/>
-              <a:t> INT NOT NULL, " </a:t>
-            </a:r>
-            <a:r>
-              <a:rPr lang="en-US" dirty="0"/>
-              <a:t>+</a:t>
-            </a:r>
-            <a:br>
-              <a:rPr lang="en-US" dirty="0"/>
-            </a:br>
-            <a:r>
-              <a:rPr lang="en-US" dirty="0"/>
-              <a:t>               </a:t>
-            </a:r>
-            <a:r>
-              <a:rPr lang="en-US" dirty="0"/>
-              <a:t>"    </a:t>
-            </a:r>
-            <a:r>
-              <a:rPr lang="en-US" dirty="0" err="1"/>
-              <a:t>phone_number</a:t>
-            </a:r>
-            <a:r>
-              <a:rPr lang="en-US" dirty="0"/>
-              <a:t> TEXT NOT NULL, " </a:t>
-            </a:r>
-            <a:r>
-              <a:rPr lang="en-US" dirty="0"/>
-              <a:t>+</a:t>
-            </a:r>
-            <a:br>
-              <a:rPr lang="en-US" dirty="0"/>
-            </a:br>
-            <a:r>
-              <a:rPr lang="en-US" dirty="0"/>
-              <a:t>               </a:t>
-            </a:r>
-            <a:r>
-              <a:rPr lang="en-US" dirty="0"/>
-              <a:t>"    PRIMARY KEY (</a:t>
-            </a:r>
-            <a:r>
-              <a:rPr lang="en-US" dirty="0" err="1"/>
-              <a:t>person_id</a:t>
-            </a:r>
-            <a:r>
-              <a:rPr lang="en-US" dirty="0"/>
-              <a:t>, </a:t>
-            </a:r>
-            <a:r>
-              <a:rPr lang="en-US" dirty="0" err="1"/>
-              <a:t>type_id</a:t>
-            </a:r>
-            <a:r>
-              <a:rPr lang="en-US" dirty="0"/>
-              <a:t>), " </a:t>
-            </a:r>
-            <a:r>
-              <a:rPr lang="en-US" dirty="0"/>
-              <a:t>+</a:t>
-            </a:r>
-            <a:br>
-              <a:rPr lang="en-US" dirty="0"/>
-            </a:br>
-            <a:r>
-              <a:rPr lang="en-US" dirty="0"/>
-              <a:t>               </a:t>
-            </a:r>
-            <a:r>
-              <a:rPr lang="en-US" dirty="0"/>
-              <a:t>"    FOREIGN KEY (</a:t>
-            </a:r>
-            <a:r>
-              <a:rPr lang="en-US" dirty="0" err="1"/>
-              <a:t>person_id</a:t>
-            </a:r>
-            <a:r>
-              <a:rPr lang="en-US" dirty="0"/>
-              <a:t>) REFERENCES persons (</a:t>
-            </a:r>
-            <a:r>
-              <a:rPr lang="en-US" dirty="0" err="1"/>
-              <a:t>person_id</a:t>
-            </a:r>
-            <a:r>
-              <a:rPr lang="en-US" dirty="0"/>
-              <a:t>), " </a:t>
-            </a:r>
-            <a:r>
-              <a:rPr lang="en-US" dirty="0"/>
-              <a:t>+</a:t>
-            </a:r>
-            <a:br>
-              <a:rPr lang="en-US" dirty="0"/>
-            </a:br>
-            <a:r>
-              <a:rPr lang="en-US" dirty="0"/>
-              <a:t>               </a:t>
-            </a:r>
-            <a:r>
-              <a:rPr lang="en-US" dirty="0"/>
-              <a:t>"    FOREIGN KEY (</a:t>
-            </a:r>
-            <a:r>
-              <a:rPr lang="en-US" dirty="0" err="1"/>
-              <a:t>type_id</a:t>
-            </a:r>
-            <a:r>
-              <a:rPr lang="en-US" dirty="0"/>
-              <a:t>) REFERENCES </a:t>
-            </a:r>
-            <a:r>
-              <a:rPr lang="en-US" dirty="0" err="1"/>
-              <a:t>phone_types</a:t>
-            </a:r>
-            <a:r>
-              <a:rPr lang="en-US" dirty="0"/>
-              <a:t> (</a:t>
-            </a:r>
-            <a:r>
-              <a:rPr lang="en-US" dirty="0" err="1"/>
-              <a:t>type_id</a:t>
-            </a:r>
-            <a:r>
-              <a:rPr lang="en-US" dirty="0"/>
-              <a:t>) )"</a:t>
-            </a:r>
-            <a:r>
-              <a:rPr lang="en-US" dirty="0"/>
-              <a:t>)</a:t>
-            </a:r>
-            <a:br>
-              <a:rPr lang="en-US" dirty="0"/>
-            </a:br>
-            <a:r>
-              <a:rPr lang="en-US" dirty="0"/>
-              <a:t/>
-            </a:r>
-            <a:br>
-              <a:rPr lang="en-US" dirty="0"/>
-            </a:br>
-            <a:r>
-              <a:rPr lang="en-US" dirty="0" err="1"/>
-              <a:t>cursor.execute</a:t>
-            </a:r>
-            <a:r>
-              <a:rPr lang="en-US" dirty="0"/>
-              <a:t>(</a:t>
-            </a:r>
-            <a:r>
-              <a:rPr lang="en-US" dirty="0"/>
-              <a:t>"CREATE INDEX IF NOT EXISTS </a:t>
-            </a:r>
-            <a:r>
-              <a:rPr lang="en-US" dirty="0" err="1"/>
-              <a:t>fk_phre_pers_idx</a:t>
-            </a:r>
-            <a:r>
-              <a:rPr lang="en-US" dirty="0"/>
-              <a:t> ON </a:t>
-            </a:r>
-            <a:r>
-              <a:rPr lang="en-US" dirty="0" err="1"/>
-              <a:t>phone_records</a:t>
-            </a:r>
-            <a:r>
-              <a:rPr lang="en-US" dirty="0"/>
-              <a:t> (</a:t>
-            </a:r>
-            <a:r>
-              <a:rPr lang="en-US" dirty="0" err="1"/>
-              <a:t>person_id</a:t>
-            </a:r>
-            <a:r>
-              <a:rPr lang="en-US" dirty="0"/>
-              <a:t>)"</a:t>
-            </a:r>
-            <a:r>
-              <a:rPr lang="en-US" dirty="0"/>
-              <a:t>)</a:t>
-            </a:r>
-            <a:br>
-              <a:rPr lang="en-US" dirty="0"/>
-            </a:br>
-            <a:r>
-              <a:rPr lang="en-US" dirty="0" err="1"/>
-              <a:t>cursor.execute</a:t>
-            </a:r>
-            <a:r>
-              <a:rPr lang="en-US" dirty="0"/>
-              <a:t>(</a:t>
-            </a:r>
-            <a:r>
-              <a:rPr lang="en-US" dirty="0"/>
-              <a:t>"CREATE INDEX IF NOT EXISTS </a:t>
-            </a:r>
-            <a:r>
-              <a:rPr lang="en-US" dirty="0" err="1"/>
-              <a:t>fk_phre_type_idx</a:t>
-            </a:r>
-            <a:r>
-              <a:rPr lang="en-US" dirty="0"/>
-              <a:t> ON </a:t>
-            </a:r>
-            <a:r>
-              <a:rPr lang="en-US" dirty="0" err="1"/>
-              <a:t>phone_records</a:t>
-            </a:r>
-            <a:r>
-              <a:rPr lang="en-US" dirty="0"/>
-              <a:t> (</a:t>
-            </a:r>
-            <a:r>
-              <a:rPr lang="en-US" dirty="0" err="1"/>
-              <a:t>type_id</a:t>
-            </a:r>
-            <a:r>
-              <a:rPr lang="en-US" dirty="0"/>
-              <a:t>)"</a:t>
-            </a:r>
-            <a:r>
-              <a:rPr lang="en-US" dirty="0"/>
-              <a:t>)</a:t>
-            </a:r>
-            <a:br>
-              <a:rPr lang="en-US" dirty="0"/>
-            </a:br>
-            <a:r>
-              <a:rPr lang="en-US" dirty="0"/>
-              <a:t/>
-            </a:r>
-            <a:br>
-              <a:rPr lang="en-US" dirty="0"/>
-            </a:br>
-            <a:r>
-              <a:rPr lang="en-US" dirty="0" err="1"/>
-              <a:t>conn.close</a:t>
-            </a:r>
-            <a:r>
-              <a:rPr lang="en-US" dirty="0"/>
-              <a:t>()</a:t>
+              <a:rPr lang="en-GB" dirty="0"/>
+              <a:t>    </a:t>
+            </a:r>
+            <a:r>
+              <a:rPr lang="en-GB" b="1" dirty="0"/>
+              <a:t>print </a:t>
+            </a:r>
+            <a:r>
+              <a:rPr lang="en-GB" dirty="0"/>
+              <a:t>doc</a:t>
             </a:r>
           </a:p>
         </p:txBody>
       </p:sp>
-      <p:pic>
-        <p:nvPicPr>
-          <p:cNvPr id="13" name="Picture 12"/>
-          <p:cNvPicPr>
-            <a:picLocks noChangeAspect="1"/>
-          </p:cNvPicPr>
-          <p:nvPr/>
-        </p:nvPicPr>
-        <p:blipFill>
-          <a:blip r:embed="rId2">
-            <a:extLst>
-              <a:ext uri="{28A0092B-C50C-407E-A947-70E740481C1C}">
-                <a14:useLocalDpi xmlns:a14="http://schemas.microsoft.com/office/drawing/2010/main" val="0"/>
-              </a:ext>
-            </a:extLst>
-          </a:blip>
-          <a:stretch>
-            <a:fillRect/>
-          </a:stretch>
-        </p:blipFill>
-        <p:spPr>
-          <a:xfrm>
-            <a:off x="1235572" y="2017986"/>
-            <a:ext cx="3441532" cy="2384582"/>
-          </a:xfrm>
-          <a:prstGeom prst="rect">
-            <a:avLst/>
-          </a:prstGeom>
-        </p:spPr>
-      </p:pic>
     </p:spTree>
     <p:extLst>
       <p:ext uri="{BB962C8B-B14F-4D97-AF65-F5344CB8AC3E}">
-        <p14:creationId xmlns:p14="http://schemas.microsoft.com/office/powerpoint/2010/main" val="1494039657"/>
+        <p14:creationId xmlns:p14="http://schemas.microsoft.com/office/powerpoint/2010/main" val="413969592"/>
       </p:ext>
     </p:extLst>
   </p:cSld>

--- a/slides/klasse13.pptx
+++ b/slides/klasse13.pptx
@@ -128,18 +128,10 @@
 <file path=ppt/commentAuthors.xml><?xml version="1.0" encoding="utf-8"?>
 <p:cmAuthorLst xmlns:a="http://schemas.openxmlformats.org/drawingml/2006/main" xmlns:r="http://schemas.openxmlformats.org/officeDocument/2006/relationships" xmlns:p="http://schemas.openxmlformats.org/presentationml/2006/main">
   <p:cmAuthor id="1" name="Abarca Bayona, Carlos" initials="ABC" lastIdx="1" clrIdx="0">
-    <p:extLst>
-      <p:ext uri="{19B8F6BF-5375-455C-9EA6-DF929625EA0E}">
-        <p15:presenceInfo xmlns:p15="http://schemas.microsoft.com/office/powerpoint/2012/main" userId="" providerId=""/>
-      </p:ext>
-    </p:extLst>
+    <p:extLst/>
   </p:cmAuthor>
   <p:cmAuthor id="2" name="Abarca Bayona, Carlos" initials="ABC [2]" lastIdx="1" clrIdx="1">
-    <p:extLst>
-      <p:ext uri="{19B8F6BF-5375-455C-9EA6-DF929625EA0E}">
-        <p15:presenceInfo xmlns:p15="http://schemas.microsoft.com/office/powerpoint/2012/main" userId="" providerId=""/>
-      </p:ext>
-    </p:extLst>
+    <p:extLst/>
   </p:cmAuthor>
 </p:cmAuthorLst>
 </file>
@@ -3202,7 +3194,7 @@
           <a:p>
             <a:fld id="{D26AADD2-272F-3D4C-AA72-A10290954507}" type="datetimeFigureOut">
               <a:rPr lang="en-US" smtClean="0"/>
-              <a:t>8/25/16</a:t>
+              <a:t>8/29/16</a:t>
             </a:fld>
             <a:endParaRPr lang="en-US"/>
           </a:p>
@@ -3638,7 +3630,7 @@
           <a:p>
             <a:fld id="{D26AADD2-272F-3D4C-AA72-A10290954507}" type="datetimeFigureOut">
               <a:rPr lang="en-US" smtClean="0"/>
-              <a:t>8/25/16</a:t>
+              <a:t>8/29/16</a:t>
             </a:fld>
             <a:endParaRPr lang="en-US"/>
           </a:p>
@@ -3888,7 +3880,7 @@
           <a:p>
             <a:fld id="{D26AADD2-272F-3D4C-AA72-A10290954507}" type="datetimeFigureOut">
               <a:rPr lang="en-US" smtClean="0"/>
-              <a:t>8/25/16</a:t>
+              <a:t>8/29/16</a:t>
             </a:fld>
             <a:endParaRPr lang="en-US"/>
           </a:p>
@@ -4196,7 +4188,7 @@
           <a:p>
             <a:fld id="{D26AADD2-272F-3D4C-AA72-A10290954507}" type="datetimeFigureOut">
               <a:rPr lang="en-US" smtClean="0"/>
-              <a:t>8/25/16</a:t>
+              <a:t>8/29/16</a:t>
             </a:fld>
             <a:endParaRPr lang="en-US"/>
           </a:p>
@@ -4514,7 +4506,7 @@
           <a:p>
             <a:fld id="{D26AADD2-272F-3D4C-AA72-A10290954507}" type="datetimeFigureOut">
               <a:rPr lang="en-US" smtClean="0"/>
-              <a:t>8/25/16</a:t>
+              <a:t>8/29/16</a:t>
             </a:fld>
             <a:endParaRPr lang="en-US"/>
           </a:p>
@@ -4816,7 +4808,7 @@
           <a:p>
             <a:fld id="{D26AADD2-272F-3D4C-AA72-A10290954507}" type="datetimeFigureOut">
               <a:rPr lang="en-US" smtClean="0"/>
-              <a:t>8/25/16</a:t>
+              <a:t>8/29/16</a:t>
             </a:fld>
             <a:endParaRPr lang="en-US"/>
           </a:p>
@@ -5183,7 +5175,7 @@
           <a:p>
             <a:fld id="{D26AADD2-272F-3D4C-AA72-A10290954507}" type="datetimeFigureOut">
               <a:rPr lang="en-US" smtClean="0"/>
-              <a:t>8/25/16</a:t>
+              <a:t>8/29/16</a:t>
             </a:fld>
             <a:endParaRPr lang="en-US"/>
           </a:p>
@@ -5357,7 +5349,7 @@
           <a:p>
             <a:fld id="{D26AADD2-272F-3D4C-AA72-A10290954507}" type="datetimeFigureOut">
               <a:rPr lang="en-US" smtClean="0"/>
-              <a:t>8/25/16</a:t>
+              <a:t>8/29/16</a:t>
             </a:fld>
             <a:endParaRPr lang="en-US"/>
           </a:p>
@@ -5537,7 +5529,7 @@
           <a:p>
             <a:fld id="{D26AADD2-272F-3D4C-AA72-A10290954507}" type="datetimeFigureOut">
               <a:rPr lang="en-US" smtClean="0"/>
-              <a:t>8/25/16</a:t>
+              <a:t>8/29/16</a:t>
             </a:fld>
             <a:endParaRPr lang="en-US"/>
           </a:p>
@@ -5707,7 +5699,7 @@
           <a:p>
             <a:fld id="{D26AADD2-272F-3D4C-AA72-A10290954507}" type="datetimeFigureOut">
               <a:rPr lang="en-US" smtClean="0"/>
-              <a:t>8/25/16</a:t>
+              <a:t>8/29/16</a:t>
             </a:fld>
             <a:endParaRPr lang="en-US"/>
           </a:p>
@@ -5957,7 +5949,7 @@
           <a:p>
             <a:fld id="{D26AADD2-272F-3D4C-AA72-A10290954507}" type="datetimeFigureOut">
               <a:rPr lang="en-US" smtClean="0"/>
-              <a:t>8/25/16</a:t>
+              <a:t>8/29/16</a:t>
             </a:fld>
             <a:endParaRPr lang="en-US"/>
           </a:p>
@@ -6193,7 +6185,7 @@
           <a:p>
             <a:fld id="{D26AADD2-272F-3D4C-AA72-A10290954507}" type="datetimeFigureOut">
               <a:rPr lang="en-US" smtClean="0"/>
-              <a:t>8/25/16</a:t>
+              <a:t>8/29/16</a:t>
             </a:fld>
             <a:endParaRPr lang="en-US"/>
           </a:p>
@@ -6575,7 +6567,7 @@
           <a:p>
             <a:fld id="{D26AADD2-272F-3D4C-AA72-A10290954507}" type="datetimeFigureOut">
               <a:rPr lang="en-US" smtClean="0"/>
-              <a:t>8/25/16</a:t>
+              <a:t>8/29/16</a:t>
             </a:fld>
             <a:endParaRPr lang="en-US"/>
           </a:p>
@@ -6693,7 +6685,7 @@
           <a:p>
             <a:fld id="{D26AADD2-272F-3D4C-AA72-A10290954507}" type="datetimeFigureOut">
               <a:rPr lang="en-US" smtClean="0"/>
-              <a:t>8/25/16</a:t>
+              <a:t>8/29/16</a:t>
             </a:fld>
             <a:endParaRPr lang="en-US"/>
           </a:p>
@@ -6788,7 +6780,7 @@
           <a:p>
             <a:fld id="{D26AADD2-272F-3D4C-AA72-A10290954507}" type="datetimeFigureOut">
               <a:rPr lang="en-US" smtClean="0"/>
-              <a:t>8/25/16</a:t>
+              <a:t>8/29/16</a:t>
             </a:fld>
             <a:endParaRPr lang="en-US"/>
           </a:p>
@@ -7043,7 +7035,7 @@
           <a:p>
             <a:fld id="{D26AADD2-272F-3D4C-AA72-A10290954507}" type="datetimeFigureOut">
               <a:rPr lang="en-US" smtClean="0"/>
-              <a:t>8/25/16</a:t>
+              <a:t>8/29/16</a:t>
             </a:fld>
             <a:endParaRPr lang="en-US"/>
           </a:p>
@@ -7326,7 +7318,7 @@
           <a:p>
             <a:fld id="{D26AADD2-272F-3D4C-AA72-A10290954507}" type="datetimeFigureOut">
               <a:rPr lang="en-US" smtClean="0"/>
-              <a:t>8/25/16</a:t>
+              <a:t>8/29/16</a:t>
             </a:fld>
             <a:endParaRPr lang="en-US"/>
           </a:p>
@@ -7732,7 +7724,7 @@
           <a:p>
             <a:fld id="{D26AADD2-272F-3D4C-AA72-A10290954507}" type="datetimeFigureOut">
               <a:rPr lang="en-US" smtClean="0"/>
-              <a:t>8/25/16</a:t>
+              <a:t>8/29/16</a:t>
             </a:fld>
             <a:endParaRPr lang="en-US"/>
           </a:p>
@@ -8313,7 +8305,17 @@
           <a:p>
             <a:r>
               <a:rPr lang="en-US" dirty="0" smtClean="0"/>
-              <a:t>MONGODB CRUD Operations - Read</a:t>
+              <a:t>MongoDB CRUD Operations</a:t>
+            </a:r>
+          </a:p>
+          <a:p>
+            <a:r>
+              <a:rPr lang="en-US" smtClean="0"/>
+              <a:t>Read – </a:t>
+            </a:r>
+            <a:r>
+              <a:rPr lang="en-US" smtClean="0"/>
+              <a:t>Part 1</a:t>
             </a:r>
             <a:endParaRPr lang="en-US" dirty="0"/>
           </a:p>
@@ -11185,19 +11187,7 @@
             <a:pPr lvl="1"/>
             <a:r>
               <a:rPr lang="en-GB" dirty="0" smtClean="0"/>
-              <a:t>Find and print the </a:t>
-            </a:r>
-            <a:r>
-              <a:rPr lang="en-GB" dirty="0" smtClean="0"/>
-              <a:t>_id </a:t>
-            </a:r>
-            <a:r>
-              <a:rPr lang="en-GB" dirty="0" smtClean="0"/>
-              <a:t>of the students who don’t have </a:t>
-            </a:r>
-            <a:r>
-              <a:rPr lang="en-GB" dirty="0" smtClean="0"/>
-              <a:t>a name (hint: there are 2 alternatives, either the name doesn’t exist or it’s null) </a:t>
+              <a:t>Find and print the _id of the students who don’t have a name (hint: there are 2 alternatives, either the name doesn’t exist or it’s null) </a:t>
             </a:r>
             <a:endParaRPr lang="en-GB" dirty="0"/>
           </a:p>

--- a/slides/klasse13.pptx
+++ b/slides/klasse13.pptx
@@ -3194,7 +3194,7 @@
           <a:p>
             <a:fld id="{D26AADD2-272F-3D4C-AA72-A10290954507}" type="datetimeFigureOut">
               <a:rPr lang="en-US" smtClean="0"/>
-              <a:t>8/29/16</a:t>
+              <a:t>9/2/16</a:t>
             </a:fld>
             <a:endParaRPr lang="en-US"/>
           </a:p>
@@ -3630,7 +3630,7 @@
           <a:p>
             <a:fld id="{D26AADD2-272F-3D4C-AA72-A10290954507}" type="datetimeFigureOut">
               <a:rPr lang="en-US" smtClean="0"/>
-              <a:t>8/29/16</a:t>
+              <a:t>9/2/16</a:t>
             </a:fld>
             <a:endParaRPr lang="en-US"/>
           </a:p>
@@ -3880,7 +3880,7 @@
           <a:p>
             <a:fld id="{D26AADD2-272F-3D4C-AA72-A10290954507}" type="datetimeFigureOut">
               <a:rPr lang="en-US" smtClean="0"/>
-              <a:t>8/29/16</a:t>
+              <a:t>9/2/16</a:t>
             </a:fld>
             <a:endParaRPr lang="en-US"/>
           </a:p>
@@ -4188,7 +4188,7 @@
           <a:p>
             <a:fld id="{D26AADD2-272F-3D4C-AA72-A10290954507}" type="datetimeFigureOut">
               <a:rPr lang="en-US" smtClean="0"/>
-              <a:t>8/29/16</a:t>
+              <a:t>9/2/16</a:t>
             </a:fld>
             <a:endParaRPr lang="en-US"/>
           </a:p>
@@ -4506,7 +4506,7 @@
           <a:p>
             <a:fld id="{D26AADD2-272F-3D4C-AA72-A10290954507}" type="datetimeFigureOut">
               <a:rPr lang="en-US" smtClean="0"/>
-              <a:t>8/29/16</a:t>
+              <a:t>9/2/16</a:t>
             </a:fld>
             <a:endParaRPr lang="en-US"/>
           </a:p>
@@ -4808,7 +4808,7 @@
           <a:p>
             <a:fld id="{D26AADD2-272F-3D4C-AA72-A10290954507}" type="datetimeFigureOut">
               <a:rPr lang="en-US" smtClean="0"/>
-              <a:t>8/29/16</a:t>
+              <a:t>9/2/16</a:t>
             </a:fld>
             <a:endParaRPr lang="en-US"/>
           </a:p>
@@ -5175,7 +5175,7 @@
           <a:p>
             <a:fld id="{D26AADD2-272F-3D4C-AA72-A10290954507}" type="datetimeFigureOut">
               <a:rPr lang="en-US" smtClean="0"/>
-              <a:t>8/29/16</a:t>
+              <a:t>9/2/16</a:t>
             </a:fld>
             <a:endParaRPr lang="en-US"/>
           </a:p>
@@ -5349,7 +5349,7 @@
           <a:p>
             <a:fld id="{D26AADD2-272F-3D4C-AA72-A10290954507}" type="datetimeFigureOut">
               <a:rPr lang="en-US" smtClean="0"/>
-              <a:t>8/29/16</a:t>
+              <a:t>9/2/16</a:t>
             </a:fld>
             <a:endParaRPr lang="en-US"/>
           </a:p>
@@ -5529,7 +5529,7 @@
           <a:p>
             <a:fld id="{D26AADD2-272F-3D4C-AA72-A10290954507}" type="datetimeFigureOut">
               <a:rPr lang="en-US" smtClean="0"/>
-              <a:t>8/29/16</a:t>
+              <a:t>9/2/16</a:t>
             </a:fld>
             <a:endParaRPr lang="en-US"/>
           </a:p>
@@ -5699,7 +5699,7 @@
           <a:p>
             <a:fld id="{D26AADD2-272F-3D4C-AA72-A10290954507}" type="datetimeFigureOut">
               <a:rPr lang="en-US" smtClean="0"/>
-              <a:t>8/29/16</a:t>
+              <a:t>9/2/16</a:t>
             </a:fld>
             <a:endParaRPr lang="en-US"/>
           </a:p>
@@ -5949,7 +5949,7 @@
           <a:p>
             <a:fld id="{D26AADD2-272F-3D4C-AA72-A10290954507}" type="datetimeFigureOut">
               <a:rPr lang="en-US" smtClean="0"/>
-              <a:t>8/29/16</a:t>
+              <a:t>9/2/16</a:t>
             </a:fld>
             <a:endParaRPr lang="en-US"/>
           </a:p>
@@ -6185,7 +6185,7 @@
           <a:p>
             <a:fld id="{D26AADD2-272F-3D4C-AA72-A10290954507}" type="datetimeFigureOut">
               <a:rPr lang="en-US" smtClean="0"/>
-              <a:t>8/29/16</a:t>
+              <a:t>9/2/16</a:t>
             </a:fld>
             <a:endParaRPr lang="en-US"/>
           </a:p>
@@ -6567,7 +6567,7 @@
           <a:p>
             <a:fld id="{D26AADD2-272F-3D4C-AA72-A10290954507}" type="datetimeFigureOut">
               <a:rPr lang="en-US" smtClean="0"/>
-              <a:t>8/29/16</a:t>
+              <a:t>9/2/16</a:t>
             </a:fld>
             <a:endParaRPr lang="en-US"/>
           </a:p>
@@ -6685,7 +6685,7 @@
           <a:p>
             <a:fld id="{D26AADD2-272F-3D4C-AA72-A10290954507}" type="datetimeFigureOut">
               <a:rPr lang="en-US" smtClean="0"/>
-              <a:t>8/29/16</a:t>
+              <a:t>9/2/16</a:t>
             </a:fld>
             <a:endParaRPr lang="en-US"/>
           </a:p>
@@ -6780,7 +6780,7 @@
           <a:p>
             <a:fld id="{D26AADD2-272F-3D4C-AA72-A10290954507}" type="datetimeFigureOut">
               <a:rPr lang="en-US" smtClean="0"/>
-              <a:t>8/29/16</a:t>
+              <a:t>9/2/16</a:t>
             </a:fld>
             <a:endParaRPr lang="en-US"/>
           </a:p>
@@ -7035,7 +7035,7 @@
           <a:p>
             <a:fld id="{D26AADD2-272F-3D4C-AA72-A10290954507}" type="datetimeFigureOut">
               <a:rPr lang="en-US" smtClean="0"/>
-              <a:t>8/29/16</a:t>
+              <a:t>9/2/16</a:t>
             </a:fld>
             <a:endParaRPr lang="en-US"/>
           </a:p>
@@ -7318,7 +7318,7 @@
           <a:p>
             <a:fld id="{D26AADD2-272F-3D4C-AA72-A10290954507}" type="datetimeFigureOut">
               <a:rPr lang="en-US" smtClean="0"/>
-              <a:t>8/29/16</a:t>
+              <a:t>9/2/16</a:t>
             </a:fld>
             <a:endParaRPr lang="en-US"/>
           </a:p>
@@ -7724,7 +7724,7 @@
           <a:p>
             <a:fld id="{D26AADD2-272F-3D4C-AA72-A10290954507}" type="datetimeFigureOut">
               <a:rPr lang="en-US" smtClean="0"/>
-              <a:t>8/29/16</a:t>
+              <a:t>9/2/16</a:t>
             </a:fld>
             <a:endParaRPr lang="en-US"/>
           </a:p>
@@ -8311,11 +8311,7 @@
           <a:p>
             <a:r>
               <a:rPr lang="en-US" smtClean="0"/>
-              <a:t>Read – </a:t>
-            </a:r>
-            <a:r>
-              <a:rPr lang="en-US" smtClean="0"/>
-              <a:t>Part 1</a:t>
+              <a:t>Read – Part 1</a:t>
             </a:r>
             <a:endParaRPr lang="en-US" dirty="0"/>
           </a:p>
@@ -13050,7 +13046,7 @@
             </a:r>
             <a:r>
               <a:rPr lang="en-GB" dirty="0" smtClean="0"/>
-              <a:t>1)</a:t>
+              <a:t>1})</a:t>
             </a:r>
             <a:r>
               <a:rPr lang="en-GB" dirty="0"/>
